--- a/WebContent/MergeTools.pptx
+++ b/WebContent/MergeTools.pptx
@@ -353,7 +353,7 @@
           <a:p>
             <a:fld id="{2DF66AD8-BC4A-4004-9882-414398D930CA}" type="datetimeFigureOut">
               <a:rPr lang="en-US" smtClean="0"/>
-              <a:t>2/16/15</a:t>
+              <a:t>2/17/15</a:t>
             </a:fld>
             <a:endParaRPr lang="en-US"/>
           </a:p>
@@ -498,7 +498,7 @@
           <a:p>
             <a:fld id="{2DF66AD8-BC4A-4004-9882-414398D930CA}" type="datetimeFigureOut">
               <a:rPr lang="en-US" smtClean="0"/>
-              <a:t>2/16/15</a:t>
+              <a:t>2/17/15</a:t>
             </a:fld>
             <a:endParaRPr lang="en-US"/>
           </a:p>
@@ -955,7 +955,7 @@
           <a:p>
             <a:fld id="{2DF66AD8-BC4A-4004-9882-414398D930CA}" type="datetimeFigureOut">
               <a:rPr lang="en-US" smtClean="0"/>
-              <a:t>2/16/15</a:t>
+              <a:t>2/17/15</a:t>
             </a:fld>
             <a:endParaRPr lang="en-US"/>
           </a:p>
@@ -1323,7 +1323,7 @@
           <a:p>
             <a:fld id="{2DF66AD8-BC4A-4004-9882-414398D930CA}" type="datetimeFigureOut">
               <a:rPr lang="en-US" smtClean="0"/>
-              <a:t>2/16/15</a:t>
+              <a:t>2/17/15</a:t>
             </a:fld>
             <a:endParaRPr lang="en-US"/>
           </a:p>
@@ -1413,7 +1413,7 @@
           <a:p>
             <a:fld id="{2DF66AD8-BC4A-4004-9882-414398D930CA}" type="datetimeFigureOut">
               <a:rPr lang="en-US" smtClean="0"/>
-              <a:t>2/16/15</a:t>
+              <a:t>2/17/15</a:t>
             </a:fld>
             <a:endParaRPr lang="en-US"/>
           </a:p>
@@ -1691,7 +1691,7 @@
           <a:p>
             <a:fld id="{2DF66AD8-BC4A-4004-9882-414398D930CA}" type="datetimeFigureOut">
               <a:rPr lang="en-US" smtClean="0"/>
-              <a:t>2/16/15</a:t>
+              <a:t>2/17/15</a:t>
             </a:fld>
             <a:endParaRPr lang="en-US"/>
           </a:p>
@@ -1884,7 +1884,7 @@
           <a:p>
             <a:fld id="{2DF66AD8-BC4A-4004-9882-414398D930CA}" type="datetimeFigureOut">
               <a:rPr lang="en-US" smtClean="0"/>
-              <a:t>2/16/15</a:t>
+              <a:t>2/17/15</a:t>
             </a:fld>
             <a:endParaRPr lang="en-US"/>
           </a:p>
@@ -2626,7 +2626,7 @@
           <a:p>
             <a:fld id="{2DF66AD8-BC4A-4004-9882-414398D930CA}" type="datetimeFigureOut">
               <a:rPr lang="en-US" smtClean="0"/>
-              <a:t>2/16/15</a:t>
+              <a:t>2/17/15</a:t>
             </a:fld>
             <a:endParaRPr lang="en-US"/>
           </a:p>
@@ -2964,7 +2964,7 @@
           <a:p>
             <a:fld id="{2DF66AD8-BC4A-4004-9882-414398D930CA}" type="datetimeFigureOut">
               <a:rPr lang="en-US" smtClean="0"/>
-              <a:t>2/16/15</a:t>
+              <a:t>2/17/15</a:t>
             </a:fld>
             <a:endParaRPr lang="en-US"/>
           </a:p>
@@ -3561,7 +3561,7 @@
           <a:p>
             <a:fld id="{2DF66AD8-BC4A-4004-9882-414398D930CA}" type="datetimeFigureOut">
               <a:rPr lang="en-US" smtClean="0"/>
-              <a:t>2/16/15</a:t>
+              <a:t>2/17/15</a:t>
             </a:fld>
             <a:endParaRPr lang="en-US"/>
           </a:p>
@@ -3744,7 +3744,7 @@
           <a:p>
             <a:fld id="{2DF66AD8-BC4A-4004-9882-414398D930CA}" type="datetimeFigureOut">
               <a:rPr lang="en-US" smtClean="0"/>
-              <a:t>2/16/15</a:t>
+              <a:t>2/17/15</a:t>
             </a:fld>
             <a:endParaRPr lang="en-US"/>
           </a:p>
@@ -3913,7 +3913,7 @@
           <a:p>
             <a:fld id="{2DF66AD8-BC4A-4004-9882-414398D930CA}" type="datetimeFigureOut">
               <a:rPr lang="en-US" smtClean="0"/>
-              <a:t>2/16/15</a:t>
+              <a:t>2/17/15</a:t>
             </a:fld>
             <a:endParaRPr lang="en-US"/>
           </a:p>
@@ -4106,7 +4106,7 @@
           <a:p>
             <a:fld id="{2DF66AD8-BC4A-4004-9882-414398D930CA}" type="datetimeFigureOut">
               <a:rPr lang="en-US" smtClean="0"/>
-              <a:t>2/16/15</a:t>
+              <a:t>2/17/15</a:t>
             </a:fld>
             <a:endParaRPr lang="en-US"/>
           </a:p>
@@ -4525,7 +4525,7 @@
           <a:p>
             <a:fld id="{2DF66AD8-BC4A-4004-9882-414398D930CA}" type="datetimeFigureOut">
               <a:rPr lang="en-US" smtClean="0"/>
-              <a:t>2/16/15</a:t>
+              <a:t>2/17/15</a:t>
             </a:fld>
             <a:endParaRPr lang="en-US"/>
           </a:p>
@@ -4823,7 +4823,7 @@
           <a:p>
             <a:fld id="{2DF66AD8-BC4A-4004-9882-414398D930CA}" type="datetimeFigureOut">
               <a:rPr lang="en-US" smtClean="0"/>
-              <a:t>2/16/15</a:t>
+              <a:t>2/17/15</a:t>
             </a:fld>
             <a:endParaRPr lang="en-US"/>
           </a:p>
@@ -5224,7 +5224,7 @@
           <a:p>
             <a:fld id="{2DF66AD8-BC4A-4004-9882-414398D930CA}" type="datetimeFigureOut">
               <a:rPr lang="en-US" smtClean="0"/>
-              <a:t>2/16/15</a:t>
+              <a:t>2/17/15</a:t>
             </a:fld>
             <a:endParaRPr lang="en-US"/>
           </a:p>
@@ -5614,7 +5614,7 @@
           <a:p>
             <a:fld id="{2DF66AD8-BC4A-4004-9882-414398D930CA}" type="datetimeFigureOut">
               <a:rPr lang="en-US" smtClean="0"/>
-              <a:t>2/16/15</a:t>
+              <a:t>2/17/15</a:t>
             </a:fld>
             <a:endParaRPr lang="en-US"/>
           </a:p>
@@ -5897,7 +5897,7 @@
           <a:p>
             <a:fld id="{2DF66AD8-BC4A-4004-9882-414398D930CA}" type="datetimeFigureOut">
               <a:rPr lang="en-US" smtClean="0"/>
-              <a:t>2/16/15</a:t>
+              <a:t>2/17/15</a:t>
             </a:fld>
             <a:endParaRPr lang="en-US"/>
           </a:p>
@@ -6336,7 +6336,7 @@
           <a:p>
             <a:fld id="{2DF66AD8-BC4A-4004-9882-414398D930CA}" type="datetimeFigureOut">
               <a:rPr lang="en-US" smtClean="0"/>
-              <a:t>2/16/15</a:t>
+              <a:t>2/17/15</a:t>
             </a:fld>
             <a:endParaRPr lang="en-US"/>
           </a:p>
@@ -6630,7 +6630,7 @@
           <a:p>
             <a:fld id="{2DF66AD8-BC4A-4004-9882-414398D930CA}" type="datetimeFigureOut">
               <a:rPr lang="en-US" smtClean="0"/>
-              <a:t>2/16/15</a:t>
+              <a:t>2/17/15</a:t>
             </a:fld>
             <a:endParaRPr lang="en-US"/>
           </a:p>
@@ -6922,7 +6922,7 @@
           <a:p>
             <a:fld id="{2DF66AD8-BC4A-4004-9882-414398D930CA}" type="datetimeFigureOut">
               <a:rPr lang="en-US" smtClean="0"/>
-              <a:t>2/16/15</a:t>
+              <a:t>2/17/15</a:t>
             </a:fld>
             <a:endParaRPr lang="en-US"/>
           </a:p>
@@ -8930,19 +8930,7 @@
                     <a:p>
                       <a:r>
                         <a:rPr lang="en-US" sz="1000" dirty="0" smtClean="0"/>
-                        <a:t>Select </a:t>
-                      </a:r>
-                      <a:r>
-                        <a:rPr lang="en-US" sz="1000" dirty="0" smtClean="0"/>
-                        <a:t>* </a:t>
-                      </a:r>
-                      <a:r>
-                        <a:rPr lang="en-US" sz="1000" dirty="0" smtClean="0"/>
-                        <a:t>from </a:t>
-                      </a:r>
-                      <a:r>
-                        <a:rPr lang="en-US" sz="1000" dirty="0" smtClean="0"/>
-                        <a:t>contacts</a:t>
+                        <a:t>Select * from contacts</a:t>
                       </a:r>
                       <a:endParaRPr lang="en-US" sz="1000" dirty="0"/>
                     </a:p>
@@ -10790,7 +10778,15 @@
           <a:p>
             <a:r>
               <a:rPr lang="en-US" dirty="0" smtClean="0"/>
-              <a:t>4 Was to add Replace Values</a:t>
+              <a:t>4 </a:t>
+            </a:r>
+            <a:r>
+              <a:rPr lang="en-US" dirty="0" smtClean="0"/>
+              <a:t>Ways </a:t>
+            </a:r>
+            <a:r>
+              <a:rPr lang="en-US" dirty="0" smtClean="0"/>
+              <a:t>to add Replace Values</a:t>
             </a:r>
             <a:endParaRPr lang="en-US" dirty="0"/>
           </a:p>

--- a/WebContent/MergeTools.pptx
+++ b/WebContent/MergeTools.pptx
@@ -9,15 +9,15 @@
     <p:sldId id="257" r:id="rId3"/>
     <p:sldId id="260" r:id="rId4"/>
     <p:sldId id="258" r:id="rId5"/>
-    <p:sldId id="259" r:id="rId6"/>
-    <p:sldId id="261" r:id="rId7"/>
-    <p:sldId id="263" r:id="rId8"/>
-    <p:sldId id="264" r:id="rId9"/>
-    <p:sldId id="265" r:id="rId10"/>
-    <p:sldId id="267" r:id="rId11"/>
-    <p:sldId id="266" r:id="rId12"/>
-    <p:sldId id="268" r:id="rId13"/>
-    <p:sldId id="269" r:id="rId14"/>
+    <p:sldId id="267" r:id="rId6"/>
+    <p:sldId id="269" r:id="rId7"/>
+    <p:sldId id="259" r:id="rId8"/>
+    <p:sldId id="261" r:id="rId9"/>
+    <p:sldId id="263" r:id="rId10"/>
+    <p:sldId id="264" r:id="rId11"/>
+    <p:sldId id="265" r:id="rId12"/>
+    <p:sldId id="266" r:id="rId13"/>
+    <p:sldId id="268" r:id="rId14"/>
     <p:sldId id="270" r:id="rId15"/>
   </p:sldIdLst>
   <p:sldSz cx="9144000" cy="6858000" type="screen4x3"/>
@@ -353,7 +353,7 @@
           <a:p>
             <a:fld id="{2DF66AD8-BC4A-4004-9882-414398D930CA}" type="datetimeFigureOut">
               <a:rPr lang="en-US" smtClean="0"/>
-              <a:t>2/17/15</a:t>
+              <a:t>2/18/15</a:t>
             </a:fld>
             <a:endParaRPr lang="en-US"/>
           </a:p>
@@ -498,7 +498,7 @@
           <a:p>
             <a:fld id="{2DF66AD8-BC4A-4004-9882-414398D930CA}" type="datetimeFigureOut">
               <a:rPr lang="en-US" smtClean="0"/>
-              <a:t>2/17/15</a:t>
+              <a:t>2/18/15</a:t>
             </a:fld>
             <a:endParaRPr lang="en-US"/>
           </a:p>
@@ -955,7 +955,7 @@
           <a:p>
             <a:fld id="{2DF66AD8-BC4A-4004-9882-414398D930CA}" type="datetimeFigureOut">
               <a:rPr lang="en-US" smtClean="0"/>
-              <a:t>2/17/15</a:t>
+              <a:t>2/18/15</a:t>
             </a:fld>
             <a:endParaRPr lang="en-US"/>
           </a:p>
@@ -1323,7 +1323,7 @@
           <a:p>
             <a:fld id="{2DF66AD8-BC4A-4004-9882-414398D930CA}" type="datetimeFigureOut">
               <a:rPr lang="en-US" smtClean="0"/>
-              <a:t>2/17/15</a:t>
+              <a:t>2/18/15</a:t>
             </a:fld>
             <a:endParaRPr lang="en-US"/>
           </a:p>
@@ -1413,7 +1413,7 @@
           <a:p>
             <a:fld id="{2DF66AD8-BC4A-4004-9882-414398D930CA}" type="datetimeFigureOut">
               <a:rPr lang="en-US" smtClean="0"/>
-              <a:t>2/17/15</a:t>
+              <a:t>2/18/15</a:t>
             </a:fld>
             <a:endParaRPr lang="en-US"/>
           </a:p>
@@ -1691,7 +1691,7 @@
           <a:p>
             <a:fld id="{2DF66AD8-BC4A-4004-9882-414398D930CA}" type="datetimeFigureOut">
               <a:rPr lang="en-US" smtClean="0"/>
-              <a:t>2/17/15</a:t>
+              <a:t>2/18/15</a:t>
             </a:fld>
             <a:endParaRPr lang="en-US"/>
           </a:p>
@@ -1884,7 +1884,7 @@
           <a:p>
             <a:fld id="{2DF66AD8-BC4A-4004-9882-414398D930CA}" type="datetimeFigureOut">
               <a:rPr lang="en-US" smtClean="0"/>
-              <a:t>2/17/15</a:t>
+              <a:t>2/18/15</a:t>
             </a:fld>
             <a:endParaRPr lang="en-US"/>
           </a:p>
@@ -2626,7 +2626,7 @@
           <a:p>
             <a:fld id="{2DF66AD8-BC4A-4004-9882-414398D930CA}" type="datetimeFigureOut">
               <a:rPr lang="en-US" smtClean="0"/>
-              <a:t>2/17/15</a:t>
+              <a:t>2/18/15</a:t>
             </a:fld>
             <a:endParaRPr lang="en-US"/>
           </a:p>
@@ -2964,7 +2964,7 @@
           <a:p>
             <a:fld id="{2DF66AD8-BC4A-4004-9882-414398D930CA}" type="datetimeFigureOut">
               <a:rPr lang="en-US" smtClean="0"/>
-              <a:t>2/17/15</a:t>
+              <a:t>2/18/15</a:t>
             </a:fld>
             <a:endParaRPr lang="en-US"/>
           </a:p>
@@ -3561,7 +3561,7 @@
           <a:p>
             <a:fld id="{2DF66AD8-BC4A-4004-9882-414398D930CA}" type="datetimeFigureOut">
               <a:rPr lang="en-US" smtClean="0"/>
-              <a:t>2/17/15</a:t>
+              <a:t>2/18/15</a:t>
             </a:fld>
             <a:endParaRPr lang="en-US"/>
           </a:p>
@@ -3744,7 +3744,7 @@
           <a:p>
             <a:fld id="{2DF66AD8-BC4A-4004-9882-414398D930CA}" type="datetimeFigureOut">
               <a:rPr lang="en-US" smtClean="0"/>
-              <a:t>2/17/15</a:t>
+              <a:t>2/18/15</a:t>
             </a:fld>
             <a:endParaRPr lang="en-US"/>
           </a:p>
@@ -3913,7 +3913,7 @@
           <a:p>
             <a:fld id="{2DF66AD8-BC4A-4004-9882-414398D930CA}" type="datetimeFigureOut">
               <a:rPr lang="en-US" smtClean="0"/>
-              <a:t>2/17/15</a:t>
+              <a:t>2/18/15</a:t>
             </a:fld>
             <a:endParaRPr lang="en-US"/>
           </a:p>
@@ -4106,7 +4106,7 @@
           <a:p>
             <a:fld id="{2DF66AD8-BC4A-4004-9882-414398D930CA}" type="datetimeFigureOut">
               <a:rPr lang="en-US" smtClean="0"/>
-              <a:t>2/17/15</a:t>
+              <a:t>2/18/15</a:t>
             </a:fld>
             <a:endParaRPr lang="en-US"/>
           </a:p>
@@ -4525,7 +4525,7 @@
           <a:p>
             <a:fld id="{2DF66AD8-BC4A-4004-9882-414398D930CA}" type="datetimeFigureOut">
               <a:rPr lang="en-US" smtClean="0"/>
-              <a:t>2/17/15</a:t>
+              <a:t>2/18/15</a:t>
             </a:fld>
             <a:endParaRPr lang="en-US"/>
           </a:p>
@@ -4823,7 +4823,7 @@
           <a:p>
             <a:fld id="{2DF66AD8-BC4A-4004-9882-414398D930CA}" type="datetimeFigureOut">
               <a:rPr lang="en-US" smtClean="0"/>
-              <a:t>2/17/15</a:t>
+              <a:t>2/18/15</a:t>
             </a:fld>
             <a:endParaRPr lang="en-US"/>
           </a:p>
@@ -5224,7 +5224,7 @@
           <a:p>
             <a:fld id="{2DF66AD8-BC4A-4004-9882-414398D930CA}" type="datetimeFigureOut">
               <a:rPr lang="en-US" smtClean="0"/>
-              <a:t>2/17/15</a:t>
+              <a:t>2/18/15</a:t>
             </a:fld>
             <a:endParaRPr lang="en-US"/>
           </a:p>
@@ -5614,7 +5614,7 @@
           <a:p>
             <a:fld id="{2DF66AD8-BC4A-4004-9882-414398D930CA}" type="datetimeFigureOut">
               <a:rPr lang="en-US" smtClean="0"/>
-              <a:t>2/17/15</a:t>
+              <a:t>2/18/15</a:t>
             </a:fld>
             <a:endParaRPr lang="en-US"/>
           </a:p>
@@ -5897,7 +5897,7 @@
           <a:p>
             <a:fld id="{2DF66AD8-BC4A-4004-9882-414398D930CA}" type="datetimeFigureOut">
               <a:rPr lang="en-US" smtClean="0"/>
-              <a:t>2/17/15</a:t>
+              <a:t>2/18/15</a:t>
             </a:fld>
             <a:endParaRPr lang="en-US"/>
           </a:p>
@@ -6336,7 +6336,7 @@
           <a:p>
             <a:fld id="{2DF66AD8-BC4A-4004-9882-414398D930CA}" type="datetimeFigureOut">
               <a:rPr lang="en-US" smtClean="0"/>
-              <a:t>2/17/15</a:t>
+              <a:t>2/18/15</a:t>
             </a:fld>
             <a:endParaRPr lang="en-US"/>
           </a:p>
@@ -6630,7 +6630,7 @@
           <a:p>
             <a:fld id="{2DF66AD8-BC4A-4004-9882-414398D930CA}" type="datetimeFigureOut">
               <a:rPr lang="en-US" smtClean="0"/>
-              <a:t>2/17/15</a:t>
+              <a:t>2/18/15</a:t>
             </a:fld>
             <a:endParaRPr lang="en-US"/>
           </a:p>
@@ -6922,7 +6922,7 @@
           <a:p>
             <a:fld id="{2DF66AD8-BC4A-4004-9882-414398D930CA}" type="datetimeFigureOut">
               <a:rPr lang="en-US" smtClean="0"/>
-              <a:t>2/17/15</a:t>
+              <a:t>2/18/15</a:t>
             </a:fld>
             <a:endParaRPr lang="en-US"/>
           </a:p>
@@ -7354,8 +7354,8 @@
           <a:lstStyle/>
           <a:p>
             <a:r>
-              <a:rPr lang="en-US" dirty="0" smtClean="0"/>
-              <a:t>Merge Tools</a:t>
+              <a:rPr lang="en-US" dirty="0" err="1" smtClean="0"/>
+              <a:t>DragonFly</a:t>
             </a:r>
             <a:endParaRPr lang="en-US" dirty="0"/>
           </a:p>
@@ -7376,6 +7376,10 @@
           <a:bodyPr/>
           <a:lstStyle/>
           <a:p>
+            <a:r>
+              <a:rPr lang="en-US" dirty="0" smtClean="0"/>
+              <a:t>A SQL and Template based Merge Tool</a:t>
+            </a:r>
             <a:endParaRPr lang="en-US" dirty="0"/>
           </a:p>
         </p:txBody>
@@ -7390,6 +7394,13 @@
   <p:clrMapOvr>
     <a:masterClrMapping/>
   </p:clrMapOvr>
+  <p:timing>
+    <p:tnLst>
+      <p:par>
+        <p:cTn xmlns:p14="http://schemas.microsoft.com/office/powerpoint/2010/main" id="1" dur="indefinite" restart="never" nodeType="tmRoot"/>
+      </p:par>
+    </p:tnLst>
+  </p:timing>
 </p:sld>
 </file>
 
@@ -7427,520 +7438,820 @@
           <a:p>
             <a:r>
               <a:rPr lang="en-US" dirty="0" smtClean="0"/>
-              <a:t>Merge Sub-Templates</a:t>
+              <a:t>Replace Column Directive</a:t>
             </a:r>
             <a:endParaRPr lang="en-US" dirty="0"/>
           </a:p>
         </p:txBody>
       </p:sp>
-      <p:sp>
-        <p:nvSpPr>
-          <p:cNvPr id="6" name="TextBox 5"/>
-          <p:cNvSpPr txBox="1"/>
-          <p:nvPr/>
+      <p:graphicFrame>
+        <p:nvGraphicFramePr>
+          <p:cNvPr id="5" name="Table 4"/>
+          <p:cNvGraphicFramePr>
+            <a:graphicFrameLocks noGrp="1"/>
+          </p:cNvGraphicFramePr>
+          <p:nvPr>
+            <p:extLst>
+              <p:ext uri="{D42A27DB-BD31-4B8C-83A1-F6EECF244321}">
+                <p14:modId xmlns:p14="http://schemas.microsoft.com/office/powerpoint/2010/main" val="4030037720"/>
+              </p:ext>
+            </p:extLst>
+          </p:nvPr>
+        </p:nvGraphicFramePr>
+        <p:xfrm>
+          <a:off x="6598745" y="4478909"/>
+          <a:ext cx="2300014" cy="2103797"/>
+        </p:xfrm>
+        <a:graphic>
+          <a:graphicData uri="http://schemas.openxmlformats.org/drawingml/2006/table">
+            <a:tbl>
+              <a:tblPr firstRow="1" bandRow="1">
+                <a:tableStyleId>{306799F8-075E-4A3A-A7F6-7FBC6576F1A4}</a:tableStyleId>
+              </a:tblPr>
+              <a:tblGrid>
+                <a:gridCol w="1150007"/>
+                <a:gridCol w="1150007"/>
+              </a:tblGrid>
+              <a:tr h="391334">
+                <a:tc>
+                  <a:txBody>
+                    <a:bodyPr/>
+                    <a:lstStyle/>
+                    <a:p>
+                      <a:r>
+                        <a:rPr lang="en-US" dirty="0" smtClean="0"/>
+                        <a:t>From</a:t>
+                      </a:r>
+                      <a:endParaRPr lang="en-US" dirty="0"/>
+                    </a:p>
+                  </a:txBody>
+                  <a:tcPr/>
+                </a:tc>
+                <a:tc>
+                  <a:txBody>
+                    <a:bodyPr/>
+                    <a:lstStyle/>
+                    <a:p>
+                      <a:r>
+                        <a:rPr lang="en-US" dirty="0" smtClean="0"/>
+                        <a:t>To</a:t>
+                      </a:r>
+                      <a:endParaRPr lang="en-US" dirty="0"/>
+                    </a:p>
+                  </a:txBody>
+                  <a:tcPr/>
+                </a:tc>
+              </a:tr>
+              <a:tr h="329663">
+                <a:tc>
+                  <a:txBody>
+                    <a:bodyPr/>
+                    <a:lstStyle/>
+                    <a:p>
+                      <a:r>
+                        <a:rPr lang="en-US" sz="1200" dirty="0" smtClean="0"/>
+                        <a:t>{name}</a:t>
+                      </a:r>
+                      <a:endParaRPr lang="en-US" sz="1200" dirty="0"/>
+                    </a:p>
+                  </a:txBody>
+                  <a:tcPr/>
+                </a:tc>
+                <a:tc>
+                  <a:txBody>
+                    <a:bodyPr/>
+                    <a:lstStyle/>
+                    <a:p>
+                      <a:r>
+                        <a:rPr lang="en-US" sz="1200" dirty="0" smtClean="0"/>
+                        <a:t>Mike</a:t>
+                      </a:r>
+                      <a:endParaRPr lang="en-US" sz="1200" dirty="0"/>
+                    </a:p>
+                  </a:txBody>
+                  <a:tcPr/>
+                </a:tc>
+              </a:tr>
+              <a:tr h="276560">
+                <a:tc>
+                  <a:txBody>
+                    <a:bodyPr/>
+                    <a:lstStyle/>
+                    <a:p>
+                      <a:r>
+                        <a:rPr lang="en-US" sz="1200" dirty="0" smtClean="0"/>
+                        <a:t>{age}</a:t>
+                      </a:r>
+                      <a:endParaRPr lang="en-US" sz="1200" dirty="0"/>
+                    </a:p>
+                  </a:txBody>
+                  <a:tcPr/>
+                </a:tc>
+                <a:tc>
+                  <a:txBody>
+                    <a:bodyPr/>
+                    <a:lstStyle/>
+                    <a:p>
+                      <a:r>
+                        <a:rPr lang="en-US" sz="1200" dirty="0" smtClean="0"/>
+                        <a:t>21</a:t>
+                      </a:r>
+                      <a:endParaRPr lang="en-US" sz="1200" dirty="0"/>
+                    </a:p>
+                  </a:txBody>
+                  <a:tcPr/>
+                </a:tc>
+              </a:tr>
+              <a:tr h="276560">
+                <a:tc>
+                  <a:txBody>
+                    <a:bodyPr/>
+                    <a:lstStyle/>
+                    <a:p>
+                      <a:r>
+                        <a:rPr lang="en-US" sz="1200" dirty="0" smtClean="0"/>
+                        <a:t>{company}</a:t>
+                      </a:r>
+                      <a:endParaRPr lang="en-US" sz="1200" dirty="0"/>
+                    </a:p>
+                  </a:txBody>
+                  <a:tcPr/>
+                </a:tc>
+                <a:tc>
+                  <a:txBody>
+                    <a:bodyPr/>
+                    <a:lstStyle/>
+                    <a:p>
+                      <a:r>
+                        <a:rPr lang="en-US" sz="1200" dirty="0" smtClean="0"/>
+                        <a:t>Blue Widgets</a:t>
+                      </a:r>
+                      <a:endParaRPr lang="en-US" sz="1200" dirty="0"/>
+                    </a:p>
+                  </a:txBody>
+                  <a:tcPr/>
+                </a:tc>
+              </a:tr>
+              <a:tr h="276560">
+                <a:tc>
+                  <a:txBody>
+                    <a:bodyPr/>
+                    <a:lstStyle/>
+                    <a:p>
+                      <a:r>
+                        <a:rPr lang="en-US" sz="1200" dirty="0" smtClean="0"/>
+                        <a:t>{Division}</a:t>
+                      </a:r>
+                      <a:endParaRPr lang="en-US" sz="1200" dirty="0"/>
+                    </a:p>
+                  </a:txBody>
+                  <a:tcPr/>
+                </a:tc>
+                <a:tc>
+                  <a:txBody>
+                    <a:bodyPr/>
+                    <a:lstStyle/>
+                    <a:p>
+                      <a:r>
+                        <a:rPr lang="en-US" sz="1200" dirty="0" smtClean="0"/>
+                        <a:t>Sales</a:t>
+                      </a:r>
+                      <a:endParaRPr lang="en-US" sz="1200" dirty="0"/>
+                    </a:p>
+                  </a:txBody>
+                  <a:tcPr/>
+                </a:tc>
+              </a:tr>
+              <a:tr h="276560">
+                <a:tc>
+                  <a:txBody>
+                    <a:bodyPr/>
+                    <a:lstStyle/>
+                    <a:p>
+                      <a:r>
+                        <a:rPr lang="en-US" sz="1200" dirty="0" smtClean="0"/>
+                        <a:t>{</a:t>
+                      </a:r>
+                      <a:r>
+                        <a:rPr lang="en-US" sz="1200" dirty="0" err="1" smtClean="0"/>
+                        <a:t>CostCenter</a:t>
+                      </a:r>
+                      <a:r>
+                        <a:rPr lang="en-US" sz="1200" dirty="0" smtClean="0"/>
+                        <a:t>}</a:t>
+                      </a:r>
+                      <a:endParaRPr lang="en-US" sz="1200" dirty="0"/>
+                    </a:p>
+                  </a:txBody>
+                  <a:tcPr/>
+                </a:tc>
+                <a:tc>
+                  <a:txBody>
+                    <a:bodyPr/>
+                    <a:lstStyle/>
+                    <a:p>
+                      <a:r>
+                        <a:rPr lang="en-US" sz="1200" dirty="0" smtClean="0"/>
+                        <a:t>East</a:t>
+                      </a:r>
+                      <a:endParaRPr lang="en-US" sz="1200" dirty="0"/>
+                    </a:p>
+                  </a:txBody>
+                  <a:tcPr/>
+                </a:tc>
+              </a:tr>
+              <a:tr h="276560">
+                <a:tc>
+                  <a:txBody>
+                    <a:bodyPr/>
+                    <a:lstStyle/>
+                    <a:p>
+                      <a:r>
+                        <a:rPr lang="en-US" sz="1200" dirty="0" smtClean="0"/>
+                        <a:t>{Date}</a:t>
+                      </a:r>
+                      <a:endParaRPr lang="en-US" sz="1200" dirty="0"/>
+                    </a:p>
+                  </a:txBody>
+                  <a:tcPr/>
+                </a:tc>
+                <a:tc>
+                  <a:txBody>
+                    <a:bodyPr/>
+                    <a:lstStyle/>
+                    <a:p>
+                      <a:r>
+                        <a:rPr lang="en-US" sz="1200" dirty="0" smtClean="0"/>
+                        <a:t>June 1</a:t>
+                      </a:r>
+                      <a:r>
+                        <a:rPr lang="en-US" sz="1200" baseline="30000" dirty="0" smtClean="0"/>
+                        <a:t>st</a:t>
+                      </a:r>
+                      <a:r>
+                        <a:rPr lang="en-US" sz="1200" dirty="0" smtClean="0"/>
+                        <a:t>, 2015</a:t>
+                      </a:r>
+                      <a:endParaRPr lang="en-US" sz="1200" dirty="0"/>
+                    </a:p>
+                  </a:txBody>
+                  <a:tcPr/>
+                </a:tc>
+              </a:tr>
+            </a:tbl>
+          </a:graphicData>
+        </a:graphic>
+      </p:graphicFrame>
+      <p:sp>
+        <p:nvSpPr>
+          <p:cNvPr id="11" name="Content Placeholder 10"/>
+          <p:cNvSpPr>
+            <a:spLocks noGrp="1"/>
+          </p:cNvSpPr>
+          <p:nvPr>
+            <p:ph idx="1"/>
+          </p:nvPr>
         </p:nvSpPr>
         <p:spPr>
           <a:xfrm>
-            <a:off x="420412" y="2465853"/>
-            <a:ext cx="3095299" cy="3783687"/>
+            <a:off x="5812056" y="3665288"/>
+            <a:ext cx="3086703" cy="813621"/>
           </a:xfrm>
-          <a:prstGeom prst="flowChartPunchedCard">
+        </p:spPr>
+        <p:txBody>
+          <a:bodyPr>
+            <a:normAutofit/>
+          </a:bodyPr>
+          <a:lstStyle/>
+          <a:p>
+            <a:pPr marL="0" indent="0" algn="r">
+              <a:buNone/>
+            </a:pPr>
+            <a:r>
+              <a:rPr lang="en-US" sz="1400" dirty="0" smtClean="0"/>
+              <a:t>Note { and } are added to </a:t>
+            </a:r>
+            <a:r>
+              <a:rPr lang="en-US" sz="1400" dirty="0" err="1" smtClean="0"/>
+              <a:t>fromValue</a:t>
+            </a:r>
+            <a:endParaRPr lang="en-US" sz="1400" dirty="0"/>
+          </a:p>
+        </p:txBody>
+      </p:sp>
+      <p:pic>
+        <p:nvPicPr>
+          <p:cNvPr id="12" name="Picture 11" descr="Screen Shot 2015-02-16 at 4.03.20 PM.png"/>
+          <p:cNvPicPr>
+            <a:picLocks noChangeAspect="1"/>
+          </p:cNvPicPr>
+          <p:nvPr/>
+        </p:nvPicPr>
+        <p:blipFill>
+          <a:blip r:embed="rId2">
+            <a:extLst>
+              <a:ext uri="{28A0092B-C50C-407E-A947-70E740481C1C}">
+                <a14:useLocalDpi xmlns:a14="http://schemas.microsoft.com/office/drawing/2010/main" val="0"/>
+              </a:ext>
+            </a:extLst>
+          </a:blip>
+          <a:stretch>
+            <a:fillRect/>
+          </a:stretch>
+        </p:blipFill>
+        <p:spPr>
+          <a:xfrm>
+            <a:off x="765504" y="1428540"/>
+            <a:ext cx="4130565" cy="3247300"/>
+          </a:xfrm>
+          <a:prstGeom prst="rect">
             <a:avLst/>
           </a:prstGeom>
         </p:spPr>
-        <p:style>
-          <a:lnRef idx="3">
-            <a:schemeClr val="lt1"/>
-          </a:lnRef>
-          <a:fillRef idx="1">
-            <a:schemeClr val="accent4"/>
-          </a:fillRef>
-          <a:effectRef idx="1">
-            <a:schemeClr val="accent4"/>
-          </a:effectRef>
-          <a:fontRef idx="minor">
-            <a:schemeClr val="lt1"/>
-          </a:fontRef>
-        </p:style>
-        <p:txBody>
-          <a:bodyPr wrap="square" rtlCol="0">
-            <a:spAutoFit/>
-          </a:bodyPr>
-          <a:lstStyle/>
-          <a:p>
-            <a:r>
-              <a:rPr lang="en-US" sz="1600" dirty="0" smtClean="0"/>
-              <a:t>Dear {name}</a:t>
-            </a:r>
-          </a:p>
-          <a:p>
-            <a:r>
-              <a:rPr lang="en-US" sz="1600" dirty="0"/>
-              <a:t>	</a:t>
-            </a:r>
-            <a:r>
-              <a:rPr lang="en-US" sz="1600" dirty="0" smtClean="0"/>
-              <a:t>{company}</a:t>
-            </a:r>
-          </a:p>
-          <a:p>
-            <a:r>
-              <a:rPr lang="en-US" sz="1600" dirty="0" smtClean="0"/>
-              <a:t>	{address}</a:t>
-            </a:r>
-          </a:p>
-          <a:p>
-            <a:r>
-              <a:rPr lang="en-US" sz="1600" dirty="0" smtClean="0"/>
-              <a:t>We are writing to invite your staff to enroll in our special training class. We would like to extend an invitation to:</a:t>
-            </a:r>
-          </a:p>
-          <a:p>
-            <a:r>
-              <a:rPr lang="en-US" sz="1600" dirty="0" smtClean="0"/>
-              <a:t>&lt;</a:t>
-            </a:r>
-            <a:r>
-              <a:rPr lang="en-US" sz="1600" dirty="0" err="1" smtClean="0"/>
-              <a:t>tkBookmark</a:t>
-            </a:r>
-            <a:r>
-              <a:rPr lang="en-US" sz="1600" dirty="0" smtClean="0"/>
-              <a:t> name=“template2”/&gt;</a:t>
-            </a:r>
-            <a:endParaRPr lang="en-US" sz="1600" dirty="0"/>
-          </a:p>
-          <a:p>
-            <a:r>
-              <a:rPr lang="en-US" sz="1600" dirty="0" smtClean="0"/>
-              <a:t>Thank you</a:t>
-            </a:r>
-          </a:p>
-          <a:p>
-            <a:endParaRPr lang="en-US" sz="1600" dirty="0"/>
-          </a:p>
-          <a:p>
-            <a:r>
-              <a:rPr lang="en-US" sz="1600" dirty="0" smtClean="0"/>
-              <a:t>Intense Training Specialist</a:t>
-            </a:r>
-          </a:p>
-          <a:p>
-            <a:endParaRPr lang="en-US" sz="1600" dirty="0"/>
-          </a:p>
-        </p:txBody>
-      </p:sp>
-      <p:sp>
-        <p:nvSpPr>
-          <p:cNvPr id="7" name="TextBox 6"/>
-          <p:cNvSpPr txBox="1"/>
+      </p:pic>
+      <p:graphicFrame>
+        <p:nvGraphicFramePr>
+          <p:cNvPr id="6" name="Table 5"/>
+          <p:cNvGraphicFramePr>
+            <a:graphicFrameLocks noGrp="1"/>
+          </p:cNvGraphicFramePr>
+          <p:nvPr>
+            <p:extLst>
+              <p:ext uri="{D42A27DB-BD31-4B8C-83A1-F6EECF244321}">
+                <p14:modId xmlns:p14="http://schemas.microsoft.com/office/powerpoint/2010/main" val="44120937"/>
+              </p:ext>
+            </p:extLst>
+          </p:nvPr>
+        </p:nvGraphicFramePr>
+        <p:xfrm>
+          <a:off x="275022" y="4653087"/>
+          <a:ext cx="5740400" cy="1691510"/>
+        </p:xfrm>
+        <a:graphic>
+          <a:graphicData uri="http://schemas.openxmlformats.org/drawingml/2006/table">
+            <a:tbl>
+              <a:tblPr firstRow="1" bandRow="1">
+                <a:tableStyleId>{9D7B26C5-4107-4FEC-AEDC-1716B250A1EF}</a:tableStyleId>
+              </a:tblPr>
+              <a:tblGrid>
+                <a:gridCol w="2870200"/>
+                <a:gridCol w="2870200"/>
+              </a:tblGrid>
+              <a:tr h="338302">
+                <a:tc gridSpan="2">
+                  <a:txBody>
+                    <a:bodyPr/>
+                    <a:lstStyle/>
+                    <a:p>
+                      <a:r>
+                        <a:rPr lang="en-US" sz="1400" dirty="0" smtClean="0"/>
+                        <a:t>Select </a:t>
+                      </a:r>
+                      <a:r>
+                        <a:rPr lang="en-US" sz="1400" dirty="0" err="1" smtClean="0"/>
+                        <a:t>fromValue</a:t>
+                      </a:r>
+                      <a:r>
+                        <a:rPr lang="en-US" sz="1400" dirty="0" smtClean="0"/>
+                        <a:t>, </a:t>
+                      </a:r>
+                      <a:r>
+                        <a:rPr lang="en-US" sz="1400" dirty="0" err="1" smtClean="0"/>
+                        <a:t>toValue</a:t>
+                      </a:r>
+                      <a:r>
+                        <a:rPr lang="en-US" sz="1400" dirty="0" smtClean="0"/>
+                        <a:t> from </a:t>
+                      </a:r>
+                      <a:r>
+                        <a:rPr lang="en-US" sz="1400" dirty="0" err="1" smtClean="0"/>
+                        <a:t>reportReplace</a:t>
+                      </a:r>
+                      <a:r>
+                        <a:rPr lang="en-US" sz="1400" dirty="0" smtClean="0"/>
+                        <a:t> where </a:t>
+                      </a:r>
+                      <a:r>
+                        <a:rPr lang="en-US" sz="1400" dirty="0" err="1" smtClean="0"/>
+                        <a:t>idreport</a:t>
+                      </a:r>
+                      <a:r>
+                        <a:rPr lang="en-US" sz="1400" dirty="0" smtClean="0"/>
+                        <a:t>=‘1’</a:t>
+                      </a:r>
+                      <a:endParaRPr lang="en-US" sz="1400" dirty="0"/>
+                    </a:p>
+                  </a:txBody>
+                  <a:tcPr>
+                    <a:lnL w="12700" cap="flat" cmpd="sng" algn="ctr">
+                      <a:solidFill>
+                        <a:scrgbClr r="0" g="0" b="0"/>
+                      </a:solidFill>
+                      <a:prstDash val="solid"/>
+                      <a:round/>
+                      <a:headEnd type="none" w="med" len="med"/>
+                      <a:tailEnd type="none" w="med" len="med"/>
+                    </a:lnL>
+                    <a:lnR w="12700" cap="flat" cmpd="sng" algn="ctr">
+                      <a:solidFill>
+                        <a:scrgbClr r="0" g="0" b="0"/>
+                      </a:solidFill>
+                      <a:prstDash val="solid"/>
+                      <a:round/>
+                      <a:headEnd type="none" w="med" len="med"/>
+                      <a:tailEnd type="none" w="med" len="med"/>
+                    </a:lnR>
+                    <a:lnT w="12700" cap="flat" cmpd="sng" algn="ctr">
+                      <a:solidFill>
+                        <a:scrgbClr r="0" g="0" b="0"/>
+                      </a:solidFill>
+                      <a:prstDash val="solid"/>
+                      <a:round/>
+                      <a:headEnd type="none" w="med" len="med"/>
+                      <a:tailEnd type="none" w="med" len="med"/>
+                    </a:lnT>
+                    <a:solidFill>
+                      <a:schemeClr val="bg1"/>
+                    </a:solidFill>
+                  </a:tcPr>
+                </a:tc>
+                <a:tc hMerge="1">
+                  <a:txBody>
+                    <a:bodyPr/>
+                    <a:lstStyle/>
+                    <a:p>
+                      <a:endParaRPr lang="en-US" dirty="0"/>
+                    </a:p>
+                  </a:txBody>
+                  <a:tcPr/>
+                </a:tc>
+              </a:tr>
+              <a:tr h="338302">
+                <a:tc>
+                  <a:txBody>
+                    <a:bodyPr/>
+                    <a:lstStyle/>
+                    <a:p>
+                      <a:r>
+                        <a:rPr lang="en-US" sz="1400" dirty="0" err="1" smtClean="0"/>
+                        <a:t>fromValue</a:t>
+                      </a:r>
+                      <a:endParaRPr lang="en-US" sz="1400" dirty="0"/>
+                    </a:p>
+                  </a:txBody>
+                  <a:tcPr>
+                    <a:lnL w="12700" cap="flat" cmpd="sng" algn="ctr">
+                      <a:solidFill>
+                        <a:scrgbClr r="0" g="0" b="0"/>
+                      </a:solidFill>
+                      <a:prstDash val="solid"/>
+                      <a:round/>
+                      <a:headEnd type="none" w="med" len="med"/>
+                      <a:tailEnd type="none" w="med" len="med"/>
+                    </a:lnL>
+                    <a:solidFill>
+                      <a:schemeClr val="accent3"/>
+                    </a:solidFill>
+                  </a:tcPr>
+                </a:tc>
+                <a:tc>
+                  <a:txBody>
+                    <a:bodyPr/>
+                    <a:lstStyle/>
+                    <a:p>
+                      <a:r>
+                        <a:rPr lang="en-US" sz="1400" dirty="0" err="1" smtClean="0"/>
+                        <a:t>toValue</a:t>
+                      </a:r>
+                      <a:endParaRPr lang="en-US" sz="1400" dirty="0"/>
+                    </a:p>
+                  </a:txBody>
+                  <a:tcPr>
+                    <a:lnR w="12700" cap="flat" cmpd="sng" algn="ctr">
+                      <a:solidFill>
+                        <a:scrgbClr r="0" g="0" b="0"/>
+                      </a:solidFill>
+                      <a:prstDash val="solid"/>
+                      <a:round/>
+                      <a:headEnd type="none" w="med" len="med"/>
+                      <a:tailEnd type="none" w="med" len="med"/>
+                    </a:lnR>
+                    <a:solidFill>
+                      <a:schemeClr val="accent3"/>
+                    </a:solidFill>
+                  </a:tcPr>
+                </a:tc>
+              </a:tr>
+              <a:tr h="338302">
+                <a:tc>
+                  <a:txBody>
+                    <a:bodyPr/>
+                    <a:lstStyle/>
+                    <a:p>
+                      <a:r>
+                        <a:rPr lang="en-US" sz="1400" dirty="0" smtClean="0"/>
+                        <a:t>Division</a:t>
+                      </a:r>
+                      <a:endParaRPr lang="en-US" sz="1400" dirty="0"/>
+                    </a:p>
+                  </a:txBody>
+                  <a:tcPr>
+                    <a:lnL w="12700" cap="flat" cmpd="sng" algn="ctr">
+                      <a:solidFill>
+                        <a:scrgbClr r="0" g="0" b="0"/>
+                      </a:solidFill>
+                      <a:prstDash val="solid"/>
+                      <a:round/>
+                      <a:headEnd type="none" w="med" len="med"/>
+                      <a:tailEnd type="none" w="med" len="med"/>
+                    </a:lnL>
+                    <a:solidFill>
+                      <a:schemeClr val="accent6">
+                        <a:lumMod val="40000"/>
+                        <a:lumOff val="60000"/>
+                      </a:schemeClr>
+                    </a:solidFill>
+                  </a:tcPr>
+                </a:tc>
+                <a:tc>
+                  <a:txBody>
+                    <a:bodyPr/>
+                    <a:lstStyle/>
+                    <a:p>
+                      <a:r>
+                        <a:rPr lang="en-US" sz="1400" dirty="0" smtClean="0"/>
+                        <a:t>Sales</a:t>
+                      </a:r>
+                      <a:endParaRPr lang="en-US" sz="1400" dirty="0"/>
+                    </a:p>
+                  </a:txBody>
+                  <a:tcPr>
+                    <a:lnR w="12700" cap="flat" cmpd="sng" algn="ctr">
+                      <a:solidFill>
+                        <a:scrgbClr r="0" g="0" b="0"/>
+                      </a:solidFill>
+                      <a:prstDash val="solid"/>
+                      <a:round/>
+                      <a:headEnd type="none" w="med" len="med"/>
+                      <a:tailEnd type="none" w="med" len="med"/>
+                    </a:lnR>
+                    <a:solidFill>
+                      <a:schemeClr val="accent6">
+                        <a:lumMod val="40000"/>
+                        <a:lumOff val="60000"/>
+                      </a:schemeClr>
+                    </a:solidFill>
+                  </a:tcPr>
+                </a:tc>
+              </a:tr>
+              <a:tr h="338302">
+                <a:tc>
+                  <a:txBody>
+                    <a:bodyPr/>
+                    <a:lstStyle/>
+                    <a:p>
+                      <a:r>
+                        <a:rPr lang="en-US" sz="1400" dirty="0" err="1" smtClean="0"/>
+                        <a:t>CostCenter</a:t>
+                      </a:r>
+                      <a:endParaRPr lang="en-US" sz="1400" dirty="0"/>
+                    </a:p>
+                  </a:txBody>
+                  <a:tcPr>
+                    <a:lnL w="12700" cap="flat" cmpd="sng" algn="ctr">
+                      <a:solidFill>
+                        <a:scrgbClr r="0" g="0" b="0"/>
+                      </a:solidFill>
+                      <a:prstDash val="solid"/>
+                      <a:round/>
+                      <a:headEnd type="none" w="med" len="med"/>
+                      <a:tailEnd type="none" w="med" len="med"/>
+                    </a:lnL>
+                    <a:solidFill>
+                      <a:schemeClr val="accent6">
+                        <a:lumMod val="40000"/>
+                        <a:lumOff val="60000"/>
+                      </a:schemeClr>
+                    </a:solidFill>
+                  </a:tcPr>
+                </a:tc>
+                <a:tc>
+                  <a:txBody>
+                    <a:bodyPr/>
+                    <a:lstStyle/>
+                    <a:p>
+                      <a:r>
+                        <a:rPr lang="en-US" sz="1400" dirty="0" smtClean="0"/>
+                        <a:t>East</a:t>
+                      </a:r>
+                      <a:endParaRPr lang="en-US" sz="1400" dirty="0"/>
+                    </a:p>
+                  </a:txBody>
+                  <a:tcPr>
+                    <a:lnR w="12700" cap="flat" cmpd="sng" algn="ctr">
+                      <a:solidFill>
+                        <a:scrgbClr r="0" g="0" b="0"/>
+                      </a:solidFill>
+                      <a:prstDash val="solid"/>
+                      <a:round/>
+                      <a:headEnd type="none" w="med" len="med"/>
+                      <a:tailEnd type="none" w="med" len="med"/>
+                    </a:lnR>
+                    <a:solidFill>
+                      <a:schemeClr val="accent6">
+                        <a:lumMod val="40000"/>
+                        <a:lumOff val="60000"/>
+                      </a:schemeClr>
+                    </a:solidFill>
+                  </a:tcPr>
+                </a:tc>
+              </a:tr>
+              <a:tr h="338302">
+                <a:tc>
+                  <a:txBody>
+                    <a:bodyPr/>
+                    <a:lstStyle/>
+                    <a:p>
+                      <a:r>
+                        <a:rPr lang="en-US" sz="1400" dirty="0" smtClean="0"/>
+                        <a:t>Date</a:t>
+                      </a:r>
+                      <a:endParaRPr lang="en-US" sz="1400" dirty="0"/>
+                    </a:p>
+                  </a:txBody>
+                  <a:tcPr>
+                    <a:lnL w="12700" cap="flat" cmpd="sng" algn="ctr">
+                      <a:solidFill>
+                        <a:scrgbClr r="0" g="0" b="0"/>
+                      </a:solidFill>
+                      <a:prstDash val="solid"/>
+                      <a:round/>
+                      <a:headEnd type="none" w="med" len="med"/>
+                      <a:tailEnd type="none" w="med" len="med"/>
+                    </a:lnL>
+                    <a:solidFill>
+                      <a:schemeClr val="accent6">
+                        <a:lumMod val="40000"/>
+                        <a:lumOff val="60000"/>
+                      </a:schemeClr>
+                    </a:solidFill>
+                  </a:tcPr>
+                </a:tc>
+                <a:tc>
+                  <a:txBody>
+                    <a:bodyPr/>
+                    <a:lstStyle/>
+                    <a:p>
+                      <a:r>
+                        <a:rPr lang="en-US" sz="1400" dirty="0" smtClean="0"/>
+                        <a:t>June 1</a:t>
+                      </a:r>
+                      <a:r>
+                        <a:rPr lang="en-US" sz="1400" baseline="30000" dirty="0" smtClean="0"/>
+                        <a:t>st</a:t>
+                      </a:r>
+                      <a:r>
+                        <a:rPr lang="en-US" sz="1400" dirty="0" smtClean="0"/>
+                        <a:t>, 2015</a:t>
+                      </a:r>
+                      <a:endParaRPr lang="en-US" sz="1400" dirty="0"/>
+                    </a:p>
+                  </a:txBody>
+                  <a:tcPr>
+                    <a:lnR w="12700" cap="flat" cmpd="sng" algn="ctr">
+                      <a:solidFill>
+                        <a:scrgbClr r="0" g="0" b="0"/>
+                      </a:solidFill>
+                      <a:prstDash val="solid"/>
+                      <a:round/>
+                      <a:headEnd type="none" w="med" len="med"/>
+                      <a:tailEnd type="none" w="med" len="med"/>
+                    </a:lnR>
+                    <a:solidFill>
+                      <a:schemeClr val="accent6">
+                        <a:lumMod val="40000"/>
+                        <a:lumOff val="60000"/>
+                      </a:schemeClr>
+                    </a:solidFill>
+                  </a:tcPr>
+                </a:tc>
+              </a:tr>
+            </a:tbl>
+          </a:graphicData>
+        </a:graphic>
+      </p:graphicFrame>
+      <p:cxnSp>
+        <p:nvCxnSpPr>
+          <p:cNvPr id="13" name="Straight Arrow Connector 12"/>
+          <p:cNvCxnSpPr/>
           <p:nvPr/>
-        </p:nvSpPr>
+        </p:nvCxnSpPr>
         <p:spPr>
           <a:xfrm>
-            <a:off x="5575284" y="2360750"/>
-            <a:ext cx="3095300" cy="4395192"/>
+            <a:off x="1147379" y="5465379"/>
+            <a:ext cx="5451366" cy="429173"/>
           </a:xfrm>
-          <a:prstGeom prst="flowChartPunchedCard">
+          <a:prstGeom prst="straightConnector1">
             <a:avLst/>
           </a:prstGeom>
           <a:ln>
             <a:solidFill>
-              <a:srgbClr val="860908"/>
+              <a:srgbClr val="000090"/>
             </a:solidFill>
+            <a:tailEnd type="arrow"/>
           </a:ln>
         </p:spPr>
         <p:style>
-          <a:lnRef idx="3">
-            <a:schemeClr val="lt1"/>
+          <a:lnRef idx="2">
+            <a:schemeClr val="accent1"/>
           </a:lnRef>
-          <a:fillRef idx="1">
-            <a:schemeClr val="accent4"/>
+          <a:fillRef idx="0">
+            <a:schemeClr val="accent1"/>
           </a:fillRef>
           <a:effectRef idx="1">
-            <a:schemeClr val="accent4"/>
+            <a:schemeClr val="accent1"/>
           </a:effectRef>
           <a:fontRef idx="minor">
-            <a:schemeClr val="lt1"/>
+            <a:schemeClr val="tx1"/>
           </a:fontRef>
         </p:style>
-        <p:txBody>
-          <a:bodyPr wrap="square" rtlCol="0">
-            <a:spAutoFit/>
-          </a:bodyPr>
-          <a:lstStyle/>
-          <a:p>
-            <a:r>
-              <a:rPr lang="en-US" sz="1600" dirty="0" smtClean="0"/>
-              <a:t>Dear Mr. Smith</a:t>
-            </a:r>
-          </a:p>
-          <a:p>
-            <a:r>
-              <a:rPr lang="en-US" sz="1600" dirty="0"/>
-              <a:t>	</a:t>
-            </a:r>
-            <a:r>
-              <a:rPr lang="en-US" sz="1600" dirty="0" smtClean="0"/>
-              <a:t>Blue Widgets</a:t>
-            </a:r>
-          </a:p>
-          <a:p>
-            <a:r>
-              <a:rPr lang="en-US" sz="1600" dirty="0" smtClean="0"/>
-              <a:t>	1234 Main St.</a:t>
-            </a:r>
-          </a:p>
-          <a:p>
-            <a:r>
-              <a:rPr lang="en-US" sz="1600" dirty="0" smtClean="0"/>
-              <a:t>We are writing to invite your staff to enroll in our special training class.</a:t>
-            </a:r>
-          </a:p>
-          <a:p>
-            <a:r>
-              <a:rPr lang="en-US" sz="1600" dirty="0"/>
-              <a:t>We would like to extend an </a:t>
-            </a:r>
-            <a:r>
-              <a:rPr lang="en-US" sz="1600" dirty="0" smtClean="0"/>
-              <a:t>invitation </a:t>
-            </a:r>
-            <a:r>
-              <a:rPr lang="en-US" sz="1600" dirty="0"/>
-              <a:t>to:</a:t>
-            </a:r>
-          </a:p>
-          <a:p>
-            <a:r>
-              <a:rPr lang="en-US" sz="1600" dirty="0" smtClean="0"/>
-              <a:t>- Fred </a:t>
-            </a:r>
-            <a:r>
-              <a:rPr lang="en-US" sz="1600" dirty="0" err="1" smtClean="0"/>
-              <a:t>eMail</a:t>
-            </a:r>
-            <a:r>
-              <a:rPr lang="en-US" sz="1600" dirty="0" smtClean="0"/>
-              <a:t>: </a:t>
-            </a:r>
-            <a:r>
-              <a:rPr lang="en-US" sz="1600" dirty="0" smtClean="0">
-                <a:solidFill>
-                  <a:srgbClr val="FFFFFF"/>
-                </a:solidFill>
-              </a:rPr>
-              <a:t>fred@gmail.com</a:t>
-            </a:r>
-          </a:p>
-          <a:p>
-            <a:r>
-              <a:rPr lang="en-US" sz="1600" dirty="0" smtClean="0">
-                <a:solidFill>
-                  <a:schemeClr val="bg1"/>
-                </a:solidFill>
-              </a:rPr>
-              <a:t>- Betty </a:t>
-            </a:r>
-            <a:r>
-              <a:rPr lang="en-US" sz="1600" dirty="0" err="1" smtClean="0">
-                <a:solidFill>
-                  <a:schemeClr val="bg1"/>
-                </a:solidFill>
-              </a:rPr>
-              <a:t>eMail</a:t>
-            </a:r>
-            <a:r>
-              <a:rPr lang="en-US" sz="1600" dirty="0" smtClean="0">
-                <a:solidFill>
-                  <a:schemeClr val="bg1"/>
-                </a:solidFill>
-              </a:rPr>
-              <a:t>: betty@ibm.com</a:t>
-            </a:r>
-          </a:p>
-          <a:p>
-            <a:r>
-              <a:rPr lang="en-US" sz="1600" dirty="0" smtClean="0">
-                <a:solidFill>
-                  <a:schemeClr val="bg1"/>
-                </a:solidFill>
-              </a:rPr>
-              <a:t>- Kara </a:t>
-            </a:r>
-            <a:r>
-              <a:rPr lang="en-US" sz="1600" dirty="0" err="1" smtClean="0">
-                <a:solidFill>
-                  <a:schemeClr val="bg1"/>
-                </a:solidFill>
-              </a:rPr>
-              <a:t>eMail</a:t>
-            </a:r>
-            <a:r>
-              <a:rPr lang="en-US" sz="1600" dirty="0" smtClean="0">
-                <a:solidFill>
-                  <a:schemeClr val="bg1"/>
-                </a:solidFill>
-              </a:rPr>
-              <a:t>: kk993@yahoo.com</a:t>
-            </a:r>
-            <a:endParaRPr lang="en-US" sz="1600" dirty="0">
-              <a:solidFill>
-                <a:schemeClr val="bg1"/>
-              </a:solidFill>
-            </a:endParaRPr>
-          </a:p>
-          <a:p>
-            <a:r>
-              <a:rPr lang="en-US" sz="1600" dirty="0" smtClean="0"/>
-              <a:t>Thank you</a:t>
-            </a:r>
-          </a:p>
-          <a:p>
-            <a:endParaRPr lang="en-US" sz="1600" dirty="0"/>
-          </a:p>
-          <a:p>
-            <a:r>
-              <a:rPr lang="en-US" sz="1600" dirty="0" smtClean="0"/>
-              <a:t>Intense Training Specialist</a:t>
-            </a:r>
-          </a:p>
-          <a:p>
-            <a:endParaRPr lang="en-US" sz="1600" dirty="0"/>
-          </a:p>
-        </p:txBody>
-      </p:sp>
-      <p:sp>
-        <p:nvSpPr>
-          <p:cNvPr id="8" name="TextBox 7"/>
-          <p:cNvSpPr txBox="1"/>
+      </p:cxnSp>
+      <p:cxnSp>
+        <p:nvCxnSpPr>
+          <p:cNvPr id="16" name="Straight Arrow Connector 15"/>
+          <p:cNvCxnSpPr/>
           <p:nvPr/>
-        </p:nvSpPr>
+        </p:nvCxnSpPr>
         <p:spPr>
           <a:xfrm>
-            <a:off x="3515711" y="4044919"/>
-            <a:ext cx="2059573" cy="733663"/>
+            <a:off x="1299779" y="5894552"/>
+            <a:ext cx="5298966" cy="271517"/>
           </a:xfrm>
-          <a:prstGeom prst="rightArrow">
+          <a:prstGeom prst="straightConnector1">
             <a:avLst/>
           </a:prstGeom>
+          <a:ln>
+            <a:solidFill>
+              <a:srgbClr val="000090"/>
+            </a:solidFill>
+            <a:tailEnd type="arrow"/>
+          </a:ln>
         </p:spPr>
         <p:style>
           <a:lnRef idx="2">
-            <a:schemeClr val="accent3">
-              <a:shade val="50000"/>
-            </a:schemeClr>
+            <a:schemeClr val="accent1"/>
           </a:lnRef>
-          <a:fillRef idx="1">
-            <a:schemeClr val="accent3"/>
+          <a:fillRef idx="0">
+            <a:schemeClr val="accent1"/>
           </a:fillRef>
-          <a:effectRef idx="0">
-            <a:schemeClr val="accent3"/>
+          <a:effectRef idx="1">
+            <a:schemeClr val="accent1"/>
           </a:effectRef>
           <a:fontRef idx="minor">
-            <a:schemeClr val="lt1"/>
+            <a:schemeClr val="tx1"/>
           </a:fontRef>
         </p:style>
-        <p:txBody>
-          <a:bodyPr wrap="square" rtlCol="0">
-            <a:spAutoFit/>
-          </a:bodyPr>
-          <a:lstStyle/>
-          <a:p>
-            <a:pPr algn="ctr"/>
-            <a:r>
-              <a:rPr lang="en-US" dirty="0" smtClean="0"/>
-              <a:t>Merge Process</a:t>
-            </a:r>
-          </a:p>
-        </p:txBody>
-      </p:sp>
-      <p:sp>
-        <p:nvSpPr>
-          <p:cNvPr id="9" name="TextBox 8"/>
-          <p:cNvSpPr txBox="1"/>
+      </p:cxnSp>
+      <p:cxnSp>
+        <p:nvCxnSpPr>
+          <p:cNvPr id="19" name="Straight Arrow Connector 18"/>
+          <p:cNvCxnSpPr/>
           <p:nvPr/>
-        </p:nvSpPr>
+        </p:nvCxnSpPr>
         <p:spPr>
           <a:xfrm>
-            <a:off x="1418897" y="2471672"/>
-            <a:ext cx="1082410" cy="369332"/>
+            <a:off x="1068552" y="6236138"/>
+            <a:ext cx="5530193" cy="210207"/>
           </a:xfrm>
-          <a:prstGeom prst="rect">
+          <a:prstGeom prst="straightConnector1">
             <a:avLst/>
           </a:prstGeom>
-          <a:noFill/>
-        </p:spPr>
-        <p:txBody>
-          <a:bodyPr wrap="none" rtlCol="0">
-            <a:spAutoFit/>
-          </a:bodyPr>
-          <a:lstStyle/>
-          <a:p>
-            <a:r>
-              <a:rPr lang="en-US" dirty="0" smtClean="0"/>
-              <a:t>template1</a:t>
-            </a:r>
-            <a:endParaRPr lang="en-US" dirty="0"/>
-          </a:p>
-        </p:txBody>
-      </p:sp>
-      <p:sp>
-        <p:nvSpPr>
-          <p:cNvPr id="10" name="TextBox 9"/>
-          <p:cNvSpPr txBox="1"/>
-          <p:nvPr/>
-        </p:nvSpPr>
-        <p:spPr>
-          <a:xfrm>
-            <a:off x="6843986" y="2461775"/>
-            <a:ext cx="877163" cy="369332"/>
-          </a:xfrm>
-          <a:prstGeom prst="rect">
-            <a:avLst/>
-          </a:prstGeom>
-          <a:noFill/>
-        </p:spPr>
-        <p:txBody>
-          <a:bodyPr wrap="none" rtlCol="0">
-            <a:spAutoFit/>
-          </a:bodyPr>
-          <a:lstStyle/>
-          <a:p>
-            <a:r>
-              <a:rPr lang="en-US" dirty="0" smtClean="0"/>
-              <a:t>Output</a:t>
-            </a:r>
-            <a:endParaRPr lang="en-US" dirty="0"/>
-          </a:p>
-        </p:txBody>
-      </p:sp>
-      <p:sp>
-        <p:nvSpPr>
-          <p:cNvPr id="12" name="TextBox 11"/>
-          <p:cNvSpPr txBox="1"/>
-          <p:nvPr/>
-        </p:nvSpPr>
-        <p:spPr>
-          <a:xfrm>
-            <a:off x="337207" y="1569127"/>
-            <a:ext cx="3017345" cy="646331"/>
-          </a:xfrm>
-          <a:prstGeom prst="rect">
-            <a:avLst/>
-          </a:prstGeom>
-          <a:noFill/>
-        </p:spPr>
-        <p:txBody>
-          <a:bodyPr wrap="square" rtlCol="0">
-            <a:spAutoFit/>
-          </a:bodyPr>
-          <a:lstStyle/>
-          <a:p>
-            <a:r>
-              <a:rPr lang="en-US" dirty="0" smtClean="0"/>
-              <a:t>The Merge process will insert sub-templates at Bookmarks</a:t>
-            </a:r>
-            <a:endParaRPr lang="en-US" dirty="0"/>
-          </a:p>
-        </p:txBody>
-      </p:sp>
-      <p:sp>
-        <p:nvSpPr>
-          <p:cNvPr id="13" name="TextBox 12"/>
-          <p:cNvSpPr txBox="1"/>
-          <p:nvPr/>
-        </p:nvSpPr>
-        <p:spPr>
-          <a:xfrm>
-            <a:off x="2697653" y="2098694"/>
-            <a:ext cx="3095299" cy="726162"/>
-          </a:xfrm>
-          <a:prstGeom prst="flowChartPunchedCard">
-            <a:avLst/>
-          </a:prstGeom>
+          <a:ln>
+            <a:solidFill>
+              <a:srgbClr val="000090"/>
+            </a:solidFill>
+            <a:tailEnd type="arrow"/>
+          </a:ln>
         </p:spPr>
         <p:style>
-          <a:lnRef idx="3">
-            <a:schemeClr val="lt1"/>
+          <a:lnRef idx="2">
+            <a:schemeClr val="accent1"/>
           </a:lnRef>
-          <a:fillRef idx="1">
-            <a:schemeClr val="accent4"/>
+          <a:fillRef idx="0">
+            <a:schemeClr val="accent1"/>
           </a:fillRef>
           <a:effectRef idx="1">
-            <a:schemeClr val="accent4"/>
+            <a:schemeClr val="accent1"/>
           </a:effectRef>
           <a:fontRef idx="minor">
-            <a:schemeClr val="lt1"/>
+            <a:schemeClr val="tx1"/>
           </a:fontRef>
         </p:style>
-        <p:txBody>
-          <a:bodyPr wrap="square" rtlCol="0">
-            <a:spAutoFit/>
-          </a:bodyPr>
-          <a:lstStyle/>
-          <a:p>
-            <a:endParaRPr lang="en-US" sz="1600" dirty="0" smtClean="0"/>
-          </a:p>
-          <a:p>
-            <a:r>
-              <a:rPr lang="en-US" sz="1600" dirty="0" smtClean="0"/>
-              <a:t>- {contact} </a:t>
-            </a:r>
-            <a:r>
-              <a:rPr lang="en-US" sz="1600" dirty="0" err="1" smtClean="0"/>
-              <a:t>eMail</a:t>
-            </a:r>
-            <a:r>
-              <a:rPr lang="en-US" sz="1600" dirty="0" smtClean="0"/>
-              <a:t>: {</a:t>
-            </a:r>
-            <a:r>
-              <a:rPr lang="en-US" sz="1600" dirty="0" err="1" smtClean="0"/>
-              <a:t>eMail</a:t>
-            </a:r>
-            <a:r>
-              <a:rPr lang="en-US" sz="1600" dirty="0" smtClean="0"/>
-              <a:t>}</a:t>
-            </a:r>
-            <a:endParaRPr lang="en-US" sz="1600" dirty="0"/>
-          </a:p>
-        </p:txBody>
-      </p:sp>
-      <p:sp>
-        <p:nvSpPr>
-          <p:cNvPr id="14" name="TextBox 13"/>
-          <p:cNvSpPr txBox="1"/>
-          <p:nvPr/>
-        </p:nvSpPr>
-        <p:spPr>
-          <a:xfrm>
-            <a:off x="3664607" y="2092443"/>
-            <a:ext cx="1082410" cy="369332"/>
-          </a:xfrm>
-          <a:prstGeom prst="rect">
-            <a:avLst/>
-          </a:prstGeom>
-          <a:noFill/>
-        </p:spPr>
-        <p:txBody>
-          <a:bodyPr wrap="none" rtlCol="0">
-            <a:spAutoFit/>
-          </a:bodyPr>
-          <a:lstStyle/>
-          <a:p>
-            <a:r>
-              <a:rPr lang="en-US" dirty="0" smtClean="0"/>
-              <a:t>template2</a:t>
-            </a:r>
-            <a:endParaRPr lang="en-US" dirty="0"/>
-          </a:p>
-        </p:txBody>
-      </p:sp>
+      </p:cxnSp>
     </p:spTree>
     <p:extLst>
       <p:ext uri="{BB962C8B-B14F-4D97-AF65-F5344CB8AC3E}">
-        <p14:creationId xmlns:p14="http://schemas.microsoft.com/office/powerpoint/2010/main" val="19050498"/>
+        <p14:creationId xmlns:p14="http://schemas.microsoft.com/office/powerpoint/2010/main" val="3729838489"/>
       </p:ext>
     </p:extLst>
   </p:cSld>
@@ -7984,6 +8295,867 @@
           <a:p>
             <a:r>
               <a:rPr lang="en-US" dirty="0" smtClean="0"/>
+              <a:t>Replace Row Directive</a:t>
+            </a:r>
+            <a:endParaRPr lang="en-US" dirty="0"/>
+          </a:p>
+        </p:txBody>
+      </p:sp>
+      <p:graphicFrame>
+        <p:nvGraphicFramePr>
+          <p:cNvPr id="5" name="Table 4"/>
+          <p:cNvGraphicFramePr>
+            <a:graphicFrameLocks noGrp="1"/>
+          </p:cNvGraphicFramePr>
+          <p:nvPr>
+            <p:extLst>
+              <p:ext uri="{D42A27DB-BD31-4B8C-83A1-F6EECF244321}">
+                <p14:modId xmlns:p14="http://schemas.microsoft.com/office/powerpoint/2010/main" val="2259340687"/>
+              </p:ext>
+            </p:extLst>
+          </p:nvPr>
+        </p:nvGraphicFramePr>
+        <p:xfrm>
+          <a:off x="6668814" y="2639628"/>
+          <a:ext cx="2300014" cy="3962952"/>
+        </p:xfrm>
+        <a:graphic>
+          <a:graphicData uri="http://schemas.openxmlformats.org/drawingml/2006/table">
+            <a:tbl>
+              <a:tblPr firstRow="1" bandRow="1">
+                <a:tableStyleId>{306799F8-075E-4A3A-A7F6-7FBC6576F1A4}</a:tableStyleId>
+              </a:tblPr>
+              <a:tblGrid>
+                <a:gridCol w="1150007"/>
+                <a:gridCol w="1150007"/>
+              </a:tblGrid>
+              <a:tr h="528669">
+                <a:tc>
+                  <a:txBody>
+                    <a:bodyPr/>
+                    <a:lstStyle/>
+                    <a:p>
+                      <a:r>
+                        <a:rPr lang="en-US" dirty="0" smtClean="0"/>
+                        <a:t>From</a:t>
+                      </a:r>
+                      <a:endParaRPr lang="en-US" dirty="0"/>
+                    </a:p>
+                  </a:txBody>
+                  <a:tcPr/>
+                </a:tc>
+                <a:tc>
+                  <a:txBody>
+                    <a:bodyPr/>
+                    <a:lstStyle/>
+                    <a:p>
+                      <a:r>
+                        <a:rPr lang="en-US" dirty="0" smtClean="0"/>
+                        <a:t>To</a:t>
+                      </a:r>
+                      <a:endParaRPr lang="en-US" dirty="0"/>
+                    </a:p>
+                  </a:txBody>
+                  <a:tcPr/>
+                </a:tc>
+              </a:tr>
+              <a:tr h="445355">
+                <a:tc>
+                  <a:txBody>
+                    <a:bodyPr/>
+                    <a:lstStyle/>
+                    <a:p>
+                      <a:r>
+                        <a:rPr lang="en-US" sz="1200" dirty="0" smtClean="0"/>
+                        <a:t>{name}</a:t>
+                      </a:r>
+                      <a:endParaRPr lang="en-US" sz="1200" dirty="0"/>
+                    </a:p>
+                  </a:txBody>
+                  <a:tcPr/>
+                </a:tc>
+                <a:tc>
+                  <a:txBody>
+                    <a:bodyPr/>
+                    <a:lstStyle/>
+                    <a:p>
+                      <a:r>
+                        <a:rPr lang="en-US" sz="1200" dirty="0" smtClean="0"/>
+                        <a:t>Mike</a:t>
+                      </a:r>
+                      <a:endParaRPr lang="en-US" sz="1200" dirty="0"/>
+                    </a:p>
+                  </a:txBody>
+                  <a:tcPr/>
+                </a:tc>
+              </a:tr>
+              <a:tr h="373616">
+                <a:tc>
+                  <a:txBody>
+                    <a:bodyPr/>
+                    <a:lstStyle/>
+                    <a:p>
+                      <a:r>
+                        <a:rPr lang="en-US" sz="1200" dirty="0" smtClean="0"/>
+                        <a:t>{age}</a:t>
+                      </a:r>
+                      <a:endParaRPr lang="en-US" sz="1200" dirty="0"/>
+                    </a:p>
+                  </a:txBody>
+                  <a:tcPr/>
+                </a:tc>
+                <a:tc>
+                  <a:txBody>
+                    <a:bodyPr/>
+                    <a:lstStyle/>
+                    <a:p>
+                      <a:r>
+                        <a:rPr lang="en-US" sz="1200" dirty="0" smtClean="0"/>
+                        <a:t>21</a:t>
+                      </a:r>
+                      <a:endParaRPr lang="en-US" sz="1200" dirty="0"/>
+                    </a:p>
+                  </a:txBody>
+                  <a:tcPr/>
+                </a:tc>
+              </a:tr>
+              <a:tr h="373616">
+                <a:tc>
+                  <a:txBody>
+                    <a:bodyPr/>
+                    <a:lstStyle/>
+                    <a:p>
+                      <a:r>
+                        <a:rPr lang="en-US" sz="1200" dirty="0" smtClean="0"/>
+                        <a:t>{company}</a:t>
+                      </a:r>
+                      <a:endParaRPr lang="en-US" sz="1200" dirty="0"/>
+                    </a:p>
+                  </a:txBody>
+                  <a:tcPr/>
+                </a:tc>
+                <a:tc>
+                  <a:txBody>
+                    <a:bodyPr/>
+                    <a:lstStyle/>
+                    <a:p>
+                      <a:r>
+                        <a:rPr lang="en-US" sz="1200" dirty="0" smtClean="0"/>
+                        <a:t>Blue Widgets</a:t>
+                      </a:r>
+                      <a:endParaRPr lang="en-US" sz="1200" dirty="0"/>
+                    </a:p>
+                  </a:txBody>
+                  <a:tcPr/>
+                </a:tc>
+              </a:tr>
+              <a:tr h="373616">
+                <a:tc>
+                  <a:txBody>
+                    <a:bodyPr/>
+                    <a:lstStyle/>
+                    <a:p>
+                      <a:r>
+                        <a:rPr lang="en-US" sz="1200" dirty="0" smtClean="0"/>
+                        <a:t>{Division}</a:t>
+                      </a:r>
+                      <a:endParaRPr lang="en-US" sz="1200" dirty="0"/>
+                    </a:p>
+                  </a:txBody>
+                  <a:tcPr/>
+                </a:tc>
+                <a:tc>
+                  <a:txBody>
+                    <a:bodyPr/>
+                    <a:lstStyle/>
+                    <a:p>
+                      <a:r>
+                        <a:rPr lang="en-US" sz="1200" dirty="0" smtClean="0"/>
+                        <a:t>Sales</a:t>
+                      </a:r>
+                      <a:endParaRPr lang="en-US" sz="1200" dirty="0"/>
+                    </a:p>
+                  </a:txBody>
+                  <a:tcPr/>
+                </a:tc>
+              </a:tr>
+              <a:tr h="373616">
+                <a:tc>
+                  <a:txBody>
+                    <a:bodyPr/>
+                    <a:lstStyle/>
+                    <a:p>
+                      <a:r>
+                        <a:rPr lang="en-US" sz="1200" dirty="0" smtClean="0"/>
+                        <a:t>{</a:t>
+                      </a:r>
+                      <a:r>
+                        <a:rPr lang="en-US" sz="1200" dirty="0" err="1" smtClean="0"/>
+                        <a:t>CostCenter</a:t>
+                      </a:r>
+                      <a:r>
+                        <a:rPr lang="en-US" sz="1200" dirty="0" smtClean="0"/>
+                        <a:t>}</a:t>
+                      </a:r>
+                      <a:endParaRPr lang="en-US" sz="1200" dirty="0"/>
+                    </a:p>
+                  </a:txBody>
+                  <a:tcPr/>
+                </a:tc>
+                <a:tc>
+                  <a:txBody>
+                    <a:bodyPr/>
+                    <a:lstStyle/>
+                    <a:p>
+                      <a:r>
+                        <a:rPr lang="en-US" sz="1200" dirty="0" smtClean="0"/>
+                        <a:t>East</a:t>
+                      </a:r>
+                      <a:endParaRPr lang="en-US" sz="1200" dirty="0"/>
+                    </a:p>
+                  </a:txBody>
+                  <a:tcPr/>
+                </a:tc>
+              </a:tr>
+              <a:tr h="373616">
+                <a:tc>
+                  <a:txBody>
+                    <a:bodyPr/>
+                    <a:lstStyle/>
+                    <a:p>
+                      <a:r>
+                        <a:rPr lang="en-US" sz="1200" dirty="0" smtClean="0"/>
+                        <a:t>{Date}</a:t>
+                      </a:r>
+                      <a:endParaRPr lang="en-US" sz="1200" dirty="0"/>
+                    </a:p>
+                  </a:txBody>
+                  <a:tcPr/>
+                </a:tc>
+                <a:tc>
+                  <a:txBody>
+                    <a:bodyPr/>
+                    <a:lstStyle/>
+                    <a:p>
+                      <a:r>
+                        <a:rPr lang="en-US" sz="1200" dirty="0" smtClean="0"/>
+                        <a:t>June 1</a:t>
+                      </a:r>
+                      <a:r>
+                        <a:rPr lang="en-US" sz="1200" baseline="30000" dirty="0" smtClean="0"/>
+                        <a:t>st</a:t>
+                      </a:r>
+                      <a:r>
+                        <a:rPr lang="en-US" sz="1200" dirty="0" smtClean="0"/>
+                        <a:t>, 2015</a:t>
+                      </a:r>
+                      <a:endParaRPr lang="en-US" sz="1200" dirty="0"/>
+                    </a:p>
+                  </a:txBody>
+                  <a:tcPr/>
+                </a:tc>
+              </a:tr>
+              <a:tr h="373616">
+                <a:tc>
+                  <a:txBody>
+                    <a:bodyPr/>
+                    <a:lstStyle/>
+                    <a:p>
+                      <a:r>
+                        <a:rPr lang="en-US" sz="1200" dirty="0" smtClean="0"/>
+                        <a:t>{supervisor}</a:t>
+                      </a:r>
+                      <a:endParaRPr lang="en-US" sz="1200" dirty="0"/>
+                    </a:p>
+                  </a:txBody>
+                  <a:tcPr/>
+                </a:tc>
+                <a:tc>
+                  <a:txBody>
+                    <a:bodyPr/>
+                    <a:lstStyle/>
+                    <a:p>
+                      <a:r>
+                        <a:rPr lang="en-US" sz="1200" dirty="0" smtClean="0"/>
+                        <a:t>James</a:t>
+                      </a:r>
+                      <a:endParaRPr lang="en-US" sz="1200" dirty="0"/>
+                    </a:p>
+                  </a:txBody>
+                  <a:tcPr/>
+                </a:tc>
+              </a:tr>
+              <a:tr h="373616">
+                <a:tc>
+                  <a:txBody>
+                    <a:bodyPr/>
+                    <a:lstStyle/>
+                    <a:p>
+                      <a:r>
+                        <a:rPr lang="en-US" sz="1200" dirty="0" smtClean="0"/>
+                        <a:t>{title}</a:t>
+                      </a:r>
+                      <a:endParaRPr lang="en-US" sz="1200" dirty="0"/>
+                    </a:p>
+                  </a:txBody>
+                  <a:tcPr/>
+                </a:tc>
+                <a:tc>
+                  <a:txBody>
+                    <a:bodyPr/>
+                    <a:lstStyle/>
+                    <a:p>
+                      <a:r>
+                        <a:rPr lang="en-US" sz="1200" dirty="0" smtClean="0"/>
+                        <a:t>Janitor</a:t>
+                      </a:r>
+                      <a:endParaRPr lang="en-US" sz="1200" dirty="0"/>
+                    </a:p>
+                  </a:txBody>
+                  <a:tcPr/>
+                </a:tc>
+              </a:tr>
+              <a:tr h="373616">
+                <a:tc>
+                  <a:txBody>
+                    <a:bodyPr/>
+                    <a:lstStyle/>
+                    <a:p>
+                      <a:endParaRPr lang="en-US" sz="1200" dirty="0"/>
+                    </a:p>
+                  </a:txBody>
+                  <a:tcPr/>
+                </a:tc>
+                <a:tc>
+                  <a:txBody>
+                    <a:bodyPr/>
+                    <a:lstStyle/>
+                    <a:p>
+                      <a:endParaRPr lang="en-US" sz="1200" dirty="0"/>
+                    </a:p>
+                  </a:txBody>
+                  <a:tcPr/>
+                </a:tc>
+              </a:tr>
+            </a:tbl>
+          </a:graphicData>
+        </a:graphic>
+      </p:graphicFrame>
+      <p:graphicFrame>
+        <p:nvGraphicFramePr>
+          <p:cNvPr id="6" name="Table 5"/>
+          <p:cNvGraphicFramePr>
+            <a:graphicFrameLocks noGrp="1"/>
+          </p:cNvGraphicFramePr>
+          <p:nvPr>
+            <p:extLst>
+              <p:ext uri="{D42A27DB-BD31-4B8C-83A1-F6EECF244321}">
+                <p14:modId xmlns:p14="http://schemas.microsoft.com/office/powerpoint/2010/main" val="1575396548"/>
+              </p:ext>
+            </p:extLst>
+          </p:nvPr>
+        </p:nvGraphicFramePr>
+        <p:xfrm>
+          <a:off x="402896" y="5035215"/>
+          <a:ext cx="3444240" cy="1014906"/>
+        </p:xfrm>
+        <a:graphic>
+          <a:graphicData uri="http://schemas.openxmlformats.org/drawingml/2006/table">
+            <a:tbl>
+              <a:tblPr firstRow="1" bandRow="1">
+                <a:tableStyleId>{9D7B26C5-4107-4FEC-AEDC-1716B250A1EF}</a:tableStyleId>
+              </a:tblPr>
+              <a:tblGrid>
+                <a:gridCol w="1148080"/>
+                <a:gridCol w="1148080"/>
+                <a:gridCol w="1148080"/>
+              </a:tblGrid>
+              <a:tr h="338302">
+                <a:tc gridSpan="3">
+                  <a:txBody>
+                    <a:bodyPr/>
+                    <a:lstStyle/>
+                    <a:p>
+                      <a:r>
+                        <a:rPr lang="en-US" sz="1400" dirty="0" smtClean="0"/>
+                        <a:t>Select * from employee where name=‘Mike’</a:t>
+                      </a:r>
+                      <a:endParaRPr lang="en-US" sz="1400" dirty="0"/>
+                    </a:p>
+                  </a:txBody>
+                  <a:tcPr>
+                    <a:lnL w="12700" cap="flat" cmpd="sng" algn="ctr">
+                      <a:solidFill>
+                        <a:scrgbClr r="0" g="0" b="0"/>
+                      </a:solidFill>
+                      <a:prstDash val="solid"/>
+                      <a:round/>
+                      <a:headEnd type="none" w="med" len="med"/>
+                      <a:tailEnd type="none" w="med" len="med"/>
+                    </a:lnL>
+                    <a:lnR w="12700" cap="flat" cmpd="sng" algn="ctr">
+                      <a:solidFill>
+                        <a:scrgbClr r="0" g="0" b="0"/>
+                      </a:solidFill>
+                      <a:prstDash val="solid"/>
+                      <a:round/>
+                      <a:headEnd type="none" w="med" len="med"/>
+                      <a:tailEnd type="none" w="med" len="med"/>
+                    </a:lnR>
+                    <a:lnT w="12700" cap="flat" cmpd="sng" algn="ctr">
+                      <a:solidFill>
+                        <a:scrgbClr r="0" g="0" b="0"/>
+                      </a:solidFill>
+                      <a:prstDash val="solid"/>
+                      <a:round/>
+                      <a:headEnd type="none" w="med" len="med"/>
+                      <a:tailEnd type="none" w="med" len="med"/>
+                    </a:lnT>
+                    <a:solidFill>
+                      <a:srgbClr val="FFFFFF"/>
+                    </a:solidFill>
+                  </a:tcPr>
+                </a:tc>
+                <a:tc hMerge="1">
+                  <a:txBody>
+                    <a:bodyPr/>
+                    <a:lstStyle/>
+                    <a:p>
+                      <a:endParaRPr lang="en-US" dirty="0"/>
+                    </a:p>
+                  </a:txBody>
+                  <a:tcPr/>
+                </a:tc>
+                <a:tc hMerge="1">
+                  <a:txBody>
+                    <a:bodyPr/>
+                    <a:lstStyle/>
+                    <a:p>
+                      <a:endParaRPr lang="en-US" sz="1400" dirty="0"/>
+                    </a:p>
+                  </a:txBody>
+                  <a:tcPr>
+                    <a:lnL w="12700" cap="flat" cmpd="sng" algn="ctr">
+                      <a:solidFill>
+                        <a:scrgbClr r="0" g="0" b="0"/>
+                      </a:solidFill>
+                      <a:prstDash val="solid"/>
+                      <a:round/>
+                      <a:headEnd type="none" w="med" len="med"/>
+                      <a:tailEnd type="none" w="med" len="med"/>
+                    </a:lnL>
+                    <a:lnR w="12700" cap="flat" cmpd="sng" algn="ctr">
+                      <a:solidFill>
+                        <a:scrgbClr r="0" g="0" b="0"/>
+                      </a:solidFill>
+                      <a:prstDash val="solid"/>
+                      <a:round/>
+                      <a:headEnd type="none" w="med" len="med"/>
+                      <a:tailEnd type="none" w="med" len="med"/>
+                    </a:lnR>
+                    <a:lnT w="12700" cap="flat" cmpd="sng" algn="ctr">
+                      <a:solidFill>
+                        <a:scrgbClr r="0" g="0" b="0"/>
+                      </a:solidFill>
+                      <a:prstDash val="solid"/>
+                      <a:round/>
+                      <a:headEnd type="none" w="med" len="med"/>
+                      <a:tailEnd type="none" w="med" len="med"/>
+                    </a:lnT>
+                    <a:solidFill>
+                      <a:srgbClr val="FFFFFF"/>
+                    </a:solidFill>
+                  </a:tcPr>
+                </a:tc>
+              </a:tr>
+              <a:tr h="338302">
+                <a:tc>
+                  <a:txBody>
+                    <a:bodyPr/>
+                    <a:lstStyle/>
+                    <a:p>
+                      <a:r>
+                        <a:rPr lang="en-US" sz="1400" dirty="0" smtClean="0"/>
+                        <a:t>name</a:t>
+                      </a:r>
+                      <a:endParaRPr lang="en-US" sz="1400" dirty="0"/>
+                    </a:p>
+                  </a:txBody>
+                  <a:tcPr>
+                    <a:lnL w="12700" cap="flat" cmpd="sng" algn="ctr">
+                      <a:solidFill>
+                        <a:scrgbClr r="0" g="0" b="0"/>
+                      </a:solidFill>
+                      <a:prstDash val="solid"/>
+                      <a:round/>
+                      <a:headEnd type="none" w="med" len="med"/>
+                      <a:tailEnd type="none" w="med" len="med"/>
+                    </a:lnL>
+                    <a:solidFill>
+                      <a:schemeClr val="accent3"/>
+                    </a:solidFill>
+                  </a:tcPr>
+                </a:tc>
+                <a:tc>
+                  <a:txBody>
+                    <a:bodyPr/>
+                    <a:lstStyle/>
+                    <a:p>
+                      <a:r>
+                        <a:rPr lang="en-US" sz="1400" dirty="0" smtClean="0"/>
+                        <a:t>supervisor</a:t>
+                      </a:r>
+                      <a:endParaRPr lang="en-US" sz="1400" dirty="0"/>
+                    </a:p>
+                  </a:txBody>
+                  <a:tcPr>
+                    <a:solidFill>
+                      <a:schemeClr val="accent3"/>
+                    </a:solidFill>
+                  </a:tcPr>
+                </a:tc>
+                <a:tc>
+                  <a:txBody>
+                    <a:bodyPr/>
+                    <a:lstStyle/>
+                    <a:p>
+                      <a:r>
+                        <a:rPr lang="en-US" sz="1400" dirty="0" smtClean="0"/>
+                        <a:t>title</a:t>
+                      </a:r>
+                      <a:endParaRPr lang="en-US" sz="1400" dirty="0"/>
+                    </a:p>
+                  </a:txBody>
+                  <a:tcPr>
+                    <a:solidFill>
+                      <a:schemeClr val="accent3"/>
+                    </a:solidFill>
+                  </a:tcPr>
+                </a:tc>
+              </a:tr>
+              <a:tr h="338302">
+                <a:tc>
+                  <a:txBody>
+                    <a:bodyPr/>
+                    <a:lstStyle/>
+                    <a:p>
+                      <a:r>
+                        <a:rPr lang="en-US" sz="1400" dirty="0" smtClean="0"/>
+                        <a:t>Mike</a:t>
+                      </a:r>
+                      <a:endParaRPr lang="en-US" sz="1400" dirty="0"/>
+                    </a:p>
+                  </a:txBody>
+                  <a:tcPr>
+                    <a:lnL w="12700" cap="flat" cmpd="sng" algn="ctr">
+                      <a:solidFill>
+                        <a:scrgbClr r="0" g="0" b="0"/>
+                      </a:solidFill>
+                      <a:prstDash val="solid"/>
+                      <a:round/>
+                      <a:headEnd type="none" w="med" len="med"/>
+                      <a:tailEnd type="none" w="med" len="med"/>
+                    </a:lnL>
+                    <a:solidFill>
+                      <a:schemeClr val="accent6">
+                        <a:lumMod val="40000"/>
+                        <a:lumOff val="60000"/>
+                      </a:schemeClr>
+                    </a:solidFill>
+                  </a:tcPr>
+                </a:tc>
+                <a:tc>
+                  <a:txBody>
+                    <a:bodyPr/>
+                    <a:lstStyle/>
+                    <a:p>
+                      <a:r>
+                        <a:rPr lang="en-US" sz="1400" dirty="0" smtClean="0"/>
+                        <a:t>James</a:t>
+                      </a:r>
+                      <a:endParaRPr lang="en-US" sz="1400" dirty="0"/>
+                    </a:p>
+                  </a:txBody>
+                  <a:tcPr>
+                    <a:solidFill>
+                      <a:schemeClr val="accent6">
+                        <a:lumMod val="40000"/>
+                        <a:lumOff val="60000"/>
+                      </a:schemeClr>
+                    </a:solidFill>
+                  </a:tcPr>
+                </a:tc>
+                <a:tc>
+                  <a:txBody>
+                    <a:bodyPr/>
+                    <a:lstStyle/>
+                    <a:p>
+                      <a:r>
+                        <a:rPr lang="en-US" sz="1400" dirty="0" smtClean="0"/>
+                        <a:t>Janitor</a:t>
+                      </a:r>
+                      <a:endParaRPr lang="en-US" sz="1400" dirty="0"/>
+                    </a:p>
+                  </a:txBody>
+                  <a:tcPr>
+                    <a:lnR w="12700" cap="flat" cmpd="sng" algn="ctr">
+                      <a:solidFill>
+                        <a:scrgbClr r="0" g="0" b="0"/>
+                      </a:solidFill>
+                      <a:prstDash val="solid"/>
+                      <a:round/>
+                      <a:headEnd type="none" w="med" len="med"/>
+                      <a:tailEnd type="none" w="med" len="med"/>
+                    </a:lnR>
+                    <a:solidFill>
+                      <a:schemeClr val="accent6">
+                        <a:lumMod val="40000"/>
+                        <a:lumOff val="60000"/>
+                      </a:schemeClr>
+                    </a:solidFill>
+                  </a:tcPr>
+                </a:tc>
+              </a:tr>
+            </a:tbl>
+          </a:graphicData>
+        </a:graphic>
+      </p:graphicFrame>
+      <p:sp>
+        <p:nvSpPr>
+          <p:cNvPr id="8" name="Content Placeholder 7"/>
+          <p:cNvSpPr>
+            <a:spLocks noGrp="1"/>
+          </p:cNvSpPr>
+          <p:nvPr>
+            <p:ph idx="1"/>
+          </p:nvPr>
+        </p:nvSpPr>
+        <p:spPr>
+          <a:xfrm>
+            <a:off x="5404070" y="1296056"/>
+            <a:ext cx="3493102" cy="1343572"/>
+          </a:xfrm>
+        </p:spPr>
+        <p:txBody>
+          <a:bodyPr>
+            <a:normAutofit fontScale="85000" lnSpcReduction="20000"/>
+          </a:bodyPr>
+          <a:lstStyle/>
+          <a:p>
+            <a:pPr marL="0" indent="0">
+              <a:buNone/>
+            </a:pPr>
+            <a:r>
+              <a:rPr lang="en-US" sz="1400" dirty="0" smtClean="0"/>
+              <a:t>Note: { and } added to Column Name</a:t>
+            </a:r>
+          </a:p>
+          <a:p>
+            <a:pPr marL="0" indent="0">
+              <a:buNone/>
+            </a:pPr>
+            <a:r>
+              <a:rPr lang="en-US" sz="1400" dirty="0" smtClean="0"/>
+              <a:t>All where conditions are “Replace Processed” during Merge.</a:t>
+            </a:r>
+          </a:p>
+          <a:p>
+            <a:pPr marL="0" indent="0">
+              <a:buNone/>
+            </a:pPr>
+            <a:r>
+              <a:rPr lang="en-US" sz="1400" dirty="0" smtClean="0"/>
+              <a:t>A result set with more than 1 row will result in an error and merge failure.</a:t>
+            </a:r>
+            <a:endParaRPr lang="en-US" sz="1400" dirty="0"/>
+          </a:p>
+        </p:txBody>
+      </p:sp>
+      <p:pic>
+        <p:nvPicPr>
+          <p:cNvPr id="9" name="Picture 8" descr="Screen Shot 2015-02-16 at 4.01.18 PM.png"/>
+          <p:cNvPicPr>
+            <a:picLocks noChangeAspect="1"/>
+          </p:cNvPicPr>
+          <p:nvPr/>
+        </p:nvPicPr>
+        <p:blipFill>
+          <a:blip r:embed="rId2">
+            <a:extLst>
+              <a:ext uri="{28A0092B-C50C-407E-A947-70E740481C1C}">
+                <a14:useLocalDpi xmlns:a14="http://schemas.microsoft.com/office/drawing/2010/main" val="0"/>
+              </a:ext>
+            </a:extLst>
+          </a:blip>
+          <a:stretch>
+            <a:fillRect/>
+          </a:stretch>
+        </p:blipFill>
+        <p:spPr>
+          <a:xfrm>
+            <a:off x="718206" y="1371600"/>
+            <a:ext cx="4291725" cy="3389642"/>
+          </a:xfrm>
+          <a:prstGeom prst="rect">
+            <a:avLst/>
+          </a:prstGeom>
+        </p:spPr>
+      </p:pic>
+      <p:cxnSp>
+        <p:nvCxnSpPr>
+          <p:cNvPr id="12" name="Straight Arrow Connector 11"/>
+          <p:cNvCxnSpPr/>
+          <p:nvPr/>
+        </p:nvCxnSpPr>
+        <p:spPr>
+          <a:xfrm flipV="1">
+            <a:off x="1147379" y="3407103"/>
+            <a:ext cx="5521435" cy="2058276"/>
+          </a:xfrm>
+          <a:prstGeom prst="straightConnector1">
+            <a:avLst/>
+          </a:prstGeom>
+          <a:ln>
+            <a:solidFill>
+              <a:srgbClr val="000090"/>
+            </a:solidFill>
+            <a:tailEnd type="arrow"/>
+          </a:ln>
+        </p:spPr>
+        <p:style>
+          <a:lnRef idx="2">
+            <a:schemeClr val="accent1"/>
+          </a:lnRef>
+          <a:fillRef idx="0">
+            <a:schemeClr val="accent1"/>
+          </a:fillRef>
+          <a:effectRef idx="1">
+            <a:schemeClr val="accent1"/>
+          </a:effectRef>
+          <a:fontRef idx="minor">
+            <a:schemeClr val="tx1"/>
+          </a:fontRef>
+        </p:style>
+      </p:cxnSp>
+      <p:cxnSp>
+        <p:nvCxnSpPr>
+          <p:cNvPr id="14" name="Straight Arrow Connector 13"/>
+          <p:cNvCxnSpPr/>
+          <p:nvPr/>
+        </p:nvCxnSpPr>
+        <p:spPr>
+          <a:xfrm>
+            <a:off x="2382345" y="5465379"/>
+            <a:ext cx="4286469" cy="175173"/>
+          </a:xfrm>
+          <a:prstGeom prst="straightConnector1">
+            <a:avLst/>
+          </a:prstGeom>
+          <a:ln>
+            <a:solidFill>
+              <a:srgbClr val="000090"/>
+            </a:solidFill>
+            <a:tailEnd type="arrow"/>
+          </a:ln>
+        </p:spPr>
+        <p:style>
+          <a:lnRef idx="2">
+            <a:schemeClr val="accent1"/>
+          </a:lnRef>
+          <a:fillRef idx="0">
+            <a:schemeClr val="accent1"/>
+          </a:fillRef>
+          <a:effectRef idx="1">
+            <a:schemeClr val="accent1"/>
+          </a:effectRef>
+          <a:fontRef idx="minor">
+            <a:schemeClr val="tx1"/>
+          </a:fontRef>
+        </p:style>
+      </p:cxnSp>
+      <p:cxnSp>
+        <p:nvCxnSpPr>
+          <p:cNvPr id="17" name="Straight Arrow Connector 16"/>
+          <p:cNvCxnSpPr/>
+          <p:nvPr/>
+        </p:nvCxnSpPr>
+        <p:spPr>
+          <a:xfrm>
+            <a:off x="3345793" y="5570483"/>
+            <a:ext cx="3323021" cy="479638"/>
+          </a:xfrm>
+          <a:prstGeom prst="straightConnector1">
+            <a:avLst/>
+          </a:prstGeom>
+          <a:ln>
+            <a:solidFill>
+              <a:srgbClr val="000090"/>
+            </a:solidFill>
+            <a:tailEnd type="arrow"/>
+          </a:ln>
+        </p:spPr>
+        <p:style>
+          <a:lnRef idx="2">
+            <a:schemeClr val="accent1"/>
+          </a:lnRef>
+          <a:fillRef idx="0">
+            <a:schemeClr val="accent1"/>
+          </a:fillRef>
+          <a:effectRef idx="1">
+            <a:schemeClr val="accent1"/>
+          </a:effectRef>
+          <a:fontRef idx="minor">
+            <a:schemeClr val="tx1"/>
+          </a:fontRef>
+        </p:style>
+      </p:cxnSp>
+    </p:spTree>
+    <p:extLst>
+      <p:ext uri="{BB962C8B-B14F-4D97-AF65-F5344CB8AC3E}">
+        <p14:creationId xmlns:p14="http://schemas.microsoft.com/office/powerpoint/2010/main" val="519072877"/>
+      </p:ext>
+    </p:extLst>
+  </p:cSld>
+  <p:clrMapOvr>
+    <a:masterClrMapping/>
+  </p:clrMapOvr>
+</p:sld>
+</file>
+
+<file path=ppt/slides/slide12.xml><?xml version="1.0" encoding="utf-8"?>
+<p:sld xmlns:a="http://schemas.openxmlformats.org/drawingml/2006/main" xmlns:r="http://schemas.openxmlformats.org/officeDocument/2006/relationships" xmlns:p="http://schemas.openxmlformats.org/presentationml/2006/main">
+  <p:cSld>
+    <p:spTree>
+      <p:nvGrpSpPr>
+        <p:cNvPr id="1" name=""/>
+        <p:cNvGrpSpPr/>
+        <p:nvPr/>
+      </p:nvGrpSpPr>
+      <p:grpSpPr>
+        <a:xfrm>
+          <a:off x="0" y="0"/>
+          <a:ext cx="0" cy="0"/>
+          <a:chOff x="0" y="0"/>
+          <a:chExt cx="0" cy="0"/>
+        </a:xfrm>
+      </p:grpSpPr>
+      <p:sp>
+        <p:nvSpPr>
+          <p:cNvPr id="2" name="Title 1"/>
+          <p:cNvSpPr>
+            <a:spLocks noGrp="1"/>
+          </p:cNvSpPr>
+          <p:nvPr>
+            <p:ph type="title"/>
+          </p:nvPr>
+        </p:nvSpPr>
+        <p:spPr/>
+        <p:txBody>
+          <a:bodyPr/>
+          <a:lstStyle/>
+          <a:p>
+            <a:r>
+              <a:rPr lang="en-US" dirty="0" smtClean="0"/>
               <a:t>The Insert Directive</a:t>
             </a:r>
             <a:endParaRPr lang="en-US" dirty="0"/>
@@ -8008,7 +9180,7 @@
         </p:spPr>
         <p:txBody>
           <a:bodyPr>
-            <a:normAutofit lnSpcReduction="10000"/>
+            <a:normAutofit fontScale="92500" lnSpcReduction="20000"/>
           </a:bodyPr>
           <a:lstStyle/>
           <a:p>
@@ -8018,6 +9190,61 @@
             <a:r>
               <a:rPr lang="en-US" dirty="0" smtClean="0"/>
               <a:t>The insert directive will insert sub-templates for each row of the result set. </a:t>
+            </a:r>
+          </a:p>
+          <a:p>
+            <a:pPr marL="0" indent="0">
+              <a:buNone/>
+            </a:pPr>
+            <a:r>
+              <a:rPr lang="en-US" dirty="0" smtClean="0"/>
+              <a:t>Sub-templates are inserted at </a:t>
+            </a:r>
+            <a:r>
+              <a:rPr lang="en-US" sz="1500" dirty="0" smtClean="0">
+                <a:latin typeface="Courier"/>
+                <a:cs typeface="Courier"/>
+              </a:rPr>
+              <a:t>&lt;</a:t>
+            </a:r>
+            <a:r>
+              <a:rPr lang="en-US" sz="1500" dirty="0" err="1" smtClean="0">
+                <a:latin typeface="Courier"/>
+                <a:cs typeface="Courier"/>
+              </a:rPr>
+              <a:t>tkBookmark</a:t>
+            </a:r>
+            <a:r>
+              <a:rPr lang="en-US" sz="1500" dirty="0">
+                <a:latin typeface="Courier"/>
+                <a:cs typeface="Courier"/>
+              </a:rPr>
+              <a:t> </a:t>
+            </a:r>
+            <a:r>
+              <a:rPr lang="en-US" sz="1500" dirty="0" smtClean="0">
+                <a:latin typeface="Courier"/>
+                <a:cs typeface="Courier"/>
+              </a:rPr>
+              <a:t>name=“</a:t>
+            </a:r>
+            <a:r>
+              <a:rPr lang="en-US" sz="1500" dirty="0" err="1" smtClean="0">
+                <a:latin typeface="Courier"/>
+                <a:cs typeface="Courier"/>
+              </a:rPr>
+              <a:t>subTemplate</a:t>
+            </a:r>
+            <a:r>
+              <a:rPr lang="en-US" sz="1500" dirty="0" smtClean="0">
+                <a:latin typeface="Courier"/>
+                <a:cs typeface="Courier"/>
+              </a:rPr>
+              <a:t>” /&gt;</a:t>
+            </a:r>
+            <a:r>
+              <a:rPr lang="en-US" dirty="0" smtClean="0"/>
+              <a:t> tags. Multiple bookmarks are supported. </a:t>
             </a:r>
           </a:p>
           <a:p>
@@ -8093,7 +9320,7 @@
 </p:sld>
 </file>
 
-<file path=ppt/slides/slide12.xml><?xml version="1.0" encoding="utf-8"?>
+<file path=ppt/slides/slide13.xml><?xml version="1.0" encoding="utf-8"?>
 <p:sld xmlns:a="http://schemas.openxmlformats.org/drawingml/2006/main" xmlns:r="http://schemas.openxmlformats.org/officeDocument/2006/relationships" xmlns:p="http://schemas.openxmlformats.org/presentationml/2006/main">
   <p:cSld>
     <p:spTree>
@@ -8195,7 +9422,1734 @@
 </p:sld>
 </file>
 
-<file path=ppt/slides/slide13.xml><?xml version="1.0" encoding="utf-8"?>
+<file path=ppt/slides/slide14.xml><?xml version="1.0" encoding="utf-8"?>
+<p:sld xmlns:a="http://schemas.openxmlformats.org/drawingml/2006/main" xmlns:r="http://schemas.openxmlformats.org/officeDocument/2006/relationships" xmlns:p="http://schemas.openxmlformats.org/presentationml/2006/main">
+  <p:cSld>
+    <p:spTree>
+      <p:nvGrpSpPr>
+        <p:cNvPr id="1" name=""/>
+        <p:cNvGrpSpPr/>
+        <p:nvPr/>
+      </p:nvGrpSpPr>
+      <p:grpSpPr>
+        <a:xfrm>
+          <a:off x="0" y="0"/>
+          <a:ext cx="0" cy="0"/>
+          <a:chOff x="0" y="0"/>
+          <a:chExt cx="0" cy="0"/>
+        </a:xfrm>
+      </p:grpSpPr>
+      <p:sp>
+        <p:nvSpPr>
+          <p:cNvPr id="2" name="Title 1"/>
+          <p:cNvSpPr>
+            <a:spLocks noGrp="1"/>
+          </p:cNvSpPr>
+          <p:nvPr>
+            <p:ph type="title"/>
+          </p:nvPr>
+        </p:nvSpPr>
+        <p:spPr/>
+        <p:txBody>
+          <a:bodyPr/>
+          <a:lstStyle/>
+          <a:p>
+            <a:r>
+              <a:rPr lang="en-US" dirty="0" smtClean="0"/>
+              <a:t>Saving Output Files</a:t>
+            </a:r>
+            <a:endParaRPr lang="en-US" dirty="0"/>
+          </a:p>
+        </p:txBody>
+      </p:sp>
+      <p:sp>
+        <p:nvSpPr>
+          <p:cNvPr id="3" name="Content Placeholder 2"/>
+          <p:cNvSpPr>
+            <a:spLocks noGrp="1"/>
+          </p:cNvSpPr>
+          <p:nvPr>
+            <p:ph idx="1"/>
+          </p:nvPr>
+        </p:nvSpPr>
+        <p:spPr/>
+        <p:txBody>
+          <a:bodyPr/>
+          <a:lstStyle/>
+          <a:p>
+            <a:r>
+              <a:rPr lang="en-US" dirty="0" smtClean="0"/>
+              <a:t>By default a template is either inserted into the parent template, or written to the servlet response. A template can specify an output file name to be created. </a:t>
+            </a:r>
+          </a:p>
+          <a:p>
+            <a:r>
+              <a:rPr lang="en-US" dirty="0" smtClean="0"/>
+              <a:t>If a file is created, nothing is inserted into the parent template. </a:t>
+            </a:r>
+          </a:p>
+          <a:p>
+            <a:r>
+              <a:rPr lang="en-US" dirty="0" smtClean="0"/>
+              <a:t>File names are “replace processed” before the file is saved.</a:t>
+            </a:r>
+            <a:endParaRPr lang="en-US" dirty="0"/>
+          </a:p>
+        </p:txBody>
+      </p:sp>
+    </p:spTree>
+    <p:extLst>
+      <p:ext uri="{BB962C8B-B14F-4D97-AF65-F5344CB8AC3E}">
+        <p14:creationId xmlns:p14="http://schemas.microsoft.com/office/powerpoint/2010/main" val="1917645416"/>
+      </p:ext>
+    </p:extLst>
+  </p:cSld>
+  <p:clrMapOvr>
+    <a:masterClrMapping/>
+  </p:clrMapOvr>
+</p:sld>
+</file>
+
+<file path=ppt/slides/slide2.xml><?xml version="1.0" encoding="utf-8"?>
+<p:sld xmlns:a="http://schemas.openxmlformats.org/drawingml/2006/main" xmlns:r="http://schemas.openxmlformats.org/officeDocument/2006/relationships" xmlns:p="http://schemas.openxmlformats.org/presentationml/2006/main">
+  <p:cSld>
+    <p:spTree>
+      <p:nvGrpSpPr>
+        <p:cNvPr id="1" name=""/>
+        <p:cNvGrpSpPr/>
+        <p:nvPr/>
+      </p:nvGrpSpPr>
+      <p:grpSpPr>
+        <a:xfrm>
+          <a:off x="0" y="0"/>
+          <a:ext cx="0" cy="0"/>
+          <a:chOff x="0" y="0"/>
+          <a:chExt cx="0" cy="0"/>
+        </a:xfrm>
+      </p:grpSpPr>
+      <p:sp>
+        <p:nvSpPr>
+          <p:cNvPr id="2" name="Title 1"/>
+          <p:cNvSpPr>
+            <a:spLocks noGrp="1"/>
+          </p:cNvSpPr>
+          <p:nvPr>
+            <p:ph type="title"/>
+          </p:nvPr>
+        </p:nvSpPr>
+        <p:spPr/>
+        <p:txBody>
+          <a:bodyPr/>
+          <a:lstStyle/>
+          <a:p>
+            <a:r>
+              <a:rPr lang="en-US" dirty="0" smtClean="0"/>
+              <a:t>Overview</a:t>
+            </a:r>
+            <a:endParaRPr lang="en-US" dirty="0"/>
+          </a:p>
+        </p:txBody>
+      </p:sp>
+      <p:sp>
+        <p:nvSpPr>
+          <p:cNvPr id="5" name="Content Placeholder 4"/>
+          <p:cNvSpPr>
+            <a:spLocks noGrp="1"/>
+          </p:cNvSpPr>
+          <p:nvPr>
+            <p:ph idx="1"/>
+          </p:nvPr>
+        </p:nvSpPr>
+        <p:spPr>
+          <a:xfrm>
+            <a:off x="914400" y="1735138"/>
+            <a:ext cx="7313613" cy="1339138"/>
+          </a:xfrm>
+        </p:spPr>
+        <p:txBody>
+          <a:bodyPr/>
+          <a:lstStyle/>
+          <a:p>
+            <a:pPr marL="0" indent="0">
+              <a:buNone/>
+            </a:pPr>
+            <a:r>
+              <a:rPr lang="en-US" dirty="0" err="1" smtClean="0"/>
+              <a:t>DragonFly</a:t>
+            </a:r>
+            <a:r>
+              <a:rPr lang="en-US" dirty="0" smtClean="0"/>
+              <a:t> is a powerful web based tool that allows you to generate any type of output files from simple text templates and a SQL data source.</a:t>
+            </a:r>
+            <a:endParaRPr lang="en-US" dirty="0"/>
+          </a:p>
+        </p:txBody>
+      </p:sp>
+      <p:sp>
+        <p:nvSpPr>
+          <p:cNvPr id="6" name="TextBox 5"/>
+          <p:cNvSpPr txBox="1"/>
+          <p:nvPr/>
+        </p:nvSpPr>
+        <p:spPr>
+          <a:xfrm>
+            <a:off x="2429643" y="3462769"/>
+            <a:ext cx="1655379" cy="587216"/>
+          </a:xfrm>
+          <a:prstGeom prst="can">
+            <a:avLst/>
+          </a:prstGeom>
+        </p:spPr>
+        <p:style>
+          <a:lnRef idx="2">
+            <a:schemeClr val="accent3">
+              <a:shade val="50000"/>
+            </a:schemeClr>
+          </a:lnRef>
+          <a:fillRef idx="1">
+            <a:schemeClr val="accent3"/>
+          </a:fillRef>
+          <a:effectRef idx="0">
+            <a:schemeClr val="accent3"/>
+          </a:effectRef>
+          <a:fontRef idx="minor">
+            <a:schemeClr val="lt1"/>
+          </a:fontRef>
+        </p:style>
+        <p:txBody>
+          <a:bodyPr wrap="square" rtlCol="0">
+            <a:spAutoFit/>
+          </a:bodyPr>
+          <a:lstStyle/>
+          <a:p>
+            <a:pPr algn="ctr"/>
+            <a:r>
+              <a:rPr lang="en-US" dirty="0" smtClean="0"/>
+              <a:t>Templates</a:t>
+            </a:r>
+          </a:p>
+        </p:txBody>
+      </p:sp>
+      <p:sp>
+        <p:nvSpPr>
+          <p:cNvPr id="7" name="TextBox 6"/>
+          <p:cNvSpPr txBox="1"/>
+          <p:nvPr/>
+        </p:nvSpPr>
+        <p:spPr>
+          <a:xfrm>
+            <a:off x="5740401" y="3462769"/>
+            <a:ext cx="1655379" cy="587216"/>
+          </a:xfrm>
+          <a:prstGeom prst="can">
+            <a:avLst/>
+          </a:prstGeom>
+        </p:spPr>
+        <p:style>
+          <a:lnRef idx="2">
+            <a:schemeClr val="accent3">
+              <a:shade val="50000"/>
+            </a:schemeClr>
+          </a:lnRef>
+          <a:fillRef idx="1">
+            <a:schemeClr val="accent3"/>
+          </a:fillRef>
+          <a:effectRef idx="0">
+            <a:schemeClr val="accent3"/>
+          </a:effectRef>
+          <a:fontRef idx="minor">
+            <a:schemeClr val="lt1"/>
+          </a:fontRef>
+        </p:style>
+        <p:txBody>
+          <a:bodyPr wrap="square" rtlCol="0">
+            <a:spAutoFit/>
+          </a:bodyPr>
+          <a:lstStyle/>
+          <a:p>
+            <a:pPr algn="ctr"/>
+            <a:r>
+              <a:rPr lang="en-US" dirty="0" smtClean="0"/>
+              <a:t>Your Data</a:t>
+            </a:r>
+          </a:p>
+        </p:txBody>
+      </p:sp>
+      <p:sp>
+        <p:nvSpPr>
+          <p:cNvPr id="8" name="TextBox 7"/>
+          <p:cNvSpPr txBox="1"/>
+          <p:nvPr/>
+        </p:nvSpPr>
+        <p:spPr>
+          <a:xfrm>
+            <a:off x="4085022" y="4434112"/>
+            <a:ext cx="1655379" cy="408623"/>
+          </a:xfrm>
+          <a:prstGeom prst="roundRect">
+            <a:avLst/>
+          </a:prstGeom>
+        </p:spPr>
+        <p:style>
+          <a:lnRef idx="2">
+            <a:schemeClr val="accent3">
+              <a:shade val="50000"/>
+            </a:schemeClr>
+          </a:lnRef>
+          <a:fillRef idx="1">
+            <a:schemeClr val="accent3"/>
+          </a:fillRef>
+          <a:effectRef idx="0">
+            <a:schemeClr val="accent3"/>
+          </a:effectRef>
+          <a:fontRef idx="minor">
+            <a:schemeClr val="lt1"/>
+          </a:fontRef>
+        </p:style>
+        <p:txBody>
+          <a:bodyPr wrap="square" rtlCol="0">
+            <a:spAutoFit/>
+          </a:bodyPr>
+          <a:lstStyle/>
+          <a:p>
+            <a:pPr algn="ctr"/>
+            <a:r>
+              <a:rPr lang="en-US" dirty="0" smtClean="0"/>
+              <a:t>Merge Process</a:t>
+            </a:r>
+          </a:p>
+        </p:txBody>
+      </p:sp>
+      <p:sp>
+        <p:nvSpPr>
+          <p:cNvPr id="9" name="TextBox 8"/>
+          <p:cNvSpPr txBox="1"/>
+          <p:nvPr/>
+        </p:nvSpPr>
+        <p:spPr>
+          <a:xfrm>
+            <a:off x="4085022" y="5869771"/>
+            <a:ext cx="1655379" cy="808851"/>
+          </a:xfrm>
+          <a:prstGeom prst="flowChartMultidocument">
+            <a:avLst/>
+          </a:prstGeom>
+        </p:spPr>
+        <p:style>
+          <a:lnRef idx="2">
+            <a:schemeClr val="accent3">
+              <a:shade val="50000"/>
+            </a:schemeClr>
+          </a:lnRef>
+          <a:fillRef idx="1">
+            <a:schemeClr val="accent3"/>
+          </a:fillRef>
+          <a:effectRef idx="0">
+            <a:schemeClr val="accent3"/>
+          </a:effectRef>
+          <a:fontRef idx="minor">
+            <a:schemeClr val="lt1"/>
+          </a:fontRef>
+        </p:style>
+        <p:txBody>
+          <a:bodyPr wrap="square" rtlCol="0">
+            <a:spAutoFit/>
+          </a:bodyPr>
+          <a:lstStyle/>
+          <a:p>
+            <a:pPr algn="ctr"/>
+            <a:r>
+              <a:rPr lang="en-US" dirty="0" smtClean="0"/>
+              <a:t>Output Files</a:t>
+            </a:r>
+          </a:p>
+          <a:p>
+            <a:pPr algn="ctr"/>
+            <a:endParaRPr lang="en-US" dirty="0" smtClean="0"/>
+          </a:p>
+        </p:txBody>
+      </p:sp>
+      <p:sp>
+        <p:nvSpPr>
+          <p:cNvPr id="11" name="TextBox 10"/>
+          <p:cNvSpPr txBox="1"/>
+          <p:nvPr/>
+        </p:nvSpPr>
+        <p:spPr>
+          <a:xfrm rot="18127920">
+            <a:off x="3367474" y="4055665"/>
+            <a:ext cx="385380" cy="814552"/>
+          </a:xfrm>
+          <a:prstGeom prst="downArrow">
+            <a:avLst/>
+          </a:prstGeom>
+        </p:spPr>
+        <p:style>
+          <a:lnRef idx="3">
+            <a:schemeClr val="lt1"/>
+          </a:lnRef>
+          <a:fillRef idx="1">
+            <a:schemeClr val="accent5"/>
+          </a:fillRef>
+          <a:effectRef idx="1">
+            <a:schemeClr val="accent5"/>
+          </a:effectRef>
+          <a:fontRef idx="minor">
+            <a:schemeClr val="lt1"/>
+          </a:fontRef>
+        </p:style>
+        <p:txBody>
+          <a:bodyPr wrap="square" rtlCol="0">
+            <a:spAutoFit/>
+          </a:bodyPr>
+          <a:lstStyle/>
+          <a:p>
+            <a:endParaRPr lang="en-US" dirty="0"/>
+          </a:p>
+        </p:txBody>
+      </p:sp>
+      <p:sp>
+        <p:nvSpPr>
+          <p:cNvPr id="12" name="TextBox 11"/>
+          <p:cNvSpPr txBox="1"/>
+          <p:nvPr/>
+        </p:nvSpPr>
+        <p:spPr>
+          <a:xfrm>
+            <a:off x="4692870" y="4940427"/>
+            <a:ext cx="385380" cy="814552"/>
+          </a:xfrm>
+          <a:prstGeom prst="downArrow">
+            <a:avLst/>
+          </a:prstGeom>
+        </p:spPr>
+        <p:style>
+          <a:lnRef idx="3">
+            <a:schemeClr val="lt1"/>
+          </a:lnRef>
+          <a:fillRef idx="1">
+            <a:schemeClr val="accent5"/>
+          </a:fillRef>
+          <a:effectRef idx="1">
+            <a:schemeClr val="accent5"/>
+          </a:effectRef>
+          <a:fontRef idx="minor">
+            <a:schemeClr val="lt1"/>
+          </a:fontRef>
+        </p:style>
+        <p:txBody>
+          <a:bodyPr wrap="square" rtlCol="0">
+            <a:spAutoFit/>
+          </a:bodyPr>
+          <a:lstStyle/>
+          <a:p>
+            <a:endParaRPr lang="en-US" dirty="0"/>
+          </a:p>
+        </p:txBody>
+      </p:sp>
+      <p:sp>
+        <p:nvSpPr>
+          <p:cNvPr id="13" name="TextBox 12"/>
+          <p:cNvSpPr txBox="1"/>
+          <p:nvPr/>
+        </p:nvSpPr>
+        <p:spPr>
+          <a:xfrm rot="3266874">
+            <a:off x="5991104" y="4041880"/>
+            <a:ext cx="385380" cy="814552"/>
+          </a:xfrm>
+          <a:prstGeom prst="downArrow">
+            <a:avLst/>
+          </a:prstGeom>
+        </p:spPr>
+        <p:style>
+          <a:lnRef idx="3">
+            <a:schemeClr val="lt1"/>
+          </a:lnRef>
+          <a:fillRef idx="1">
+            <a:schemeClr val="accent5"/>
+          </a:fillRef>
+          <a:effectRef idx="1">
+            <a:schemeClr val="accent5"/>
+          </a:effectRef>
+          <a:fontRef idx="minor">
+            <a:schemeClr val="lt1"/>
+          </a:fontRef>
+        </p:style>
+        <p:txBody>
+          <a:bodyPr wrap="square" rtlCol="0">
+            <a:spAutoFit/>
+          </a:bodyPr>
+          <a:lstStyle/>
+          <a:p>
+            <a:endParaRPr lang="en-US" dirty="0"/>
+          </a:p>
+        </p:txBody>
+      </p:sp>
+    </p:spTree>
+    <p:extLst>
+      <p:ext uri="{BB962C8B-B14F-4D97-AF65-F5344CB8AC3E}">
+        <p14:creationId xmlns:p14="http://schemas.microsoft.com/office/powerpoint/2010/main" val="3377022690"/>
+      </p:ext>
+    </p:extLst>
+  </p:cSld>
+  <p:clrMapOvr>
+    <a:masterClrMapping/>
+  </p:clrMapOvr>
+  <p:timing>
+    <p:tnLst>
+      <p:par>
+        <p:cTn xmlns:p14="http://schemas.microsoft.com/office/powerpoint/2010/main" id="1" dur="indefinite" restart="never" nodeType="tmRoot"/>
+      </p:par>
+    </p:tnLst>
+  </p:timing>
+</p:sld>
+</file>
+
+<file path=ppt/slides/slide3.xml><?xml version="1.0" encoding="utf-8"?>
+<p:sld xmlns:a="http://schemas.openxmlformats.org/drawingml/2006/main" xmlns:r="http://schemas.openxmlformats.org/officeDocument/2006/relationships" xmlns:p="http://schemas.openxmlformats.org/presentationml/2006/main">
+  <p:cSld>
+    <p:spTree>
+      <p:nvGrpSpPr>
+        <p:cNvPr id="1" name=""/>
+        <p:cNvGrpSpPr/>
+        <p:nvPr/>
+      </p:nvGrpSpPr>
+      <p:grpSpPr>
+        <a:xfrm>
+          <a:off x="0" y="0"/>
+          <a:ext cx="0" cy="0"/>
+          <a:chOff x="0" y="0"/>
+          <a:chExt cx="0" cy="0"/>
+        </a:xfrm>
+      </p:grpSpPr>
+      <p:sp>
+        <p:nvSpPr>
+          <p:cNvPr id="2" name="Title 1"/>
+          <p:cNvSpPr>
+            <a:spLocks noGrp="1"/>
+          </p:cNvSpPr>
+          <p:nvPr>
+            <p:ph type="title"/>
+          </p:nvPr>
+        </p:nvSpPr>
+        <p:spPr/>
+        <p:txBody>
+          <a:bodyPr/>
+          <a:lstStyle/>
+          <a:p>
+            <a:r>
+              <a:rPr lang="en-US" dirty="0" smtClean="0"/>
+              <a:t>Terminology</a:t>
+            </a:r>
+            <a:endParaRPr lang="en-US" dirty="0"/>
+          </a:p>
+        </p:txBody>
+      </p:sp>
+      <p:sp>
+        <p:nvSpPr>
+          <p:cNvPr id="3" name="Content Placeholder 2"/>
+          <p:cNvSpPr>
+            <a:spLocks noGrp="1"/>
+          </p:cNvSpPr>
+          <p:nvPr>
+            <p:ph idx="1"/>
+          </p:nvPr>
+        </p:nvSpPr>
+        <p:spPr/>
+        <p:txBody>
+          <a:bodyPr>
+            <a:normAutofit lnSpcReduction="10000"/>
+          </a:bodyPr>
+          <a:lstStyle/>
+          <a:p>
+            <a:r>
+              <a:rPr lang="en-US" dirty="0" smtClean="0"/>
+              <a:t>Template – The template Content and options.</a:t>
+            </a:r>
+          </a:p>
+          <a:p>
+            <a:r>
+              <a:rPr lang="en-US" dirty="0" smtClean="0"/>
+              <a:t>Directive – Instructions for the Merge Process, associated with a Template</a:t>
+            </a:r>
+          </a:p>
+          <a:p>
+            <a:r>
+              <a:rPr lang="en-US" dirty="0" smtClean="0"/>
+              <a:t>Merge – The process of </a:t>
+            </a:r>
+            <a:r>
+              <a:rPr lang="en-US" u="sng" dirty="0" smtClean="0"/>
+              <a:t>replacing tags with data </a:t>
+            </a:r>
+            <a:r>
+              <a:rPr lang="en-US" dirty="0" smtClean="0"/>
+              <a:t>and </a:t>
+            </a:r>
+            <a:r>
+              <a:rPr lang="en-US" u="sng" dirty="0" smtClean="0"/>
+              <a:t>inserting sub-templates</a:t>
+            </a:r>
+            <a:r>
+              <a:rPr lang="en-US" dirty="0" smtClean="0"/>
+              <a:t> to generate output</a:t>
+            </a:r>
+          </a:p>
+          <a:p>
+            <a:r>
+              <a:rPr lang="en-US" smtClean="0"/>
+              <a:t>HashTable </a:t>
+            </a:r>
+            <a:r>
+              <a:rPr lang="en-US" dirty="0" smtClean="0"/>
+              <a:t>– An associative array with unique Keys associated with a corresponding value. When a duplicate key is added, it replace the existing value for that key.</a:t>
+            </a:r>
+            <a:endParaRPr lang="en-US" dirty="0"/>
+          </a:p>
+        </p:txBody>
+      </p:sp>
+    </p:spTree>
+    <p:extLst>
+      <p:ext uri="{BB962C8B-B14F-4D97-AF65-F5344CB8AC3E}">
+        <p14:creationId xmlns:p14="http://schemas.microsoft.com/office/powerpoint/2010/main" val="1348768554"/>
+      </p:ext>
+    </p:extLst>
+  </p:cSld>
+  <p:clrMapOvr>
+    <a:masterClrMapping/>
+  </p:clrMapOvr>
+  <p:timing>
+    <p:tnLst>
+      <p:par>
+        <p:cTn xmlns:p14="http://schemas.microsoft.com/office/powerpoint/2010/main" id="1" dur="indefinite" restart="never" nodeType="tmRoot"/>
+      </p:par>
+    </p:tnLst>
+  </p:timing>
+</p:sld>
+</file>
+
+<file path=ppt/slides/slide4.xml><?xml version="1.0" encoding="utf-8"?>
+<p:sld xmlns:a="http://schemas.openxmlformats.org/drawingml/2006/main" xmlns:r="http://schemas.openxmlformats.org/officeDocument/2006/relationships" xmlns:p="http://schemas.openxmlformats.org/presentationml/2006/main">
+  <p:cSld>
+    <p:spTree>
+      <p:nvGrpSpPr>
+        <p:cNvPr id="1" name=""/>
+        <p:cNvGrpSpPr/>
+        <p:nvPr/>
+      </p:nvGrpSpPr>
+      <p:grpSpPr>
+        <a:xfrm>
+          <a:off x="0" y="0"/>
+          <a:ext cx="0" cy="0"/>
+          <a:chOff x="0" y="0"/>
+          <a:chExt cx="0" cy="0"/>
+        </a:xfrm>
+      </p:grpSpPr>
+      <p:sp>
+        <p:nvSpPr>
+          <p:cNvPr id="2" name="Title 1"/>
+          <p:cNvSpPr>
+            <a:spLocks noGrp="1"/>
+          </p:cNvSpPr>
+          <p:nvPr>
+            <p:ph type="title"/>
+          </p:nvPr>
+        </p:nvSpPr>
+        <p:spPr/>
+        <p:txBody>
+          <a:bodyPr/>
+          <a:lstStyle/>
+          <a:p>
+            <a:r>
+              <a:rPr lang="en-US" dirty="0" smtClean="0"/>
+              <a:t>Merge Process - Replace</a:t>
+            </a:r>
+            <a:endParaRPr lang="en-US" dirty="0"/>
+          </a:p>
+        </p:txBody>
+      </p:sp>
+      <p:graphicFrame>
+        <p:nvGraphicFramePr>
+          <p:cNvPr id="4" name="Table 3"/>
+          <p:cNvGraphicFramePr>
+            <a:graphicFrameLocks noGrp="1"/>
+          </p:cNvGraphicFramePr>
+          <p:nvPr>
+            <p:extLst>
+              <p:ext uri="{D42A27DB-BD31-4B8C-83A1-F6EECF244321}">
+                <p14:modId xmlns:p14="http://schemas.microsoft.com/office/powerpoint/2010/main" val="2426135061"/>
+              </p:ext>
+            </p:extLst>
+          </p:nvPr>
+        </p:nvGraphicFramePr>
+        <p:xfrm>
+          <a:off x="3515711" y="1569127"/>
+          <a:ext cx="2300014" cy="1271877"/>
+        </p:xfrm>
+        <a:graphic>
+          <a:graphicData uri="http://schemas.openxmlformats.org/drawingml/2006/table">
+            <a:tbl>
+              <a:tblPr firstRow="1" bandRow="1">
+                <a:tableStyleId>{306799F8-075E-4A3A-A7F6-7FBC6576F1A4}</a:tableStyleId>
+              </a:tblPr>
+              <a:tblGrid>
+                <a:gridCol w="1150007"/>
+                <a:gridCol w="1150007"/>
+              </a:tblGrid>
+              <a:tr h="391334">
+                <a:tc>
+                  <a:txBody>
+                    <a:bodyPr/>
+                    <a:lstStyle/>
+                    <a:p>
+                      <a:r>
+                        <a:rPr lang="en-US" dirty="0" smtClean="0"/>
+                        <a:t>From</a:t>
+                      </a:r>
+                      <a:endParaRPr lang="en-US" dirty="0"/>
+                    </a:p>
+                  </a:txBody>
+                  <a:tcPr/>
+                </a:tc>
+                <a:tc>
+                  <a:txBody>
+                    <a:bodyPr/>
+                    <a:lstStyle/>
+                    <a:p>
+                      <a:r>
+                        <a:rPr lang="en-US" dirty="0" smtClean="0"/>
+                        <a:t>To</a:t>
+                      </a:r>
+                      <a:endParaRPr lang="en-US" dirty="0"/>
+                    </a:p>
+                  </a:txBody>
+                  <a:tcPr/>
+                </a:tc>
+              </a:tr>
+              <a:tr h="329663">
+                <a:tc>
+                  <a:txBody>
+                    <a:bodyPr/>
+                    <a:lstStyle/>
+                    <a:p>
+                      <a:r>
+                        <a:rPr lang="en-US" sz="1200" dirty="0" smtClean="0"/>
+                        <a:t>{name}</a:t>
+                      </a:r>
+                      <a:endParaRPr lang="en-US" sz="1200" dirty="0"/>
+                    </a:p>
+                  </a:txBody>
+                  <a:tcPr/>
+                </a:tc>
+                <a:tc>
+                  <a:txBody>
+                    <a:bodyPr/>
+                    <a:lstStyle/>
+                    <a:p>
+                      <a:r>
+                        <a:rPr lang="en-US" sz="1200" dirty="0" smtClean="0"/>
+                        <a:t>Mr. Smith</a:t>
+                      </a:r>
+                      <a:endParaRPr lang="en-US" sz="1200" dirty="0"/>
+                    </a:p>
+                  </a:txBody>
+                  <a:tcPr/>
+                </a:tc>
+              </a:tr>
+              <a:tr h="276560">
+                <a:tc>
+                  <a:txBody>
+                    <a:bodyPr/>
+                    <a:lstStyle/>
+                    <a:p>
+                      <a:r>
+                        <a:rPr lang="en-US" sz="1200" dirty="0" smtClean="0"/>
+                        <a:t>{address}</a:t>
+                      </a:r>
+                      <a:endParaRPr lang="en-US" sz="1200" dirty="0"/>
+                    </a:p>
+                  </a:txBody>
+                  <a:tcPr/>
+                </a:tc>
+                <a:tc>
+                  <a:txBody>
+                    <a:bodyPr/>
+                    <a:lstStyle/>
+                    <a:p>
+                      <a:r>
+                        <a:rPr lang="en-US" sz="1200" dirty="0" smtClean="0"/>
+                        <a:t>1234 Main St.</a:t>
+                      </a:r>
+                      <a:endParaRPr lang="en-US" sz="1200" dirty="0"/>
+                    </a:p>
+                  </a:txBody>
+                  <a:tcPr/>
+                </a:tc>
+              </a:tr>
+              <a:tr h="269265">
+                <a:tc>
+                  <a:txBody>
+                    <a:bodyPr/>
+                    <a:lstStyle/>
+                    <a:p>
+                      <a:r>
+                        <a:rPr lang="en-US" sz="1200" dirty="0" smtClean="0"/>
+                        <a:t>{company}</a:t>
+                      </a:r>
+                      <a:endParaRPr lang="en-US" sz="1200" dirty="0"/>
+                    </a:p>
+                  </a:txBody>
+                  <a:tcPr/>
+                </a:tc>
+                <a:tc>
+                  <a:txBody>
+                    <a:bodyPr/>
+                    <a:lstStyle/>
+                    <a:p>
+                      <a:r>
+                        <a:rPr lang="en-US" sz="1200" dirty="0" smtClean="0"/>
+                        <a:t>Blue Widgets</a:t>
+                      </a:r>
+                      <a:endParaRPr lang="en-US" sz="1200" dirty="0"/>
+                    </a:p>
+                  </a:txBody>
+                  <a:tcPr/>
+                </a:tc>
+              </a:tr>
+            </a:tbl>
+          </a:graphicData>
+        </a:graphic>
+      </p:graphicFrame>
+      <p:sp>
+        <p:nvSpPr>
+          <p:cNvPr id="6" name="TextBox 5"/>
+          <p:cNvSpPr txBox="1"/>
+          <p:nvPr/>
+        </p:nvSpPr>
+        <p:spPr>
+          <a:xfrm>
+            <a:off x="420412" y="3210336"/>
+            <a:ext cx="3095299" cy="3210401"/>
+          </a:xfrm>
+          <a:prstGeom prst="flowChartPunchedCard">
+            <a:avLst/>
+          </a:prstGeom>
+        </p:spPr>
+        <p:style>
+          <a:lnRef idx="3">
+            <a:schemeClr val="lt1"/>
+          </a:lnRef>
+          <a:fillRef idx="1">
+            <a:schemeClr val="accent4"/>
+          </a:fillRef>
+          <a:effectRef idx="1">
+            <a:schemeClr val="accent4"/>
+          </a:effectRef>
+          <a:fontRef idx="minor">
+            <a:schemeClr val="lt1"/>
+          </a:fontRef>
+        </p:style>
+        <p:txBody>
+          <a:bodyPr wrap="square" rtlCol="0">
+            <a:spAutoFit/>
+          </a:bodyPr>
+          <a:lstStyle/>
+          <a:p>
+            <a:r>
+              <a:rPr lang="en-US" sz="1600" dirty="0" smtClean="0"/>
+              <a:t>Dear {name}</a:t>
+            </a:r>
+          </a:p>
+          <a:p>
+            <a:r>
+              <a:rPr lang="en-US" sz="1600" dirty="0"/>
+              <a:t>	</a:t>
+            </a:r>
+            <a:r>
+              <a:rPr lang="en-US" sz="1600" dirty="0" smtClean="0"/>
+              <a:t>{company}</a:t>
+            </a:r>
+          </a:p>
+          <a:p>
+            <a:r>
+              <a:rPr lang="en-US" sz="1600" dirty="0" smtClean="0"/>
+              <a:t>	{address}</a:t>
+            </a:r>
+          </a:p>
+          <a:p>
+            <a:r>
+              <a:rPr lang="en-US" sz="1600" dirty="0" smtClean="0"/>
+              <a:t>We are writing to invite your staff to enroll in our special training class.</a:t>
+            </a:r>
+          </a:p>
+          <a:p>
+            <a:endParaRPr lang="en-US" sz="1600" dirty="0"/>
+          </a:p>
+          <a:p>
+            <a:r>
+              <a:rPr lang="en-US" sz="1600" dirty="0" smtClean="0"/>
+              <a:t>Thank you</a:t>
+            </a:r>
+          </a:p>
+          <a:p>
+            <a:endParaRPr lang="en-US" sz="1600" dirty="0"/>
+          </a:p>
+          <a:p>
+            <a:r>
+              <a:rPr lang="en-US" sz="1600" dirty="0" smtClean="0"/>
+              <a:t>Intense Training Specialist</a:t>
+            </a:r>
+          </a:p>
+          <a:p>
+            <a:endParaRPr lang="en-US" sz="1600" dirty="0"/>
+          </a:p>
+        </p:txBody>
+      </p:sp>
+      <p:sp>
+        <p:nvSpPr>
+          <p:cNvPr id="7" name="TextBox 6"/>
+          <p:cNvSpPr txBox="1"/>
+          <p:nvPr/>
+        </p:nvSpPr>
+        <p:spPr>
+          <a:xfrm>
+            <a:off x="5575284" y="3210336"/>
+            <a:ext cx="3095300" cy="3210401"/>
+          </a:xfrm>
+          <a:prstGeom prst="flowChartPunchedCard">
+            <a:avLst/>
+          </a:prstGeom>
+        </p:spPr>
+        <p:style>
+          <a:lnRef idx="3">
+            <a:schemeClr val="lt1"/>
+          </a:lnRef>
+          <a:fillRef idx="1">
+            <a:schemeClr val="accent4"/>
+          </a:fillRef>
+          <a:effectRef idx="1">
+            <a:schemeClr val="accent4"/>
+          </a:effectRef>
+          <a:fontRef idx="minor">
+            <a:schemeClr val="lt1"/>
+          </a:fontRef>
+        </p:style>
+        <p:txBody>
+          <a:bodyPr wrap="square" rtlCol="0">
+            <a:spAutoFit/>
+          </a:bodyPr>
+          <a:lstStyle/>
+          <a:p>
+            <a:r>
+              <a:rPr lang="en-US" sz="1600" dirty="0" smtClean="0"/>
+              <a:t>Dear Mr. Smith</a:t>
+            </a:r>
+          </a:p>
+          <a:p>
+            <a:r>
+              <a:rPr lang="en-US" sz="1600" dirty="0"/>
+              <a:t>	</a:t>
+            </a:r>
+            <a:r>
+              <a:rPr lang="en-US" sz="1600" dirty="0" smtClean="0"/>
+              <a:t>Blue Widgets</a:t>
+            </a:r>
+          </a:p>
+          <a:p>
+            <a:r>
+              <a:rPr lang="en-US" sz="1600" dirty="0" smtClean="0"/>
+              <a:t>	1234 Main St.</a:t>
+            </a:r>
+          </a:p>
+          <a:p>
+            <a:r>
+              <a:rPr lang="en-US" sz="1600" dirty="0" smtClean="0"/>
+              <a:t>We are writing to invite your staff to enroll in our special training class.</a:t>
+            </a:r>
+          </a:p>
+          <a:p>
+            <a:endParaRPr lang="en-US" sz="1600" dirty="0"/>
+          </a:p>
+          <a:p>
+            <a:r>
+              <a:rPr lang="en-US" sz="1600" dirty="0" smtClean="0"/>
+              <a:t>Thank you</a:t>
+            </a:r>
+          </a:p>
+          <a:p>
+            <a:endParaRPr lang="en-US" sz="1600" dirty="0"/>
+          </a:p>
+          <a:p>
+            <a:r>
+              <a:rPr lang="en-US" sz="1600" dirty="0" smtClean="0"/>
+              <a:t>Intense Training Specialist</a:t>
+            </a:r>
+          </a:p>
+          <a:p>
+            <a:endParaRPr lang="en-US" sz="1600" dirty="0"/>
+          </a:p>
+        </p:txBody>
+      </p:sp>
+      <p:sp>
+        <p:nvSpPr>
+          <p:cNvPr id="8" name="TextBox 7"/>
+          <p:cNvSpPr txBox="1"/>
+          <p:nvPr/>
+        </p:nvSpPr>
+        <p:spPr>
+          <a:xfrm>
+            <a:off x="3515711" y="4044919"/>
+            <a:ext cx="2059573" cy="733663"/>
+          </a:xfrm>
+          <a:prstGeom prst="rightArrow">
+            <a:avLst/>
+          </a:prstGeom>
+        </p:spPr>
+        <p:style>
+          <a:lnRef idx="2">
+            <a:schemeClr val="accent3">
+              <a:shade val="50000"/>
+            </a:schemeClr>
+          </a:lnRef>
+          <a:fillRef idx="1">
+            <a:schemeClr val="accent3"/>
+          </a:fillRef>
+          <a:effectRef idx="0">
+            <a:schemeClr val="accent3"/>
+          </a:effectRef>
+          <a:fontRef idx="minor">
+            <a:schemeClr val="lt1"/>
+          </a:fontRef>
+        </p:style>
+        <p:txBody>
+          <a:bodyPr wrap="square" rtlCol="0">
+            <a:spAutoFit/>
+          </a:bodyPr>
+          <a:lstStyle/>
+          <a:p>
+            <a:pPr algn="ctr"/>
+            <a:r>
+              <a:rPr lang="en-US" dirty="0" smtClean="0"/>
+              <a:t>Merge Process</a:t>
+            </a:r>
+          </a:p>
+        </p:txBody>
+      </p:sp>
+      <p:sp>
+        <p:nvSpPr>
+          <p:cNvPr id="9" name="TextBox 8"/>
+          <p:cNvSpPr txBox="1"/>
+          <p:nvPr/>
+        </p:nvSpPr>
+        <p:spPr>
+          <a:xfrm>
+            <a:off x="1418897" y="2842473"/>
+            <a:ext cx="1020306" cy="369332"/>
+          </a:xfrm>
+          <a:prstGeom prst="rect">
+            <a:avLst/>
+          </a:prstGeom>
+          <a:noFill/>
+        </p:spPr>
+        <p:txBody>
+          <a:bodyPr wrap="none" rtlCol="0">
+            <a:spAutoFit/>
+          </a:bodyPr>
+          <a:lstStyle/>
+          <a:p>
+            <a:r>
+              <a:rPr lang="en-US" dirty="0" smtClean="0"/>
+              <a:t>Template</a:t>
+            </a:r>
+            <a:endParaRPr lang="en-US" dirty="0"/>
+          </a:p>
+        </p:txBody>
+      </p:sp>
+      <p:sp>
+        <p:nvSpPr>
+          <p:cNvPr id="10" name="TextBox 9"/>
+          <p:cNvSpPr txBox="1"/>
+          <p:nvPr/>
+        </p:nvSpPr>
+        <p:spPr>
+          <a:xfrm>
+            <a:off x="6843986" y="2841004"/>
+            <a:ext cx="877163" cy="369332"/>
+          </a:xfrm>
+          <a:prstGeom prst="rect">
+            <a:avLst/>
+          </a:prstGeom>
+          <a:noFill/>
+        </p:spPr>
+        <p:txBody>
+          <a:bodyPr wrap="none" rtlCol="0">
+            <a:spAutoFit/>
+          </a:bodyPr>
+          <a:lstStyle/>
+          <a:p>
+            <a:r>
+              <a:rPr lang="en-US" dirty="0" smtClean="0"/>
+              <a:t>Output</a:t>
+            </a:r>
+            <a:endParaRPr lang="en-US" dirty="0"/>
+          </a:p>
+        </p:txBody>
+      </p:sp>
+      <p:sp>
+        <p:nvSpPr>
+          <p:cNvPr id="11" name="TextBox 10"/>
+          <p:cNvSpPr txBox="1"/>
+          <p:nvPr/>
+        </p:nvSpPr>
+        <p:spPr>
+          <a:xfrm>
+            <a:off x="4340774" y="2974117"/>
+            <a:ext cx="385380" cy="814552"/>
+          </a:xfrm>
+          <a:prstGeom prst="downArrow">
+            <a:avLst/>
+          </a:prstGeom>
+        </p:spPr>
+        <p:style>
+          <a:lnRef idx="3">
+            <a:schemeClr val="lt1"/>
+          </a:lnRef>
+          <a:fillRef idx="1">
+            <a:schemeClr val="accent5"/>
+          </a:fillRef>
+          <a:effectRef idx="1">
+            <a:schemeClr val="accent5"/>
+          </a:effectRef>
+          <a:fontRef idx="minor">
+            <a:schemeClr val="lt1"/>
+          </a:fontRef>
+        </p:style>
+        <p:txBody>
+          <a:bodyPr wrap="square" rtlCol="0">
+            <a:spAutoFit/>
+          </a:bodyPr>
+          <a:lstStyle/>
+          <a:p>
+            <a:endParaRPr lang="en-US" dirty="0"/>
+          </a:p>
+        </p:txBody>
+      </p:sp>
+      <p:sp>
+        <p:nvSpPr>
+          <p:cNvPr id="12" name="TextBox 11"/>
+          <p:cNvSpPr txBox="1"/>
+          <p:nvPr/>
+        </p:nvSpPr>
+        <p:spPr>
+          <a:xfrm>
+            <a:off x="337207" y="1569127"/>
+            <a:ext cx="3017345" cy="923330"/>
+          </a:xfrm>
+          <a:prstGeom prst="rect">
+            <a:avLst/>
+          </a:prstGeom>
+          <a:noFill/>
+        </p:spPr>
+        <p:txBody>
+          <a:bodyPr wrap="square" rtlCol="0">
+            <a:spAutoFit/>
+          </a:bodyPr>
+          <a:lstStyle/>
+          <a:p>
+            <a:r>
+              <a:rPr lang="en-US" dirty="0" smtClean="0"/>
+              <a:t>The Merge process builds a hash of replace from/to values and then processes them</a:t>
+            </a:r>
+            <a:endParaRPr lang="en-US" dirty="0"/>
+          </a:p>
+        </p:txBody>
+      </p:sp>
+    </p:spTree>
+    <p:extLst>
+      <p:ext uri="{BB962C8B-B14F-4D97-AF65-F5344CB8AC3E}">
+        <p14:creationId xmlns:p14="http://schemas.microsoft.com/office/powerpoint/2010/main" val="2970966262"/>
+      </p:ext>
+    </p:extLst>
+  </p:cSld>
+  <p:clrMapOvr>
+    <a:masterClrMapping/>
+  </p:clrMapOvr>
+  <p:timing>
+    <p:tnLst>
+      <p:par>
+        <p:cTn xmlns:p14="http://schemas.microsoft.com/office/powerpoint/2010/main" id="1" dur="indefinite" restart="never" nodeType="tmRoot"/>
+      </p:par>
+    </p:tnLst>
+  </p:timing>
+</p:sld>
+</file>
+
+<file path=ppt/slides/slide5.xml><?xml version="1.0" encoding="utf-8"?>
+<p:sld xmlns:a="http://schemas.openxmlformats.org/drawingml/2006/main" xmlns:r="http://schemas.openxmlformats.org/officeDocument/2006/relationships" xmlns:p="http://schemas.openxmlformats.org/presentationml/2006/main">
+  <p:cSld>
+    <p:spTree>
+      <p:nvGrpSpPr>
+        <p:cNvPr id="1" name=""/>
+        <p:cNvGrpSpPr/>
+        <p:nvPr/>
+      </p:nvGrpSpPr>
+      <p:grpSpPr>
+        <a:xfrm>
+          <a:off x="0" y="0"/>
+          <a:ext cx="0" cy="0"/>
+          <a:chOff x="0" y="0"/>
+          <a:chExt cx="0" cy="0"/>
+        </a:xfrm>
+      </p:grpSpPr>
+      <p:sp>
+        <p:nvSpPr>
+          <p:cNvPr id="2" name="Title 1"/>
+          <p:cNvSpPr>
+            <a:spLocks noGrp="1"/>
+          </p:cNvSpPr>
+          <p:nvPr>
+            <p:ph type="title"/>
+          </p:nvPr>
+        </p:nvSpPr>
+        <p:spPr/>
+        <p:txBody>
+          <a:bodyPr/>
+          <a:lstStyle/>
+          <a:p>
+            <a:r>
+              <a:rPr lang="en-US" dirty="0" smtClean="0"/>
+              <a:t>Merge Sub-Templates</a:t>
+            </a:r>
+            <a:endParaRPr lang="en-US" dirty="0"/>
+          </a:p>
+        </p:txBody>
+      </p:sp>
+      <p:sp>
+        <p:nvSpPr>
+          <p:cNvPr id="6" name="TextBox 5"/>
+          <p:cNvSpPr txBox="1"/>
+          <p:nvPr/>
+        </p:nvSpPr>
+        <p:spPr>
+          <a:xfrm>
+            <a:off x="420412" y="2465853"/>
+            <a:ext cx="3095299" cy="3783687"/>
+          </a:xfrm>
+          <a:prstGeom prst="flowChartPunchedCard">
+            <a:avLst/>
+          </a:prstGeom>
+        </p:spPr>
+        <p:style>
+          <a:lnRef idx="3">
+            <a:schemeClr val="lt1"/>
+          </a:lnRef>
+          <a:fillRef idx="1">
+            <a:schemeClr val="accent4"/>
+          </a:fillRef>
+          <a:effectRef idx="1">
+            <a:schemeClr val="accent4"/>
+          </a:effectRef>
+          <a:fontRef idx="minor">
+            <a:schemeClr val="lt1"/>
+          </a:fontRef>
+        </p:style>
+        <p:txBody>
+          <a:bodyPr wrap="square" rtlCol="0">
+            <a:spAutoFit/>
+          </a:bodyPr>
+          <a:lstStyle/>
+          <a:p>
+            <a:r>
+              <a:rPr lang="en-US" sz="1600" dirty="0" smtClean="0"/>
+              <a:t>Dear {name}</a:t>
+            </a:r>
+          </a:p>
+          <a:p>
+            <a:r>
+              <a:rPr lang="en-US" sz="1600" dirty="0"/>
+              <a:t>	</a:t>
+            </a:r>
+            <a:r>
+              <a:rPr lang="en-US" sz="1600" dirty="0" smtClean="0"/>
+              <a:t>{company}</a:t>
+            </a:r>
+          </a:p>
+          <a:p>
+            <a:r>
+              <a:rPr lang="en-US" sz="1600" dirty="0" smtClean="0"/>
+              <a:t>	{address}</a:t>
+            </a:r>
+          </a:p>
+          <a:p>
+            <a:r>
+              <a:rPr lang="en-US" sz="1600" dirty="0" smtClean="0"/>
+              <a:t>We are writing to invite your staff to enroll in our special training class. We would like to extend an invitation to:</a:t>
+            </a:r>
+          </a:p>
+          <a:p>
+            <a:r>
+              <a:rPr lang="en-US" sz="1600" dirty="0" smtClean="0"/>
+              <a:t>&lt;</a:t>
+            </a:r>
+            <a:r>
+              <a:rPr lang="en-US" sz="1600" dirty="0" err="1" smtClean="0"/>
+              <a:t>tkBookmark</a:t>
+            </a:r>
+            <a:r>
+              <a:rPr lang="en-US" sz="1600" dirty="0" smtClean="0"/>
+              <a:t> name=“template2”/&gt;</a:t>
+            </a:r>
+            <a:endParaRPr lang="en-US" sz="1600" dirty="0"/>
+          </a:p>
+          <a:p>
+            <a:r>
+              <a:rPr lang="en-US" sz="1600" dirty="0" smtClean="0"/>
+              <a:t>Thank you</a:t>
+            </a:r>
+          </a:p>
+          <a:p>
+            <a:endParaRPr lang="en-US" sz="1600" dirty="0"/>
+          </a:p>
+          <a:p>
+            <a:r>
+              <a:rPr lang="en-US" sz="1600" dirty="0" smtClean="0"/>
+              <a:t>Intense Training Specialist</a:t>
+            </a:r>
+          </a:p>
+          <a:p>
+            <a:endParaRPr lang="en-US" sz="1600" dirty="0"/>
+          </a:p>
+        </p:txBody>
+      </p:sp>
+      <p:sp>
+        <p:nvSpPr>
+          <p:cNvPr id="7" name="TextBox 6"/>
+          <p:cNvSpPr txBox="1"/>
+          <p:nvPr/>
+        </p:nvSpPr>
+        <p:spPr>
+          <a:xfrm>
+            <a:off x="5575284" y="2360750"/>
+            <a:ext cx="3095300" cy="4395192"/>
+          </a:xfrm>
+          <a:prstGeom prst="flowChartPunchedCard">
+            <a:avLst/>
+          </a:prstGeom>
+          <a:ln>
+            <a:solidFill>
+              <a:srgbClr val="860908"/>
+            </a:solidFill>
+          </a:ln>
+        </p:spPr>
+        <p:style>
+          <a:lnRef idx="3">
+            <a:schemeClr val="lt1"/>
+          </a:lnRef>
+          <a:fillRef idx="1">
+            <a:schemeClr val="accent4"/>
+          </a:fillRef>
+          <a:effectRef idx="1">
+            <a:schemeClr val="accent4"/>
+          </a:effectRef>
+          <a:fontRef idx="minor">
+            <a:schemeClr val="lt1"/>
+          </a:fontRef>
+        </p:style>
+        <p:txBody>
+          <a:bodyPr wrap="square" rtlCol="0">
+            <a:spAutoFit/>
+          </a:bodyPr>
+          <a:lstStyle/>
+          <a:p>
+            <a:r>
+              <a:rPr lang="en-US" sz="1600" dirty="0" smtClean="0"/>
+              <a:t>Dear Mr. Smith</a:t>
+            </a:r>
+          </a:p>
+          <a:p>
+            <a:r>
+              <a:rPr lang="en-US" sz="1600" dirty="0"/>
+              <a:t>	</a:t>
+            </a:r>
+            <a:r>
+              <a:rPr lang="en-US" sz="1600" dirty="0" smtClean="0"/>
+              <a:t>Blue Widgets</a:t>
+            </a:r>
+          </a:p>
+          <a:p>
+            <a:r>
+              <a:rPr lang="en-US" sz="1600" dirty="0" smtClean="0"/>
+              <a:t>	1234 Main St.</a:t>
+            </a:r>
+          </a:p>
+          <a:p>
+            <a:r>
+              <a:rPr lang="en-US" sz="1600" dirty="0" smtClean="0"/>
+              <a:t>We are writing to invite your staff to enroll in our special training class.</a:t>
+            </a:r>
+          </a:p>
+          <a:p>
+            <a:r>
+              <a:rPr lang="en-US" sz="1600" dirty="0"/>
+              <a:t>We would like to extend an </a:t>
+            </a:r>
+            <a:r>
+              <a:rPr lang="en-US" sz="1600" dirty="0" smtClean="0"/>
+              <a:t>invitation </a:t>
+            </a:r>
+            <a:r>
+              <a:rPr lang="en-US" sz="1600" dirty="0"/>
+              <a:t>to:</a:t>
+            </a:r>
+          </a:p>
+          <a:p>
+            <a:r>
+              <a:rPr lang="en-US" sz="1600" dirty="0" smtClean="0"/>
+              <a:t>- Fred </a:t>
+            </a:r>
+            <a:r>
+              <a:rPr lang="en-US" sz="1600" dirty="0" err="1" smtClean="0"/>
+              <a:t>eMail</a:t>
+            </a:r>
+            <a:r>
+              <a:rPr lang="en-US" sz="1600" dirty="0" smtClean="0"/>
+              <a:t>: </a:t>
+            </a:r>
+            <a:r>
+              <a:rPr lang="en-US" sz="1600" dirty="0" smtClean="0">
+                <a:solidFill>
+                  <a:srgbClr val="FFFFFF"/>
+                </a:solidFill>
+              </a:rPr>
+              <a:t>fred@gmail.com</a:t>
+            </a:r>
+          </a:p>
+          <a:p>
+            <a:r>
+              <a:rPr lang="en-US" sz="1600" dirty="0" smtClean="0">
+                <a:solidFill>
+                  <a:schemeClr val="bg1"/>
+                </a:solidFill>
+              </a:rPr>
+              <a:t>- Betty </a:t>
+            </a:r>
+            <a:r>
+              <a:rPr lang="en-US" sz="1600" dirty="0" err="1" smtClean="0">
+                <a:solidFill>
+                  <a:schemeClr val="bg1"/>
+                </a:solidFill>
+              </a:rPr>
+              <a:t>eMail</a:t>
+            </a:r>
+            <a:r>
+              <a:rPr lang="en-US" sz="1600" dirty="0" smtClean="0">
+                <a:solidFill>
+                  <a:schemeClr val="bg1"/>
+                </a:solidFill>
+              </a:rPr>
+              <a:t>: betty@ibm.com</a:t>
+            </a:r>
+          </a:p>
+          <a:p>
+            <a:r>
+              <a:rPr lang="en-US" sz="1600" dirty="0" smtClean="0">
+                <a:solidFill>
+                  <a:schemeClr val="bg1"/>
+                </a:solidFill>
+              </a:rPr>
+              <a:t>- Kara </a:t>
+            </a:r>
+            <a:r>
+              <a:rPr lang="en-US" sz="1600" dirty="0" err="1" smtClean="0">
+                <a:solidFill>
+                  <a:schemeClr val="bg1"/>
+                </a:solidFill>
+              </a:rPr>
+              <a:t>eMail</a:t>
+            </a:r>
+            <a:r>
+              <a:rPr lang="en-US" sz="1600" dirty="0" smtClean="0">
+                <a:solidFill>
+                  <a:schemeClr val="bg1"/>
+                </a:solidFill>
+              </a:rPr>
+              <a:t>: kk993@yahoo.com</a:t>
+            </a:r>
+            <a:endParaRPr lang="en-US" sz="1600" dirty="0">
+              <a:solidFill>
+                <a:schemeClr val="bg1"/>
+              </a:solidFill>
+            </a:endParaRPr>
+          </a:p>
+          <a:p>
+            <a:r>
+              <a:rPr lang="en-US" sz="1600" dirty="0" smtClean="0"/>
+              <a:t>Thank you</a:t>
+            </a:r>
+          </a:p>
+          <a:p>
+            <a:endParaRPr lang="en-US" sz="1600" dirty="0"/>
+          </a:p>
+          <a:p>
+            <a:r>
+              <a:rPr lang="en-US" sz="1600" dirty="0" smtClean="0"/>
+              <a:t>Intense Training Specialist</a:t>
+            </a:r>
+          </a:p>
+          <a:p>
+            <a:endParaRPr lang="en-US" sz="1600" dirty="0"/>
+          </a:p>
+        </p:txBody>
+      </p:sp>
+      <p:sp>
+        <p:nvSpPr>
+          <p:cNvPr id="8" name="TextBox 7"/>
+          <p:cNvSpPr txBox="1"/>
+          <p:nvPr/>
+        </p:nvSpPr>
+        <p:spPr>
+          <a:xfrm>
+            <a:off x="3515711" y="4044919"/>
+            <a:ext cx="2059573" cy="733663"/>
+          </a:xfrm>
+          <a:prstGeom prst="rightArrow">
+            <a:avLst/>
+          </a:prstGeom>
+        </p:spPr>
+        <p:style>
+          <a:lnRef idx="2">
+            <a:schemeClr val="accent3">
+              <a:shade val="50000"/>
+            </a:schemeClr>
+          </a:lnRef>
+          <a:fillRef idx="1">
+            <a:schemeClr val="accent3"/>
+          </a:fillRef>
+          <a:effectRef idx="0">
+            <a:schemeClr val="accent3"/>
+          </a:effectRef>
+          <a:fontRef idx="minor">
+            <a:schemeClr val="lt1"/>
+          </a:fontRef>
+        </p:style>
+        <p:txBody>
+          <a:bodyPr wrap="square" rtlCol="0">
+            <a:spAutoFit/>
+          </a:bodyPr>
+          <a:lstStyle/>
+          <a:p>
+            <a:pPr algn="ctr"/>
+            <a:r>
+              <a:rPr lang="en-US" dirty="0" smtClean="0"/>
+              <a:t>Merge Process</a:t>
+            </a:r>
+          </a:p>
+        </p:txBody>
+      </p:sp>
+      <p:sp>
+        <p:nvSpPr>
+          <p:cNvPr id="9" name="TextBox 8"/>
+          <p:cNvSpPr txBox="1"/>
+          <p:nvPr/>
+        </p:nvSpPr>
+        <p:spPr>
+          <a:xfrm>
+            <a:off x="1418897" y="2471672"/>
+            <a:ext cx="1082410" cy="369332"/>
+          </a:xfrm>
+          <a:prstGeom prst="rect">
+            <a:avLst/>
+          </a:prstGeom>
+          <a:noFill/>
+        </p:spPr>
+        <p:txBody>
+          <a:bodyPr wrap="none" rtlCol="0">
+            <a:spAutoFit/>
+          </a:bodyPr>
+          <a:lstStyle/>
+          <a:p>
+            <a:r>
+              <a:rPr lang="en-US" dirty="0" smtClean="0"/>
+              <a:t>template1</a:t>
+            </a:r>
+            <a:endParaRPr lang="en-US" dirty="0"/>
+          </a:p>
+        </p:txBody>
+      </p:sp>
+      <p:sp>
+        <p:nvSpPr>
+          <p:cNvPr id="10" name="TextBox 9"/>
+          <p:cNvSpPr txBox="1"/>
+          <p:nvPr/>
+        </p:nvSpPr>
+        <p:spPr>
+          <a:xfrm>
+            <a:off x="6843986" y="2461775"/>
+            <a:ext cx="877163" cy="369332"/>
+          </a:xfrm>
+          <a:prstGeom prst="rect">
+            <a:avLst/>
+          </a:prstGeom>
+          <a:noFill/>
+        </p:spPr>
+        <p:txBody>
+          <a:bodyPr wrap="none" rtlCol="0">
+            <a:spAutoFit/>
+          </a:bodyPr>
+          <a:lstStyle/>
+          <a:p>
+            <a:r>
+              <a:rPr lang="en-US" dirty="0" smtClean="0"/>
+              <a:t>Output</a:t>
+            </a:r>
+            <a:endParaRPr lang="en-US" dirty="0"/>
+          </a:p>
+        </p:txBody>
+      </p:sp>
+      <p:sp>
+        <p:nvSpPr>
+          <p:cNvPr id="12" name="TextBox 11"/>
+          <p:cNvSpPr txBox="1"/>
+          <p:nvPr/>
+        </p:nvSpPr>
+        <p:spPr>
+          <a:xfrm>
+            <a:off x="337207" y="1569127"/>
+            <a:ext cx="3017345" cy="646331"/>
+          </a:xfrm>
+          <a:prstGeom prst="rect">
+            <a:avLst/>
+          </a:prstGeom>
+          <a:noFill/>
+        </p:spPr>
+        <p:txBody>
+          <a:bodyPr wrap="square" rtlCol="0">
+            <a:spAutoFit/>
+          </a:bodyPr>
+          <a:lstStyle/>
+          <a:p>
+            <a:r>
+              <a:rPr lang="en-US" dirty="0" smtClean="0"/>
+              <a:t>The Merge process will insert sub-templates at Bookmarks</a:t>
+            </a:r>
+            <a:endParaRPr lang="en-US" dirty="0"/>
+          </a:p>
+        </p:txBody>
+      </p:sp>
+      <p:sp>
+        <p:nvSpPr>
+          <p:cNvPr id="13" name="TextBox 12"/>
+          <p:cNvSpPr txBox="1"/>
+          <p:nvPr/>
+        </p:nvSpPr>
+        <p:spPr>
+          <a:xfrm>
+            <a:off x="2697653" y="2098694"/>
+            <a:ext cx="3095299" cy="726162"/>
+          </a:xfrm>
+          <a:prstGeom prst="flowChartPunchedCard">
+            <a:avLst/>
+          </a:prstGeom>
+        </p:spPr>
+        <p:style>
+          <a:lnRef idx="3">
+            <a:schemeClr val="lt1"/>
+          </a:lnRef>
+          <a:fillRef idx="1">
+            <a:schemeClr val="accent4"/>
+          </a:fillRef>
+          <a:effectRef idx="1">
+            <a:schemeClr val="accent4"/>
+          </a:effectRef>
+          <a:fontRef idx="minor">
+            <a:schemeClr val="lt1"/>
+          </a:fontRef>
+        </p:style>
+        <p:txBody>
+          <a:bodyPr wrap="square" rtlCol="0">
+            <a:spAutoFit/>
+          </a:bodyPr>
+          <a:lstStyle/>
+          <a:p>
+            <a:endParaRPr lang="en-US" sz="1600" dirty="0" smtClean="0"/>
+          </a:p>
+          <a:p>
+            <a:r>
+              <a:rPr lang="en-US" sz="1600" dirty="0" smtClean="0"/>
+              <a:t>- {contact} </a:t>
+            </a:r>
+            <a:r>
+              <a:rPr lang="en-US" sz="1600" dirty="0" err="1" smtClean="0"/>
+              <a:t>eMail</a:t>
+            </a:r>
+            <a:r>
+              <a:rPr lang="en-US" sz="1600" dirty="0" smtClean="0"/>
+              <a:t>: {</a:t>
+            </a:r>
+            <a:r>
+              <a:rPr lang="en-US" sz="1600" dirty="0" err="1" smtClean="0"/>
+              <a:t>eMail</a:t>
+            </a:r>
+            <a:r>
+              <a:rPr lang="en-US" sz="1600" dirty="0" smtClean="0"/>
+              <a:t>}</a:t>
+            </a:r>
+            <a:endParaRPr lang="en-US" sz="1600" dirty="0"/>
+          </a:p>
+        </p:txBody>
+      </p:sp>
+      <p:sp>
+        <p:nvSpPr>
+          <p:cNvPr id="14" name="TextBox 13"/>
+          <p:cNvSpPr txBox="1"/>
+          <p:nvPr/>
+        </p:nvSpPr>
+        <p:spPr>
+          <a:xfrm>
+            <a:off x="3664607" y="2092443"/>
+            <a:ext cx="1082410" cy="369332"/>
+          </a:xfrm>
+          <a:prstGeom prst="rect">
+            <a:avLst/>
+          </a:prstGeom>
+          <a:noFill/>
+        </p:spPr>
+        <p:txBody>
+          <a:bodyPr wrap="none" rtlCol="0">
+            <a:spAutoFit/>
+          </a:bodyPr>
+          <a:lstStyle/>
+          <a:p>
+            <a:r>
+              <a:rPr lang="en-US" dirty="0" smtClean="0"/>
+              <a:t>template2</a:t>
+            </a:r>
+            <a:endParaRPr lang="en-US" dirty="0"/>
+          </a:p>
+        </p:txBody>
+      </p:sp>
+    </p:spTree>
+    <p:extLst>
+      <p:ext uri="{BB962C8B-B14F-4D97-AF65-F5344CB8AC3E}">
+        <p14:creationId xmlns:p14="http://schemas.microsoft.com/office/powerpoint/2010/main" val="19050498"/>
+      </p:ext>
+    </p:extLst>
+  </p:cSld>
+  <p:clrMapOvr>
+    <a:masterClrMapping/>
+  </p:clrMapOvr>
+  <p:timing>
+    <p:tnLst>
+      <p:par>
+        <p:cTn xmlns:p14="http://schemas.microsoft.com/office/powerpoint/2010/main" id="1" dur="indefinite" restart="never" nodeType="tmRoot"/>
+      </p:par>
+    </p:tnLst>
+  </p:timing>
+</p:sld>
+</file>
+
+<file path=ppt/slides/slide6.xml><?xml version="1.0" encoding="utf-8"?>
 <p:sld xmlns:a="http://schemas.openxmlformats.org/drawingml/2006/main" xmlns:r="http://schemas.openxmlformats.org/officeDocument/2006/relationships" xmlns:p="http://schemas.openxmlformats.org/presentationml/2006/main">
   <p:cSld>
     <p:spTree>
@@ -9616,10 +12570,17 @@
   <p:clrMapOvr>
     <a:masterClrMapping/>
   </p:clrMapOvr>
+  <p:timing>
+    <p:tnLst>
+      <p:par>
+        <p:cTn xmlns:p14="http://schemas.microsoft.com/office/powerpoint/2010/main" id="1" dur="indefinite" restart="never" nodeType="tmRoot"/>
+      </p:par>
+    </p:tnLst>
+  </p:timing>
 </p:sld>
 </file>
 
-<file path=ppt/slides/slide14.xml><?xml version="1.0" encoding="utf-8"?>
+<file path=ppt/slides/slide7.xml><?xml version="1.0" encoding="utf-8"?>
 <p:sld xmlns:a="http://schemas.openxmlformats.org/drawingml/2006/main" xmlns:r="http://schemas.openxmlformats.org/officeDocument/2006/relationships" xmlns:p="http://schemas.openxmlformats.org/presentationml/2006/main">
   <p:cSld>
     <p:spTree>
@@ -9653,7 +12614,7 @@
           <a:p>
             <a:r>
               <a:rPr lang="en-US" dirty="0" smtClean="0"/>
-              <a:t>Saving Output Files</a:t>
+              <a:t>4 Ways to add Replace Values</a:t>
             </a:r>
             <a:endParaRPr lang="en-US" dirty="0"/>
           </a:p>
@@ -9671,418 +12632,63 @@
         </p:nvSpPr>
         <p:spPr/>
         <p:txBody>
-          <a:bodyPr/>
+          <a:bodyPr>
+            <a:normAutofit/>
+          </a:bodyPr>
           <a:lstStyle/>
           <a:p>
             <a:r>
               <a:rPr lang="en-US" dirty="0" smtClean="0"/>
-              <a:t>By default a template is either inserted into the parent template, or written to the servlet response. A template can specify an output file name to be created. </a:t>
-            </a:r>
-          </a:p>
-          <a:p>
+              <a:t>The replace stack is built in the following order:</a:t>
+            </a:r>
+          </a:p>
+          <a:p>
+            <a:pPr lvl="1"/>
             <a:r>
               <a:rPr lang="en-US" dirty="0" smtClean="0"/>
-              <a:t>If a file is created, nothing is inserted into the parent template. </a:t>
-            </a:r>
-          </a:p>
-          <a:p>
+              <a:t>Parameters to the html request</a:t>
+            </a:r>
+          </a:p>
+          <a:p>
+            <a:pPr lvl="1"/>
             <a:r>
               <a:rPr lang="en-US" dirty="0" smtClean="0"/>
-              <a:t>File names are “replace processed” before the file is saved.</a:t>
-            </a:r>
-            <a:endParaRPr lang="en-US" dirty="0"/>
+              <a:t>Directives associated with the Template</a:t>
+            </a:r>
+          </a:p>
+          <a:p>
+            <a:pPr lvl="2"/>
+            <a:r>
+              <a:rPr lang="en-US" dirty="0" smtClean="0"/>
+              <a:t>Replace Value directive</a:t>
+            </a:r>
+          </a:p>
+          <a:p>
+            <a:pPr lvl="2"/>
+            <a:r>
+              <a:rPr lang="en-US" dirty="0" smtClean="0"/>
+              <a:t>Replace Column directive</a:t>
+            </a:r>
+          </a:p>
+          <a:p>
+            <a:pPr lvl="2"/>
+            <a:r>
+              <a:rPr lang="en-US" dirty="0" smtClean="0"/>
+              <a:t>Replace Row directive</a:t>
+            </a:r>
+          </a:p>
+          <a:p>
+            <a:pPr marL="914400" lvl="2" indent="0">
+              <a:buNone/>
+            </a:pPr>
+            <a:endParaRPr lang="en-US" dirty="0" smtClean="0"/>
           </a:p>
         </p:txBody>
       </p:sp>
     </p:spTree>
     <p:extLst>
       <p:ext uri="{BB962C8B-B14F-4D97-AF65-F5344CB8AC3E}">
-        <p14:creationId xmlns:p14="http://schemas.microsoft.com/office/powerpoint/2010/main" val="1917645416"/>
-      </p:ext>
-    </p:extLst>
-  </p:cSld>
-  <p:clrMapOvr>
-    <a:masterClrMapping/>
-  </p:clrMapOvr>
-</p:sld>
-</file>
-
-<file path=ppt/slides/slide2.xml><?xml version="1.0" encoding="utf-8"?>
-<p:sld xmlns:a="http://schemas.openxmlformats.org/drawingml/2006/main" xmlns:r="http://schemas.openxmlformats.org/officeDocument/2006/relationships" xmlns:p="http://schemas.openxmlformats.org/presentationml/2006/main">
-  <p:cSld>
-    <p:spTree>
-      <p:nvGrpSpPr>
-        <p:cNvPr id="1" name=""/>
-        <p:cNvGrpSpPr/>
-        <p:nvPr/>
-      </p:nvGrpSpPr>
-      <p:grpSpPr>
-        <a:xfrm>
-          <a:off x="0" y="0"/>
-          <a:ext cx="0" cy="0"/>
-          <a:chOff x="0" y="0"/>
-          <a:chExt cx="0" cy="0"/>
-        </a:xfrm>
-      </p:grpSpPr>
-      <p:sp>
-        <p:nvSpPr>
-          <p:cNvPr id="2" name="Title 1"/>
-          <p:cNvSpPr>
-            <a:spLocks noGrp="1"/>
-          </p:cNvSpPr>
-          <p:nvPr>
-            <p:ph type="title"/>
-          </p:nvPr>
-        </p:nvSpPr>
-        <p:spPr/>
-        <p:txBody>
-          <a:bodyPr/>
-          <a:lstStyle/>
-          <a:p>
-            <a:r>
-              <a:rPr lang="en-US" dirty="0" smtClean="0"/>
-              <a:t>Overview</a:t>
-            </a:r>
-            <a:endParaRPr lang="en-US" dirty="0"/>
-          </a:p>
-        </p:txBody>
-      </p:sp>
-      <p:sp>
-        <p:nvSpPr>
-          <p:cNvPr id="5" name="Content Placeholder 4"/>
-          <p:cNvSpPr>
-            <a:spLocks noGrp="1"/>
-          </p:cNvSpPr>
-          <p:nvPr>
-            <p:ph idx="1"/>
-          </p:nvPr>
-        </p:nvSpPr>
-        <p:spPr>
-          <a:xfrm>
-            <a:off x="914400" y="1735138"/>
-            <a:ext cx="7313613" cy="1339138"/>
-          </a:xfrm>
-        </p:spPr>
-        <p:txBody>
-          <a:bodyPr/>
-          <a:lstStyle/>
-          <a:p>
-            <a:pPr marL="0" indent="0">
-              <a:buNone/>
-            </a:pPr>
-            <a:r>
-              <a:rPr lang="en-US" dirty="0" smtClean="0"/>
-              <a:t>Merge Tool is a powerful web based tool that allows you to generate any type of output files from templates and a SQL data source.</a:t>
-            </a:r>
-            <a:endParaRPr lang="en-US" dirty="0"/>
-          </a:p>
-        </p:txBody>
-      </p:sp>
-      <p:sp>
-        <p:nvSpPr>
-          <p:cNvPr id="6" name="TextBox 5"/>
-          <p:cNvSpPr txBox="1"/>
-          <p:nvPr/>
-        </p:nvSpPr>
-        <p:spPr>
-          <a:xfrm>
-            <a:off x="2429643" y="3462769"/>
-            <a:ext cx="1655379" cy="587216"/>
-          </a:xfrm>
-          <a:prstGeom prst="can">
-            <a:avLst/>
-          </a:prstGeom>
-        </p:spPr>
-        <p:style>
-          <a:lnRef idx="2">
-            <a:schemeClr val="accent3">
-              <a:shade val="50000"/>
-            </a:schemeClr>
-          </a:lnRef>
-          <a:fillRef idx="1">
-            <a:schemeClr val="accent3"/>
-          </a:fillRef>
-          <a:effectRef idx="0">
-            <a:schemeClr val="accent3"/>
-          </a:effectRef>
-          <a:fontRef idx="minor">
-            <a:schemeClr val="lt1"/>
-          </a:fontRef>
-        </p:style>
-        <p:txBody>
-          <a:bodyPr wrap="square" rtlCol="0">
-            <a:spAutoFit/>
-          </a:bodyPr>
-          <a:lstStyle/>
-          <a:p>
-            <a:pPr algn="ctr"/>
-            <a:r>
-              <a:rPr lang="en-US" dirty="0" smtClean="0"/>
-              <a:t>Templates</a:t>
-            </a:r>
-          </a:p>
-        </p:txBody>
-      </p:sp>
-      <p:sp>
-        <p:nvSpPr>
-          <p:cNvPr id="7" name="TextBox 6"/>
-          <p:cNvSpPr txBox="1"/>
-          <p:nvPr/>
-        </p:nvSpPr>
-        <p:spPr>
-          <a:xfrm>
-            <a:off x="5740401" y="3462769"/>
-            <a:ext cx="1655379" cy="587216"/>
-          </a:xfrm>
-          <a:prstGeom prst="can">
-            <a:avLst/>
-          </a:prstGeom>
-        </p:spPr>
-        <p:style>
-          <a:lnRef idx="2">
-            <a:schemeClr val="accent3">
-              <a:shade val="50000"/>
-            </a:schemeClr>
-          </a:lnRef>
-          <a:fillRef idx="1">
-            <a:schemeClr val="accent3"/>
-          </a:fillRef>
-          <a:effectRef idx="0">
-            <a:schemeClr val="accent3"/>
-          </a:effectRef>
-          <a:fontRef idx="minor">
-            <a:schemeClr val="lt1"/>
-          </a:fontRef>
-        </p:style>
-        <p:txBody>
-          <a:bodyPr wrap="square" rtlCol="0">
-            <a:spAutoFit/>
-          </a:bodyPr>
-          <a:lstStyle/>
-          <a:p>
-            <a:pPr algn="ctr"/>
-            <a:r>
-              <a:rPr lang="en-US" dirty="0" smtClean="0"/>
-              <a:t>Your Data</a:t>
-            </a:r>
-          </a:p>
-        </p:txBody>
-      </p:sp>
-      <p:sp>
-        <p:nvSpPr>
-          <p:cNvPr id="8" name="TextBox 7"/>
-          <p:cNvSpPr txBox="1"/>
-          <p:nvPr/>
-        </p:nvSpPr>
-        <p:spPr>
-          <a:xfrm>
-            <a:off x="4085022" y="4434112"/>
-            <a:ext cx="1655379" cy="408623"/>
-          </a:xfrm>
-          <a:prstGeom prst="roundRect">
-            <a:avLst/>
-          </a:prstGeom>
-        </p:spPr>
-        <p:style>
-          <a:lnRef idx="2">
-            <a:schemeClr val="accent3">
-              <a:shade val="50000"/>
-            </a:schemeClr>
-          </a:lnRef>
-          <a:fillRef idx="1">
-            <a:schemeClr val="accent3"/>
-          </a:fillRef>
-          <a:effectRef idx="0">
-            <a:schemeClr val="accent3"/>
-          </a:effectRef>
-          <a:fontRef idx="minor">
-            <a:schemeClr val="lt1"/>
-          </a:fontRef>
-        </p:style>
-        <p:txBody>
-          <a:bodyPr wrap="square" rtlCol="0">
-            <a:spAutoFit/>
-          </a:bodyPr>
-          <a:lstStyle/>
-          <a:p>
-            <a:pPr algn="ctr"/>
-            <a:r>
-              <a:rPr lang="en-US" dirty="0" smtClean="0"/>
-              <a:t>Merge Process</a:t>
-            </a:r>
-          </a:p>
-        </p:txBody>
-      </p:sp>
-      <p:sp>
-        <p:nvSpPr>
-          <p:cNvPr id="9" name="TextBox 8"/>
-          <p:cNvSpPr txBox="1"/>
-          <p:nvPr/>
-        </p:nvSpPr>
-        <p:spPr>
-          <a:xfrm>
-            <a:off x="4085022" y="5869771"/>
-            <a:ext cx="1655379" cy="808851"/>
-          </a:xfrm>
-          <a:prstGeom prst="flowChartMultidocument">
-            <a:avLst/>
-          </a:prstGeom>
-        </p:spPr>
-        <p:style>
-          <a:lnRef idx="2">
-            <a:schemeClr val="accent3">
-              <a:shade val="50000"/>
-            </a:schemeClr>
-          </a:lnRef>
-          <a:fillRef idx="1">
-            <a:schemeClr val="accent3"/>
-          </a:fillRef>
-          <a:effectRef idx="0">
-            <a:schemeClr val="accent3"/>
-          </a:effectRef>
-          <a:fontRef idx="minor">
-            <a:schemeClr val="lt1"/>
-          </a:fontRef>
-        </p:style>
-        <p:txBody>
-          <a:bodyPr wrap="square" rtlCol="0">
-            <a:spAutoFit/>
-          </a:bodyPr>
-          <a:lstStyle/>
-          <a:p>
-            <a:pPr algn="ctr"/>
-            <a:r>
-              <a:rPr lang="en-US" dirty="0" smtClean="0"/>
-              <a:t>Output Files</a:t>
-            </a:r>
-          </a:p>
-          <a:p>
-            <a:pPr algn="ctr"/>
-            <a:endParaRPr lang="en-US" dirty="0" smtClean="0"/>
-          </a:p>
-        </p:txBody>
-      </p:sp>
-      <p:sp>
-        <p:nvSpPr>
-          <p:cNvPr id="11" name="TextBox 10"/>
-          <p:cNvSpPr txBox="1"/>
-          <p:nvPr/>
-        </p:nvSpPr>
-        <p:spPr>
-          <a:xfrm rot="18127920">
-            <a:off x="3367474" y="4055665"/>
-            <a:ext cx="385380" cy="814552"/>
-          </a:xfrm>
-          <a:prstGeom prst="downArrow">
-            <a:avLst/>
-          </a:prstGeom>
-        </p:spPr>
-        <p:style>
-          <a:lnRef idx="3">
-            <a:schemeClr val="lt1"/>
-          </a:lnRef>
-          <a:fillRef idx="1">
-            <a:schemeClr val="accent5"/>
-          </a:fillRef>
-          <a:effectRef idx="1">
-            <a:schemeClr val="accent5"/>
-          </a:effectRef>
-          <a:fontRef idx="minor">
-            <a:schemeClr val="lt1"/>
-          </a:fontRef>
-        </p:style>
-        <p:txBody>
-          <a:bodyPr wrap="square" rtlCol="0">
-            <a:spAutoFit/>
-          </a:bodyPr>
-          <a:lstStyle/>
-          <a:p>
-            <a:endParaRPr lang="en-US" dirty="0"/>
-          </a:p>
-        </p:txBody>
-      </p:sp>
-      <p:sp>
-        <p:nvSpPr>
-          <p:cNvPr id="12" name="TextBox 11"/>
-          <p:cNvSpPr txBox="1"/>
-          <p:nvPr/>
-        </p:nvSpPr>
-        <p:spPr>
-          <a:xfrm>
-            <a:off x="4692870" y="4940427"/>
-            <a:ext cx="385380" cy="814552"/>
-          </a:xfrm>
-          <a:prstGeom prst="downArrow">
-            <a:avLst/>
-          </a:prstGeom>
-        </p:spPr>
-        <p:style>
-          <a:lnRef idx="3">
-            <a:schemeClr val="lt1"/>
-          </a:lnRef>
-          <a:fillRef idx="1">
-            <a:schemeClr val="accent5"/>
-          </a:fillRef>
-          <a:effectRef idx="1">
-            <a:schemeClr val="accent5"/>
-          </a:effectRef>
-          <a:fontRef idx="minor">
-            <a:schemeClr val="lt1"/>
-          </a:fontRef>
-        </p:style>
-        <p:txBody>
-          <a:bodyPr wrap="square" rtlCol="0">
-            <a:spAutoFit/>
-          </a:bodyPr>
-          <a:lstStyle/>
-          <a:p>
-            <a:endParaRPr lang="en-US" dirty="0"/>
-          </a:p>
-        </p:txBody>
-      </p:sp>
-      <p:sp>
-        <p:nvSpPr>
-          <p:cNvPr id="13" name="TextBox 12"/>
-          <p:cNvSpPr txBox="1"/>
-          <p:nvPr/>
-        </p:nvSpPr>
-        <p:spPr>
-          <a:xfrm rot="3266874">
-            <a:off x="5991104" y="4041880"/>
-            <a:ext cx="385380" cy="814552"/>
-          </a:xfrm>
-          <a:prstGeom prst="downArrow">
-            <a:avLst/>
-          </a:prstGeom>
-        </p:spPr>
-        <p:style>
-          <a:lnRef idx="3">
-            <a:schemeClr val="lt1"/>
-          </a:lnRef>
-          <a:fillRef idx="1">
-            <a:schemeClr val="accent5"/>
-          </a:fillRef>
-          <a:effectRef idx="1">
-            <a:schemeClr val="accent5"/>
-          </a:effectRef>
-          <a:fontRef idx="minor">
-            <a:schemeClr val="lt1"/>
-          </a:fontRef>
-        </p:style>
-        <p:txBody>
-          <a:bodyPr wrap="square" rtlCol="0">
-            <a:spAutoFit/>
-          </a:bodyPr>
-          <a:lstStyle/>
-          <a:p>
-            <a:endParaRPr lang="en-US" dirty="0"/>
-          </a:p>
-        </p:txBody>
-      </p:sp>
-    </p:spTree>
-    <p:extLst>
-      <p:ext uri="{BB962C8B-B14F-4D97-AF65-F5344CB8AC3E}">
-        <p14:creationId xmlns:p14="http://schemas.microsoft.com/office/powerpoint/2010/main" val="3377022690"/>
+        <p14:creationId xmlns:p14="http://schemas.microsoft.com/office/powerpoint/2010/main" val="2590435240"/>
       </p:ext>
     </p:extLst>
   </p:cSld>
@@ -10099,778 +12705,7 @@
 </p:sld>
 </file>
 
-<file path=ppt/slides/slide3.xml><?xml version="1.0" encoding="utf-8"?>
-<p:sld xmlns:a="http://schemas.openxmlformats.org/drawingml/2006/main" xmlns:r="http://schemas.openxmlformats.org/officeDocument/2006/relationships" xmlns:p="http://schemas.openxmlformats.org/presentationml/2006/main">
-  <p:cSld>
-    <p:spTree>
-      <p:nvGrpSpPr>
-        <p:cNvPr id="1" name=""/>
-        <p:cNvGrpSpPr/>
-        <p:nvPr/>
-      </p:nvGrpSpPr>
-      <p:grpSpPr>
-        <a:xfrm>
-          <a:off x="0" y="0"/>
-          <a:ext cx="0" cy="0"/>
-          <a:chOff x="0" y="0"/>
-          <a:chExt cx="0" cy="0"/>
-        </a:xfrm>
-      </p:grpSpPr>
-      <p:sp>
-        <p:nvSpPr>
-          <p:cNvPr id="2" name="Title 1"/>
-          <p:cNvSpPr>
-            <a:spLocks noGrp="1"/>
-          </p:cNvSpPr>
-          <p:nvPr>
-            <p:ph type="title"/>
-          </p:nvPr>
-        </p:nvSpPr>
-        <p:spPr/>
-        <p:txBody>
-          <a:bodyPr/>
-          <a:lstStyle/>
-          <a:p>
-            <a:r>
-              <a:rPr lang="en-US" dirty="0" smtClean="0"/>
-              <a:t>Terminology</a:t>
-            </a:r>
-            <a:endParaRPr lang="en-US" dirty="0"/>
-          </a:p>
-        </p:txBody>
-      </p:sp>
-      <p:sp>
-        <p:nvSpPr>
-          <p:cNvPr id="3" name="Content Placeholder 2"/>
-          <p:cNvSpPr>
-            <a:spLocks noGrp="1"/>
-          </p:cNvSpPr>
-          <p:nvPr>
-            <p:ph idx="1"/>
-          </p:nvPr>
-        </p:nvSpPr>
-        <p:spPr/>
-        <p:txBody>
-          <a:bodyPr>
-            <a:normAutofit lnSpcReduction="10000"/>
-          </a:bodyPr>
-          <a:lstStyle/>
-          <a:p>
-            <a:r>
-              <a:rPr lang="en-US" dirty="0" smtClean="0"/>
-              <a:t>Template – The template Content and options.</a:t>
-            </a:r>
-          </a:p>
-          <a:p>
-            <a:r>
-              <a:rPr lang="en-US" dirty="0" smtClean="0"/>
-              <a:t>Directive – Instructions for the Merge Process, associated with a Template</a:t>
-            </a:r>
-          </a:p>
-          <a:p>
-            <a:r>
-              <a:rPr lang="en-US" dirty="0" smtClean="0"/>
-              <a:t>Merge – The process of replacing tags with data and inserting sub-templates to generate output</a:t>
-            </a:r>
-          </a:p>
-          <a:p>
-            <a:r>
-              <a:rPr lang="en-US" dirty="0" smtClean="0"/>
-              <a:t>Hash – An associative array with unique Keys associated with a corresponding value. When a duplicate key is added, it replace the existing value for that key.</a:t>
-            </a:r>
-            <a:endParaRPr lang="en-US" dirty="0"/>
-          </a:p>
-        </p:txBody>
-      </p:sp>
-    </p:spTree>
-    <p:extLst>
-      <p:ext uri="{BB962C8B-B14F-4D97-AF65-F5344CB8AC3E}">
-        <p14:creationId xmlns:p14="http://schemas.microsoft.com/office/powerpoint/2010/main" val="1348768554"/>
-      </p:ext>
-    </p:extLst>
-  </p:cSld>
-  <p:clrMapOvr>
-    <a:masterClrMapping/>
-  </p:clrMapOvr>
-</p:sld>
-</file>
-
-<file path=ppt/slides/slide4.xml><?xml version="1.0" encoding="utf-8"?>
-<p:sld xmlns:a="http://schemas.openxmlformats.org/drawingml/2006/main" xmlns:r="http://schemas.openxmlformats.org/officeDocument/2006/relationships" xmlns:p="http://schemas.openxmlformats.org/presentationml/2006/main">
-  <p:cSld>
-    <p:spTree>
-      <p:nvGrpSpPr>
-        <p:cNvPr id="1" name=""/>
-        <p:cNvGrpSpPr/>
-        <p:nvPr/>
-      </p:nvGrpSpPr>
-      <p:grpSpPr>
-        <a:xfrm>
-          <a:off x="0" y="0"/>
-          <a:ext cx="0" cy="0"/>
-          <a:chOff x="0" y="0"/>
-          <a:chExt cx="0" cy="0"/>
-        </a:xfrm>
-      </p:grpSpPr>
-      <p:sp>
-        <p:nvSpPr>
-          <p:cNvPr id="2" name="Title 1"/>
-          <p:cNvSpPr>
-            <a:spLocks noGrp="1"/>
-          </p:cNvSpPr>
-          <p:nvPr>
-            <p:ph type="title"/>
-          </p:nvPr>
-        </p:nvSpPr>
-        <p:spPr/>
-        <p:txBody>
-          <a:bodyPr/>
-          <a:lstStyle/>
-          <a:p>
-            <a:r>
-              <a:rPr lang="en-US" dirty="0" smtClean="0"/>
-              <a:t>Merge Process - Replace</a:t>
-            </a:r>
-            <a:endParaRPr lang="en-US" dirty="0"/>
-          </a:p>
-        </p:txBody>
-      </p:sp>
-      <p:graphicFrame>
-        <p:nvGraphicFramePr>
-          <p:cNvPr id="4" name="Table 3"/>
-          <p:cNvGraphicFramePr>
-            <a:graphicFrameLocks noGrp="1"/>
-          </p:cNvGraphicFramePr>
-          <p:nvPr>
-            <p:extLst>
-              <p:ext uri="{D42A27DB-BD31-4B8C-83A1-F6EECF244321}">
-                <p14:modId xmlns:p14="http://schemas.microsoft.com/office/powerpoint/2010/main" val="2426135061"/>
-              </p:ext>
-            </p:extLst>
-          </p:nvPr>
-        </p:nvGraphicFramePr>
-        <p:xfrm>
-          <a:off x="3515711" y="1569127"/>
-          <a:ext cx="2300014" cy="1271877"/>
-        </p:xfrm>
-        <a:graphic>
-          <a:graphicData uri="http://schemas.openxmlformats.org/drawingml/2006/table">
-            <a:tbl>
-              <a:tblPr firstRow="1" bandRow="1">
-                <a:tableStyleId>{306799F8-075E-4A3A-A7F6-7FBC6576F1A4}</a:tableStyleId>
-              </a:tblPr>
-              <a:tblGrid>
-                <a:gridCol w="1150007"/>
-                <a:gridCol w="1150007"/>
-              </a:tblGrid>
-              <a:tr h="391334">
-                <a:tc>
-                  <a:txBody>
-                    <a:bodyPr/>
-                    <a:lstStyle/>
-                    <a:p>
-                      <a:r>
-                        <a:rPr lang="en-US" dirty="0" smtClean="0"/>
-                        <a:t>From</a:t>
-                      </a:r>
-                      <a:endParaRPr lang="en-US" dirty="0"/>
-                    </a:p>
-                  </a:txBody>
-                  <a:tcPr/>
-                </a:tc>
-                <a:tc>
-                  <a:txBody>
-                    <a:bodyPr/>
-                    <a:lstStyle/>
-                    <a:p>
-                      <a:r>
-                        <a:rPr lang="en-US" dirty="0" smtClean="0"/>
-                        <a:t>To</a:t>
-                      </a:r>
-                      <a:endParaRPr lang="en-US" dirty="0"/>
-                    </a:p>
-                  </a:txBody>
-                  <a:tcPr/>
-                </a:tc>
-              </a:tr>
-              <a:tr h="329663">
-                <a:tc>
-                  <a:txBody>
-                    <a:bodyPr/>
-                    <a:lstStyle/>
-                    <a:p>
-                      <a:r>
-                        <a:rPr lang="en-US" sz="1200" dirty="0" smtClean="0"/>
-                        <a:t>{name}</a:t>
-                      </a:r>
-                      <a:endParaRPr lang="en-US" sz="1200" dirty="0"/>
-                    </a:p>
-                  </a:txBody>
-                  <a:tcPr/>
-                </a:tc>
-                <a:tc>
-                  <a:txBody>
-                    <a:bodyPr/>
-                    <a:lstStyle/>
-                    <a:p>
-                      <a:r>
-                        <a:rPr lang="en-US" sz="1200" dirty="0" smtClean="0"/>
-                        <a:t>Mr. Smith</a:t>
-                      </a:r>
-                      <a:endParaRPr lang="en-US" sz="1200" dirty="0"/>
-                    </a:p>
-                  </a:txBody>
-                  <a:tcPr/>
-                </a:tc>
-              </a:tr>
-              <a:tr h="276560">
-                <a:tc>
-                  <a:txBody>
-                    <a:bodyPr/>
-                    <a:lstStyle/>
-                    <a:p>
-                      <a:r>
-                        <a:rPr lang="en-US" sz="1200" dirty="0" smtClean="0"/>
-                        <a:t>{address}</a:t>
-                      </a:r>
-                      <a:endParaRPr lang="en-US" sz="1200" dirty="0"/>
-                    </a:p>
-                  </a:txBody>
-                  <a:tcPr/>
-                </a:tc>
-                <a:tc>
-                  <a:txBody>
-                    <a:bodyPr/>
-                    <a:lstStyle/>
-                    <a:p>
-                      <a:r>
-                        <a:rPr lang="en-US" sz="1200" dirty="0" smtClean="0"/>
-                        <a:t>1234 Main St.</a:t>
-                      </a:r>
-                      <a:endParaRPr lang="en-US" sz="1200" dirty="0"/>
-                    </a:p>
-                  </a:txBody>
-                  <a:tcPr/>
-                </a:tc>
-              </a:tr>
-              <a:tr h="269265">
-                <a:tc>
-                  <a:txBody>
-                    <a:bodyPr/>
-                    <a:lstStyle/>
-                    <a:p>
-                      <a:r>
-                        <a:rPr lang="en-US" sz="1200" dirty="0" smtClean="0"/>
-                        <a:t>{company}</a:t>
-                      </a:r>
-                      <a:endParaRPr lang="en-US" sz="1200" dirty="0"/>
-                    </a:p>
-                  </a:txBody>
-                  <a:tcPr/>
-                </a:tc>
-                <a:tc>
-                  <a:txBody>
-                    <a:bodyPr/>
-                    <a:lstStyle/>
-                    <a:p>
-                      <a:r>
-                        <a:rPr lang="en-US" sz="1200" dirty="0" smtClean="0"/>
-                        <a:t>Blue Widgets</a:t>
-                      </a:r>
-                      <a:endParaRPr lang="en-US" sz="1200" dirty="0"/>
-                    </a:p>
-                  </a:txBody>
-                  <a:tcPr/>
-                </a:tc>
-              </a:tr>
-            </a:tbl>
-          </a:graphicData>
-        </a:graphic>
-      </p:graphicFrame>
-      <p:sp>
-        <p:nvSpPr>
-          <p:cNvPr id="6" name="TextBox 5"/>
-          <p:cNvSpPr txBox="1"/>
-          <p:nvPr/>
-        </p:nvSpPr>
-        <p:spPr>
-          <a:xfrm>
-            <a:off x="420412" y="3210336"/>
-            <a:ext cx="3095299" cy="3210401"/>
-          </a:xfrm>
-          <a:prstGeom prst="flowChartPunchedCard">
-            <a:avLst/>
-          </a:prstGeom>
-        </p:spPr>
-        <p:style>
-          <a:lnRef idx="3">
-            <a:schemeClr val="lt1"/>
-          </a:lnRef>
-          <a:fillRef idx="1">
-            <a:schemeClr val="accent4"/>
-          </a:fillRef>
-          <a:effectRef idx="1">
-            <a:schemeClr val="accent4"/>
-          </a:effectRef>
-          <a:fontRef idx="minor">
-            <a:schemeClr val="lt1"/>
-          </a:fontRef>
-        </p:style>
-        <p:txBody>
-          <a:bodyPr wrap="square" rtlCol="0">
-            <a:spAutoFit/>
-          </a:bodyPr>
-          <a:lstStyle/>
-          <a:p>
-            <a:r>
-              <a:rPr lang="en-US" sz="1600" dirty="0" smtClean="0"/>
-              <a:t>Dear {name}</a:t>
-            </a:r>
-          </a:p>
-          <a:p>
-            <a:r>
-              <a:rPr lang="en-US" sz="1600" dirty="0"/>
-              <a:t>	</a:t>
-            </a:r>
-            <a:r>
-              <a:rPr lang="en-US" sz="1600" dirty="0" smtClean="0"/>
-              <a:t>{company}</a:t>
-            </a:r>
-          </a:p>
-          <a:p>
-            <a:r>
-              <a:rPr lang="en-US" sz="1600" dirty="0" smtClean="0"/>
-              <a:t>	{address}</a:t>
-            </a:r>
-          </a:p>
-          <a:p>
-            <a:r>
-              <a:rPr lang="en-US" sz="1600" dirty="0" smtClean="0"/>
-              <a:t>We are writing to invite your staff to enroll in our special training class.</a:t>
-            </a:r>
-          </a:p>
-          <a:p>
-            <a:endParaRPr lang="en-US" sz="1600" dirty="0"/>
-          </a:p>
-          <a:p>
-            <a:r>
-              <a:rPr lang="en-US" sz="1600" dirty="0" smtClean="0"/>
-              <a:t>Thank you</a:t>
-            </a:r>
-          </a:p>
-          <a:p>
-            <a:endParaRPr lang="en-US" sz="1600" dirty="0"/>
-          </a:p>
-          <a:p>
-            <a:r>
-              <a:rPr lang="en-US" sz="1600" dirty="0" smtClean="0"/>
-              <a:t>Intense Training Specialist</a:t>
-            </a:r>
-          </a:p>
-          <a:p>
-            <a:endParaRPr lang="en-US" sz="1600" dirty="0"/>
-          </a:p>
-        </p:txBody>
-      </p:sp>
-      <p:sp>
-        <p:nvSpPr>
-          <p:cNvPr id="7" name="TextBox 6"/>
-          <p:cNvSpPr txBox="1"/>
-          <p:nvPr/>
-        </p:nvSpPr>
-        <p:spPr>
-          <a:xfrm>
-            <a:off x="5575284" y="3210336"/>
-            <a:ext cx="3095300" cy="3210401"/>
-          </a:xfrm>
-          <a:prstGeom prst="flowChartPunchedCard">
-            <a:avLst/>
-          </a:prstGeom>
-        </p:spPr>
-        <p:style>
-          <a:lnRef idx="3">
-            <a:schemeClr val="lt1"/>
-          </a:lnRef>
-          <a:fillRef idx="1">
-            <a:schemeClr val="accent4"/>
-          </a:fillRef>
-          <a:effectRef idx="1">
-            <a:schemeClr val="accent4"/>
-          </a:effectRef>
-          <a:fontRef idx="minor">
-            <a:schemeClr val="lt1"/>
-          </a:fontRef>
-        </p:style>
-        <p:txBody>
-          <a:bodyPr wrap="square" rtlCol="0">
-            <a:spAutoFit/>
-          </a:bodyPr>
-          <a:lstStyle/>
-          <a:p>
-            <a:r>
-              <a:rPr lang="en-US" sz="1600" dirty="0" smtClean="0"/>
-              <a:t>Dear Mr. Smith</a:t>
-            </a:r>
-          </a:p>
-          <a:p>
-            <a:r>
-              <a:rPr lang="en-US" sz="1600" dirty="0"/>
-              <a:t>	</a:t>
-            </a:r>
-            <a:r>
-              <a:rPr lang="en-US" sz="1600" dirty="0" smtClean="0"/>
-              <a:t>Blue Widgets</a:t>
-            </a:r>
-          </a:p>
-          <a:p>
-            <a:r>
-              <a:rPr lang="en-US" sz="1600" dirty="0" smtClean="0"/>
-              <a:t>	1234 Main St.</a:t>
-            </a:r>
-          </a:p>
-          <a:p>
-            <a:r>
-              <a:rPr lang="en-US" sz="1600" dirty="0" smtClean="0"/>
-              <a:t>We are writing to invite your staff to enroll in our special training class.</a:t>
-            </a:r>
-          </a:p>
-          <a:p>
-            <a:endParaRPr lang="en-US" sz="1600" dirty="0"/>
-          </a:p>
-          <a:p>
-            <a:r>
-              <a:rPr lang="en-US" sz="1600" dirty="0" smtClean="0"/>
-              <a:t>Thank you</a:t>
-            </a:r>
-          </a:p>
-          <a:p>
-            <a:endParaRPr lang="en-US" sz="1600" dirty="0"/>
-          </a:p>
-          <a:p>
-            <a:r>
-              <a:rPr lang="en-US" sz="1600" dirty="0" smtClean="0"/>
-              <a:t>Intense Training Specialist</a:t>
-            </a:r>
-          </a:p>
-          <a:p>
-            <a:endParaRPr lang="en-US" sz="1600" dirty="0"/>
-          </a:p>
-        </p:txBody>
-      </p:sp>
-      <p:sp>
-        <p:nvSpPr>
-          <p:cNvPr id="8" name="TextBox 7"/>
-          <p:cNvSpPr txBox="1"/>
-          <p:nvPr/>
-        </p:nvSpPr>
-        <p:spPr>
-          <a:xfrm>
-            <a:off x="3515711" y="4044919"/>
-            <a:ext cx="2059573" cy="733663"/>
-          </a:xfrm>
-          <a:prstGeom prst="rightArrow">
-            <a:avLst/>
-          </a:prstGeom>
-        </p:spPr>
-        <p:style>
-          <a:lnRef idx="2">
-            <a:schemeClr val="accent3">
-              <a:shade val="50000"/>
-            </a:schemeClr>
-          </a:lnRef>
-          <a:fillRef idx="1">
-            <a:schemeClr val="accent3"/>
-          </a:fillRef>
-          <a:effectRef idx="0">
-            <a:schemeClr val="accent3"/>
-          </a:effectRef>
-          <a:fontRef idx="minor">
-            <a:schemeClr val="lt1"/>
-          </a:fontRef>
-        </p:style>
-        <p:txBody>
-          <a:bodyPr wrap="square" rtlCol="0">
-            <a:spAutoFit/>
-          </a:bodyPr>
-          <a:lstStyle/>
-          <a:p>
-            <a:pPr algn="ctr"/>
-            <a:r>
-              <a:rPr lang="en-US" dirty="0" smtClean="0"/>
-              <a:t>Merge Process</a:t>
-            </a:r>
-          </a:p>
-        </p:txBody>
-      </p:sp>
-      <p:sp>
-        <p:nvSpPr>
-          <p:cNvPr id="9" name="TextBox 8"/>
-          <p:cNvSpPr txBox="1"/>
-          <p:nvPr/>
-        </p:nvSpPr>
-        <p:spPr>
-          <a:xfrm>
-            <a:off x="1418897" y="2842473"/>
-            <a:ext cx="1020306" cy="369332"/>
-          </a:xfrm>
-          <a:prstGeom prst="rect">
-            <a:avLst/>
-          </a:prstGeom>
-          <a:noFill/>
-        </p:spPr>
-        <p:txBody>
-          <a:bodyPr wrap="none" rtlCol="0">
-            <a:spAutoFit/>
-          </a:bodyPr>
-          <a:lstStyle/>
-          <a:p>
-            <a:r>
-              <a:rPr lang="en-US" dirty="0" smtClean="0"/>
-              <a:t>Template</a:t>
-            </a:r>
-            <a:endParaRPr lang="en-US" dirty="0"/>
-          </a:p>
-        </p:txBody>
-      </p:sp>
-      <p:sp>
-        <p:nvSpPr>
-          <p:cNvPr id="10" name="TextBox 9"/>
-          <p:cNvSpPr txBox="1"/>
-          <p:nvPr/>
-        </p:nvSpPr>
-        <p:spPr>
-          <a:xfrm>
-            <a:off x="6843986" y="2841004"/>
-            <a:ext cx="877163" cy="369332"/>
-          </a:xfrm>
-          <a:prstGeom prst="rect">
-            <a:avLst/>
-          </a:prstGeom>
-          <a:noFill/>
-        </p:spPr>
-        <p:txBody>
-          <a:bodyPr wrap="none" rtlCol="0">
-            <a:spAutoFit/>
-          </a:bodyPr>
-          <a:lstStyle/>
-          <a:p>
-            <a:r>
-              <a:rPr lang="en-US" dirty="0" smtClean="0"/>
-              <a:t>Output</a:t>
-            </a:r>
-            <a:endParaRPr lang="en-US" dirty="0"/>
-          </a:p>
-        </p:txBody>
-      </p:sp>
-      <p:sp>
-        <p:nvSpPr>
-          <p:cNvPr id="11" name="TextBox 10"/>
-          <p:cNvSpPr txBox="1"/>
-          <p:nvPr/>
-        </p:nvSpPr>
-        <p:spPr>
-          <a:xfrm>
-            <a:off x="4340774" y="2974117"/>
-            <a:ext cx="385380" cy="814552"/>
-          </a:xfrm>
-          <a:prstGeom prst="downArrow">
-            <a:avLst/>
-          </a:prstGeom>
-        </p:spPr>
-        <p:style>
-          <a:lnRef idx="3">
-            <a:schemeClr val="lt1"/>
-          </a:lnRef>
-          <a:fillRef idx="1">
-            <a:schemeClr val="accent5"/>
-          </a:fillRef>
-          <a:effectRef idx="1">
-            <a:schemeClr val="accent5"/>
-          </a:effectRef>
-          <a:fontRef idx="minor">
-            <a:schemeClr val="lt1"/>
-          </a:fontRef>
-        </p:style>
-        <p:txBody>
-          <a:bodyPr wrap="square" rtlCol="0">
-            <a:spAutoFit/>
-          </a:bodyPr>
-          <a:lstStyle/>
-          <a:p>
-            <a:endParaRPr lang="en-US" dirty="0"/>
-          </a:p>
-        </p:txBody>
-      </p:sp>
-      <p:sp>
-        <p:nvSpPr>
-          <p:cNvPr id="12" name="TextBox 11"/>
-          <p:cNvSpPr txBox="1"/>
-          <p:nvPr/>
-        </p:nvSpPr>
-        <p:spPr>
-          <a:xfrm>
-            <a:off x="337207" y="1569127"/>
-            <a:ext cx="3017345" cy="923330"/>
-          </a:xfrm>
-          <a:prstGeom prst="rect">
-            <a:avLst/>
-          </a:prstGeom>
-          <a:noFill/>
-        </p:spPr>
-        <p:txBody>
-          <a:bodyPr wrap="square" rtlCol="0">
-            <a:spAutoFit/>
-          </a:bodyPr>
-          <a:lstStyle/>
-          <a:p>
-            <a:r>
-              <a:rPr lang="en-US" dirty="0" smtClean="0"/>
-              <a:t>The Merge process builds a hash of replace from/to values and then processes them</a:t>
-            </a:r>
-            <a:endParaRPr lang="en-US" dirty="0"/>
-          </a:p>
-        </p:txBody>
-      </p:sp>
-    </p:spTree>
-    <p:extLst>
-      <p:ext uri="{BB962C8B-B14F-4D97-AF65-F5344CB8AC3E}">
-        <p14:creationId xmlns:p14="http://schemas.microsoft.com/office/powerpoint/2010/main" val="2970966262"/>
-      </p:ext>
-    </p:extLst>
-  </p:cSld>
-  <p:clrMapOvr>
-    <a:masterClrMapping/>
-  </p:clrMapOvr>
-</p:sld>
-</file>
-
-<file path=ppt/slides/slide5.xml><?xml version="1.0" encoding="utf-8"?>
-<p:sld xmlns:a="http://schemas.openxmlformats.org/drawingml/2006/main" xmlns:r="http://schemas.openxmlformats.org/officeDocument/2006/relationships" xmlns:p="http://schemas.openxmlformats.org/presentationml/2006/main">
-  <p:cSld>
-    <p:spTree>
-      <p:nvGrpSpPr>
-        <p:cNvPr id="1" name=""/>
-        <p:cNvGrpSpPr/>
-        <p:nvPr/>
-      </p:nvGrpSpPr>
-      <p:grpSpPr>
-        <a:xfrm>
-          <a:off x="0" y="0"/>
-          <a:ext cx="0" cy="0"/>
-          <a:chOff x="0" y="0"/>
-          <a:chExt cx="0" cy="0"/>
-        </a:xfrm>
-      </p:grpSpPr>
-      <p:sp>
-        <p:nvSpPr>
-          <p:cNvPr id="2" name="Title 1"/>
-          <p:cNvSpPr>
-            <a:spLocks noGrp="1"/>
-          </p:cNvSpPr>
-          <p:nvPr>
-            <p:ph type="title"/>
-          </p:nvPr>
-        </p:nvSpPr>
-        <p:spPr/>
-        <p:txBody>
-          <a:bodyPr/>
-          <a:lstStyle/>
-          <a:p>
-            <a:r>
-              <a:rPr lang="en-US" dirty="0" smtClean="0"/>
-              <a:t>4 </a:t>
-            </a:r>
-            <a:r>
-              <a:rPr lang="en-US" dirty="0" smtClean="0"/>
-              <a:t>Ways </a:t>
-            </a:r>
-            <a:r>
-              <a:rPr lang="en-US" dirty="0" smtClean="0"/>
-              <a:t>to add Replace Values</a:t>
-            </a:r>
-            <a:endParaRPr lang="en-US" dirty="0"/>
-          </a:p>
-        </p:txBody>
-      </p:sp>
-      <p:sp>
-        <p:nvSpPr>
-          <p:cNvPr id="3" name="Content Placeholder 2"/>
-          <p:cNvSpPr>
-            <a:spLocks noGrp="1"/>
-          </p:cNvSpPr>
-          <p:nvPr>
-            <p:ph idx="1"/>
-          </p:nvPr>
-        </p:nvSpPr>
-        <p:spPr/>
-        <p:txBody>
-          <a:bodyPr>
-            <a:normAutofit/>
-          </a:bodyPr>
-          <a:lstStyle/>
-          <a:p>
-            <a:r>
-              <a:rPr lang="en-US" dirty="0" smtClean="0"/>
-              <a:t>The replace stack is built in the following order:</a:t>
-            </a:r>
-          </a:p>
-          <a:p>
-            <a:pPr lvl="1"/>
-            <a:r>
-              <a:rPr lang="en-US" dirty="0" smtClean="0"/>
-              <a:t>Parameters to the html request</a:t>
-            </a:r>
-          </a:p>
-          <a:p>
-            <a:pPr lvl="1"/>
-            <a:r>
-              <a:rPr lang="en-US" dirty="0" smtClean="0"/>
-              <a:t>Directives associated with the Template</a:t>
-            </a:r>
-          </a:p>
-          <a:p>
-            <a:pPr lvl="2"/>
-            <a:r>
-              <a:rPr lang="en-US" dirty="0" smtClean="0"/>
-              <a:t>Replace Value directive</a:t>
-            </a:r>
-          </a:p>
-          <a:p>
-            <a:pPr lvl="2"/>
-            <a:r>
-              <a:rPr lang="en-US" dirty="0" smtClean="0"/>
-              <a:t>Replace Column directive</a:t>
-            </a:r>
-          </a:p>
-          <a:p>
-            <a:pPr lvl="2"/>
-            <a:r>
-              <a:rPr lang="en-US" dirty="0" smtClean="0"/>
-              <a:t>Replace Row directive</a:t>
-            </a:r>
-          </a:p>
-          <a:p>
-            <a:pPr marL="914400" lvl="2" indent="0">
-              <a:buNone/>
-            </a:pPr>
-            <a:endParaRPr lang="en-US" dirty="0" smtClean="0"/>
-          </a:p>
-        </p:txBody>
-      </p:sp>
-    </p:spTree>
-    <p:extLst>
-      <p:ext uri="{BB962C8B-B14F-4D97-AF65-F5344CB8AC3E}">
-        <p14:creationId xmlns:p14="http://schemas.microsoft.com/office/powerpoint/2010/main" val="2590435240"/>
-      </p:ext>
-    </p:extLst>
-  </p:cSld>
-  <p:clrMapOvr>
-    <a:masterClrMapping/>
-  </p:clrMapOvr>
-</p:sld>
-</file>
-
-<file path=ppt/slides/slide6.xml><?xml version="1.0" encoding="utf-8"?>
+<file path=ppt/slides/slide8.xml><?xml version="1.0" encoding="utf-8"?>
 <p:sld xmlns:a="http://schemas.openxmlformats.org/drawingml/2006/main" xmlns:r="http://schemas.openxmlformats.org/officeDocument/2006/relationships" xmlns:p="http://schemas.openxmlformats.org/presentationml/2006/main">
   <p:cSld>
     <p:spTree>
@@ -11212,7 +13047,7 @@
 </p:sld>
 </file>
 
-<file path=ppt/slides/slide7.xml><?xml version="1.0" encoding="utf-8"?>
+<file path=ppt/slides/slide9.xml><?xml version="1.0" encoding="utf-8"?>
 <p:sld xmlns:a="http://schemas.openxmlformats.org/drawingml/2006/main" xmlns:r="http://schemas.openxmlformats.org/officeDocument/2006/relationships" xmlns:p="http://schemas.openxmlformats.org/presentationml/2006/main">
   <p:cSld>
     <p:spTree>
@@ -11533,1724 +13368,6 @@
     <p:extLst>
       <p:ext uri="{BB962C8B-B14F-4D97-AF65-F5344CB8AC3E}">
         <p14:creationId xmlns:p14="http://schemas.microsoft.com/office/powerpoint/2010/main" val="490204734"/>
-      </p:ext>
-    </p:extLst>
-  </p:cSld>
-  <p:clrMapOvr>
-    <a:masterClrMapping/>
-  </p:clrMapOvr>
-</p:sld>
-</file>
-
-<file path=ppt/slides/slide8.xml><?xml version="1.0" encoding="utf-8"?>
-<p:sld xmlns:a="http://schemas.openxmlformats.org/drawingml/2006/main" xmlns:r="http://schemas.openxmlformats.org/officeDocument/2006/relationships" xmlns:p="http://schemas.openxmlformats.org/presentationml/2006/main">
-  <p:cSld>
-    <p:spTree>
-      <p:nvGrpSpPr>
-        <p:cNvPr id="1" name=""/>
-        <p:cNvGrpSpPr/>
-        <p:nvPr/>
-      </p:nvGrpSpPr>
-      <p:grpSpPr>
-        <a:xfrm>
-          <a:off x="0" y="0"/>
-          <a:ext cx="0" cy="0"/>
-          <a:chOff x="0" y="0"/>
-          <a:chExt cx="0" cy="0"/>
-        </a:xfrm>
-      </p:grpSpPr>
-      <p:sp>
-        <p:nvSpPr>
-          <p:cNvPr id="2" name="Title 1"/>
-          <p:cNvSpPr>
-            <a:spLocks noGrp="1"/>
-          </p:cNvSpPr>
-          <p:nvPr>
-            <p:ph type="title"/>
-          </p:nvPr>
-        </p:nvSpPr>
-        <p:spPr/>
-        <p:txBody>
-          <a:bodyPr/>
-          <a:lstStyle/>
-          <a:p>
-            <a:r>
-              <a:rPr lang="en-US" dirty="0" smtClean="0"/>
-              <a:t>Replace Column Directive</a:t>
-            </a:r>
-            <a:endParaRPr lang="en-US" dirty="0"/>
-          </a:p>
-        </p:txBody>
-      </p:sp>
-      <p:graphicFrame>
-        <p:nvGraphicFramePr>
-          <p:cNvPr id="5" name="Table 4"/>
-          <p:cNvGraphicFramePr>
-            <a:graphicFrameLocks noGrp="1"/>
-          </p:cNvGraphicFramePr>
-          <p:nvPr>
-            <p:extLst>
-              <p:ext uri="{D42A27DB-BD31-4B8C-83A1-F6EECF244321}">
-                <p14:modId xmlns:p14="http://schemas.microsoft.com/office/powerpoint/2010/main" val="4030037720"/>
-              </p:ext>
-            </p:extLst>
-          </p:nvPr>
-        </p:nvGraphicFramePr>
-        <p:xfrm>
-          <a:off x="6598745" y="4478909"/>
-          <a:ext cx="2300014" cy="2103797"/>
-        </p:xfrm>
-        <a:graphic>
-          <a:graphicData uri="http://schemas.openxmlformats.org/drawingml/2006/table">
-            <a:tbl>
-              <a:tblPr firstRow="1" bandRow="1">
-                <a:tableStyleId>{306799F8-075E-4A3A-A7F6-7FBC6576F1A4}</a:tableStyleId>
-              </a:tblPr>
-              <a:tblGrid>
-                <a:gridCol w="1150007"/>
-                <a:gridCol w="1150007"/>
-              </a:tblGrid>
-              <a:tr h="391334">
-                <a:tc>
-                  <a:txBody>
-                    <a:bodyPr/>
-                    <a:lstStyle/>
-                    <a:p>
-                      <a:r>
-                        <a:rPr lang="en-US" dirty="0" smtClean="0"/>
-                        <a:t>From</a:t>
-                      </a:r>
-                      <a:endParaRPr lang="en-US" dirty="0"/>
-                    </a:p>
-                  </a:txBody>
-                  <a:tcPr/>
-                </a:tc>
-                <a:tc>
-                  <a:txBody>
-                    <a:bodyPr/>
-                    <a:lstStyle/>
-                    <a:p>
-                      <a:r>
-                        <a:rPr lang="en-US" dirty="0" smtClean="0"/>
-                        <a:t>To</a:t>
-                      </a:r>
-                      <a:endParaRPr lang="en-US" dirty="0"/>
-                    </a:p>
-                  </a:txBody>
-                  <a:tcPr/>
-                </a:tc>
-              </a:tr>
-              <a:tr h="329663">
-                <a:tc>
-                  <a:txBody>
-                    <a:bodyPr/>
-                    <a:lstStyle/>
-                    <a:p>
-                      <a:r>
-                        <a:rPr lang="en-US" sz="1200" dirty="0" smtClean="0"/>
-                        <a:t>{name}</a:t>
-                      </a:r>
-                      <a:endParaRPr lang="en-US" sz="1200" dirty="0"/>
-                    </a:p>
-                  </a:txBody>
-                  <a:tcPr/>
-                </a:tc>
-                <a:tc>
-                  <a:txBody>
-                    <a:bodyPr/>
-                    <a:lstStyle/>
-                    <a:p>
-                      <a:r>
-                        <a:rPr lang="en-US" sz="1200" dirty="0" smtClean="0"/>
-                        <a:t>Mike</a:t>
-                      </a:r>
-                      <a:endParaRPr lang="en-US" sz="1200" dirty="0"/>
-                    </a:p>
-                  </a:txBody>
-                  <a:tcPr/>
-                </a:tc>
-              </a:tr>
-              <a:tr h="276560">
-                <a:tc>
-                  <a:txBody>
-                    <a:bodyPr/>
-                    <a:lstStyle/>
-                    <a:p>
-                      <a:r>
-                        <a:rPr lang="en-US" sz="1200" dirty="0" smtClean="0"/>
-                        <a:t>{age}</a:t>
-                      </a:r>
-                      <a:endParaRPr lang="en-US" sz="1200" dirty="0"/>
-                    </a:p>
-                  </a:txBody>
-                  <a:tcPr/>
-                </a:tc>
-                <a:tc>
-                  <a:txBody>
-                    <a:bodyPr/>
-                    <a:lstStyle/>
-                    <a:p>
-                      <a:r>
-                        <a:rPr lang="en-US" sz="1200" dirty="0" smtClean="0"/>
-                        <a:t>21</a:t>
-                      </a:r>
-                      <a:endParaRPr lang="en-US" sz="1200" dirty="0"/>
-                    </a:p>
-                  </a:txBody>
-                  <a:tcPr/>
-                </a:tc>
-              </a:tr>
-              <a:tr h="276560">
-                <a:tc>
-                  <a:txBody>
-                    <a:bodyPr/>
-                    <a:lstStyle/>
-                    <a:p>
-                      <a:r>
-                        <a:rPr lang="en-US" sz="1200" dirty="0" smtClean="0"/>
-                        <a:t>{company}</a:t>
-                      </a:r>
-                      <a:endParaRPr lang="en-US" sz="1200" dirty="0"/>
-                    </a:p>
-                  </a:txBody>
-                  <a:tcPr/>
-                </a:tc>
-                <a:tc>
-                  <a:txBody>
-                    <a:bodyPr/>
-                    <a:lstStyle/>
-                    <a:p>
-                      <a:r>
-                        <a:rPr lang="en-US" sz="1200" dirty="0" smtClean="0"/>
-                        <a:t>Blue Widgets</a:t>
-                      </a:r>
-                      <a:endParaRPr lang="en-US" sz="1200" dirty="0"/>
-                    </a:p>
-                  </a:txBody>
-                  <a:tcPr/>
-                </a:tc>
-              </a:tr>
-              <a:tr h="276560">
-                <a:tc>
-                  <a:txBody>
-                    <a:bodyPr/>
-                    <a:lstStyle/>
-                    <a:p>
-                      <a:r>
-                        <a:rPr lang="en-US" sz="1200" dirty="0" smtClean="0"/>
-                        <a:t>{Division}</a:t>
-                      </a:r>
-                      <a:endParaRPr lang="en-US" sz="1200" dirty="0"/>
-                    </a:p>
-                  </a:txBody>
-                  <a:tcPr/>
-                </a:tc>
-                <a:tc>
-                  <a:txBody>
-                    <a:bodyPr/>
-                    <a:lstStyle/>
-                    <a:p>
-                      <a:r>
-                        <a:rPr lang="en-US" sz="1200" dirty="0" smtClean="0"/>
-                        <a:t>Sales</a:t>
-                      </a:r>
-                      <a:endParaRPr lang="en-US" sz="1200" dirty="0"/>
-                    </a:p>
-                  </a:txBody>
-                  <a:tcPr/>
-                </a:tc>
-              </a:tr>
-              <a:tr h="276560">
-                <a:tc>
-                  <a:txBody>
-                    <a:bodyPr/>
-                    <a:lstStyle/>
-                    <a:p>
-                      <a:r>
-                        <a:rPr lang="en-US" sz="1200" dirty="0" smtClean="0"/>
-                        <a:t>{</a:t>
-                      </a:r>
-                      <a:r>
-                        <a:rPr lang="en-US" sz="1200" dirty="0" err="1" smtClean="0"/>
-                        <a:t>CostCenter</a:t>
-                      </a:r>
-                      <a:r>
-                        <a:rPr lang="en-US" sz="1200" dirty="0" smtClean="0"/>
-                        <a:t>}</a:t>
-                      </a:r>
-                      <a:endParaRPr lang="en-US" sz="1200" dirty="0"/>
-                    </a:p>
-                  </a:txBody>
-                  <a:tcPr/>
-                </a:tc>
-                <a:tc>
-                  <a:txBody>
-                    <a:bodyPr/>
-                    <a:lstStyle/>
-                    <a:p>
-                      <a:r>
-                        <a:rPr lang="en-US" sz="1200" dirty="0" smtClean="0"/>
-                        <a:t>East</a:t>
-                      </a:r>
-                      <a:endParaRPr lang="en-US" sz="1200" dirty="0"/>
-                    </a:p>
-                  </a:txBody>
-                  <a:tcPr/>
-                </a:tc>
-              </a:tr>
-              <a:tr h="276560">
-                <a:tc>
-                  <a:txBody>
-                    <a:bodyPr/>
-                    <a:lstStyle/>
-                    <a:p>
-                      <a:r>
-                        <a:rPr lang="en-US" sz="1200" dirty="0" smtClean="0"/>
-                        <a:t>{Date}</a:t>
-                      </a:r>
-                      <a:endParaRPr lang="en-US" sz="1200" dirty="0"/>
-                    </a:p>
-                  </a:txBody>
-                  <a:tcPr/>
-                </a:tc>
-                <a:tc>
-                  <a:txBody>
-                    <a:bodyPr/>
-                    <a:lstStyle/>
-                    <a:p>
-                      <a:r>
-                        <a:rPr lang="en-US" sz="1200" dirty="0" smtClean="0"/>
-                        <a:t>June 1</a:t>
-                      </a:r>
-                      <a:r>
-                        <a:rPr lang="en-US" sz="1200" baseline="30000" dirty="0" smtClean="0"/>
-                        <a:t>st</a:t>
-                      </a:r>
-                      <a:r>
-                        <a:rPr lang="en-US" sz="1200" dirty="0" smtClean="0"/>
-                        <a:t>, 2015</a:t>
-                      </a:r>
-                      <a:endParaRPr lang="en-US" sz="1200" dirty="0"/>
-                    </a:p>
-                  </a:txBody>
-                  <a:tcPr/>
-                </a:tc>
-              </a:tr>
-            </a:tbl>
-          </a:graphicData>
-        </a:graphic>
-      </p:graphicFrame>
-      <p:sp>
-        <p:nvSpPr>
-          <p:cNvPr id="11" name="Content Placeholder 10"/>
-          <p:cNvSpPr>
-            <a:spLocks noGrp="1"/>
-          </p:cNvSpPr>
-          <p:nvPr>
-            <p:ph idx="1"/>
-          </p:nvPr>
-        </p:nvSpPr>
-        <p:spPr>
-          <a:xfrm>
-            <a:off x="5812056" y="3665288"/>
-            <a:ext cx="3086703" cy="813621"/>
-          </a:xfrm>
-        </p:spPr>
-        <p:txBody>
-          <a:bodyPr>
-            <a:normAutofit/>
-          </a:bodyPr>
-          <a:lstStyle/>
-          <a:p>
-            <a:pPr marL="0" indent="0" algn="r">
-              <a:buNone/>
-            </a:pPr>
-            <a:r>
-              <a:rPr lang="en-US" sz="1400" dirty="0" smtClean="0"/>
-              <a:t>Note { and } are added to </a:t>
-            </a:r>
-            <a:r>
-              <a:rPr lang="en-US" sz="1400" dirty="0" err="1" smtClean="0"/>
-              <a:t>fromValue</a:t>
-            </a:r>
-            <a:endParaRPr lang="en-US" sz="1400" dirty="0"/>
-          </a:p>
-        </p:txBody>
-      </p:sp>
-      <p:pic>
-        <p:nvPicPr>
-          <p:cNvPr id="12" name="Picture 11" descr="Screen Shot 2015-02-16 at 4.03.20 PM.png"/>
-          <p:cNvPicPr>
-            <a:picLocks noChangeAspect="1"/>
-          </p:cNvPicPr>
-          <p:nvPr/>
-        </p:nvPicPr>
-        <p:blipFill>
-          <a:blip r:embed="rId2">
-            <a:extLst>
-              <a:ext uri="{28A0092B-C50C-407E-A947-70E740481C1C}">
-                <a14:useLocalDpi xmlns:a14="http://schemas.microsoft.com/office/drawing/2010/main" val="0"/>
-              </a:ext>
-            </a:extLst>
-          </a:blip>
-          <a:stretch>
-            <a:fillRect/>
-          </a:stretch>
-        </p:blipFill>
-        <p:spPr>
-          <a:xfrm>
-            <a:off x="765504" y="1428540"/>
-            <a:ext cx="4130565" cy="3247300"/>
-          </a:xfrm>
-          <a:prstGeom prst="rect">
-            <a:avLst/>
-          </a:prstGeom>
-        </p:spPr>
-      </p:pic>
-      <p:graphicFrame>
-        <p:nvGraphicFramePr>
-          <p:cNvPr id="6" name="Table 5"/>
-          <p:cNvGraphicFramePr>
-            <a:graphicFrameLocks noGrp="1"/>
-          </p:cNvGraphicFramePr>
-          <p:nvPr>
-            <p:extLst>
-              <p:ext uri="{D42A27DB-BD31-4B8C-83A1-F6EECF244321}">
-                <p14:modId xmlns:p14="http://schemas.microsoft.com/office/powerpoint/2010/main" val="44120937"/>
-              </p:ext>
-            </p:extLst>
-          </p:nvPr>
-        </p:nvGraphicFramePr>
-        <p:xfrm>
-          <a:off x="275022" y="4653087"/>
-          <a:ext cx="5740400" cy="1691510"/>
-        </p:xfrm>
-        <a:graphic>
-          <a:graphicData uri="http://schemas.openxmlformats.org/drawingml/2006/table">
-            <a:tbl>
-              <a:tblPr firstRow="1" bandRow="1">
-                <a:tableStyleId>{9D7B26C5-4107-4FEC-AEDC-1716B250A1EF}</a:tableStyleId>
-              </a:tblPr>
-              <a:tblGrid>
-                <a:gridCol w="2870200"/>
-                <a:gridCol w="2870200"/>
-              </a:tblGrid>
-              <a:tr h="338302">
-                <a:tc gridSpan="2">
-                  <a:txBody>
-                    <a:bodyPr/>
-                    <a:lstStyle/>
-                    <a:p>
-                      <a:r>
-                        <a:rPr lang="en-US" sz="1400" dirty="0" smtClean="0"/>
-                        <a:t>Select </a:t>
-                      </a:r>
-                      <a:r>
-                        <a:rPr lang="en-US" sz="1400" dirty="0" err="1" smtClean="0"/>
-                        <a:t>fromValue</a:t>
-                      </a:r>
-                      <a:r>
-                        <a:rPr lang="en-US" sz="1400" dirty="0" smtClean="0"/>
-                        <a:t>, </a:t>
-                      </a:r>
-                      <a:r>
-                        <a:rPr lang="en-US" sz="1400" dirty="0" err="1" smtClean="0"/>
-                        <a:t>toValue</a:t>
-                      </a:r>
-                      <a:r>
-                        <a:rPr lang="en-US" sz="1400" dirty="0" smtClean="0"/>
-                        <a:t> from </a:t>
-                      </a:r>
-                      <a:r>
-                        <a:rPr lang="en-US" sz="1400" dirty="0" err="1" smtClean="0"/>
-                        <a:t>reportReplace</a:t>
-                      </a:r>
-                      <a:r>
-                        <a:rPr lang="en-US" sz="1400" dirty="0" smtClean="0"/>
-                        <a:t> where </a:t>
-                      </a:r>
-                      <a:r>
-                        <a:rPr lang="en-US" sz="1400" dirty="0" err="1" smtClean="0"/>
-                        <a:t>idreport</a:t>
-                      </a:r>
-                      <a:r>
-                        <a:rPr lang="en-US" sz="1400" dirty="0" smtClean="0"/>
-                        <a:t>=‘1’</a:t>
-                      </a:r>
-                      <a:endParaRPr lang="en-US" sz="1400" dirty="0"/>
-                    </a:p>
-                  </a:txBody>
-                  <a:tcPr>
-                    <a:lnL w="12700" cap="flat" cmpd="sng" algn="ctr">
-                      <a:solidFill>
-                        <a:scrgbClr r="0" g="0" b="0"/>
-                      </a:solidFill>
-                      <a:prstDash val="solid"/>
-                      <a:round/>
-                      <a:headEnd type="none" w="med" len="med"/>
-                      <a:tailEnd type="none" w="med" len="med"/>
-                    </a:lnL>
-                    <a:lnR w="12700" cap="flat" cmpd="sng" algn="ctr">
-                      <a:solidFill>
-                        <a:scrgbClr r="0" g="0" b="0"/>
-                      </a:solidFill>
-                      <a:prstDash val="solid"/>
-                      <a:round/>
-                      <a:headEnd type="none" w="med" len="med"/>
-                      <a:tailEnd type="none" w="med" len="med"/>
-                    </a:lnR>
-                    <a:lnT w="12700" cap="flat" cmpd="sng" algn="ctr">
-                      <a:solidFill>
-                        <a:scrgbClr r="0" g="0" b="0"/>
-                      </a:solidFill>
-                      <a:prstDash val="solid"/>
-                      <a:round/>
-                      <a:headEnd type="none" w="med" len="med"/>
-                      <a:tailEnd type="none" w="med" len="med"/>
-                    </a:lnT>
-                    <a:solidFill>
-                      <a:schemeClr val="bg1"/>
-                    </a:solidFill>
-                  </a:tcPr>
-                </a:tc>
-                <a:tc hMerge="1">
-                  <a:txBody>
-                    <a:bodyPr/>
-                    <a:lstStyle/>
-                    <a:p>
-                      <a:endParaRPr lang="en-US" dirty="0"/>
-                    </a:p>
-                  </a:txBody>
-                  <a:tcPr/>
-                </a:tc>
-              </a:tr>
-              <a:tr h="338302">
-                <a:tc>
-                  <a:txBody>
-                    <a:bodyPr/>
-                    <a:lstStyle/>
-                    <a:p>
-                      <a:r>
-                        <a:rPr lang="en-US" sz="1400" dirty="0" err="1" smtClean="0"/>
-                        <a:t>fromValue</a:t>
-                      </a:r>
-                      <a:endParaRPr lang="en-US" sz="1400" dirty="0"/>
-                    </a:p>
-                  </a:txBody>
-                  <a:tcPr>
-                    <a:lnL w="12700" cap="flat" cmpd="sng" algn="ctr">
-                      <a:solidFill>
-                        <a:scrgbClr r="0" g="0" b="0"/>
-                      </a:solidFill>
-                      <a:prstDash val="solid"/>
-                      <a:round/>
-                      <a:headEnd type="none" w="med" len="med"/>
-                      <a:tailEnd type="none" w="med" len="med"/>
-                    </a:lnL>
-                    <a:solidFill>
-                      <a:schemeClr val="accent3"/>
-                    </a:solidFill>
-                  </a:tcPr>
-                </a:tc>
-                <a:tc>
-                  <a:txBody>
-                    <a:bodyPr/>
-                    <a:lstStyle/>
-                    <a:p>
-                      <a:r>
-                        <a:rPr lang="en-US" sz="1400" dirty="0" err="1" smtClean="0"/>
-                        <a:t>toValue</a:t>
-                      </a:r>
-                      <a:endParaRPr lang="en-US" sz="1400" dirty="0"/>
-                    </a:p>
-                  </a:txBody>
-                  <a:tcPr>
-                    <a:lnR w="12700" cap="flat" cmpd="sng" algn="ctr">
-                      <a:solidFill>
-                        <a:scrgbClr r="0" g="0" b="0"/>
-                      </a:solidFill>
-                      <a:prstDash val="solid"/>
-                      <a:round/>
-                      <a:headEnd type="none" w="med" len="med"/>
-                      <a:tailEnd type="none" w="med" len="med"/>
-                    </a:lnR>
-                    <a:solidFill>
-                      <a:schemeClr val="accent3"/>
-                    </a:solidFill>
-                  </a:tcPr>
-                </a:tc>
-              </a:tr>
-              <a:tr h="338302">
-                <a:tc>
-                  <a:txBody>
-                    <a:bodyPr/>
-                    <a:lstStyle/>
-                    <a:p>
-                      <a:r>
-                        <a:rPr lang="en-US" sz="1400" dirty="0" smtClean="0"/>
-                        <a:t>Division</a:t>
-                      </a:r>
-                      <a:endParaRPr lang="en-US" sz="1400" dirty="0"/>
-                    </a:p>
-                  </a:txBody>
-                  <a:tcPr>
-                    <a:lnL w="12700" cap="flat" cmpd="sng" algn="ctr">
-                      <a:solidFill>
-                        <a:scrgbClr r="0" g="0" b="0"/>
-                      </a:solidFill>
-                      <a:prstDash val="solid"/>
-                      <a:round/>
-                      <a:headEnd type="none" w="med" len="med"/>
-                      <a:tailEnd type="none" w="med" len="med"/>
-                    </a:lnL>
-                    <a:solidFill>
-                      <a:schemeClr val="accent6">
-                        <a:lumMod val="40000"/>
-                        <a:lumOff val="60000"/>
-                      </a:schemeClr>
-                    </a:solidFill>
-                  </a:tcPr>
-                </a:tc>
-                <a:tc>
-                  <a:txBody>
-                    <a:bodyPr/>
-                    <a:lstStyle/>
-                    <a:p>
-                      <a:r>
-                        <a:rPr lang="en-US" sz="1400" dirty="0" smtClean="0"/>
-                        <a:t>Sales</a:t>
-                      </a:r>
-                      <a:endParaRPr lang="en-US" sz="1400" dirty="0"/>
-                    </a:p>
-                  </a:txBody>
-                  <a:tcPr>
-                    <a:lnR w="12700" cap="flat" cmpd="sng" algn="ctr">
-                      <a:solidFill>
-                        <a:scrgbClr r="0" g="0" b="0"/>
-                      </a:solidFill>
-                      <a:prstDash val="solid"/>
-                      <a:round/>
-                      <a:headEnd type="none" w="med" len="med"/>
-                      <a:tailEnd type="none" w="med" len="med"/>
-                    </a:lnR>
-                    <a:solidFill>
-                      <a:schemeClr val="accent6">
-                        <a:lumMod val="40000"/>
-                        <a:lumOff val="60000"/>
-                      </a:schemeClr>
-                    </a:solidFill>
-                  </a:tcPr>
-                </a:tc>
-              </a:tr>
-              <a:tr h="338302">
-                <a:tc>
-                  <a:txBody>
-                    <a:bodyPr/>
-                    <a:lstStyle/>
-                    <a:p>
-                      <a:r>
-                        <a:rPr lang="en-US" sz="1400" dirty="0" err="1" smtClean="0"/>
-                        <a:t>CostCenter</a:t>
-                      </a:r>
-                      <a:endParaRPr lang="en-US" sz="1400" dirty="0"/>
-                    </a:p>
-                  </a:txBody>
-                  <a:tcPr>
-                    <a:lnL w="12700" cap="flat" cmpd="sng" algn="ctr">
-                      <a:solidFill>
-                        <a:scrgbClr r="0" g="0" b="0"/>
-                      </a:solidFill>
-                      <a:prstDash val="solid"/>
-                      <a:round/>
-                      <a:headEnd type="none" w="med" len="med"/>
-                      <a:tailEnd type="none" w="med" len="med"/>
-                    </a:lnL>
-                    <a:solidFill>
-                      <a:schemeClr val="accent6">
-                        <a:lumMod val="40000"/>
-                        <a:lumOff val="60000"/>
-                      </a:schemeClr>
-                    </a:solidFill>
-                  </a:tcPr>
-                </a:tc>
-                <a:tc>
-                  <a:txBody>
-                    <a:bodyPr/>
-                    <a:lstStyle/>
-                    <a:p>
-                      <a:r>
-                        <a:rPr lang="en-US" sz="1400" dirty="0" smtClean="0"/>
-                        <a:t>East</a:t>
-                      </a:r>
-                      <a:endParaRPr lang="en-US" sz="1400" dirty="0"/>
-                    </a:p>
-                  </a:txBody>
-                  <a:tcPr>
-                    <a:lnR w="12700" cap="flat" cmpd="sng" algn="ctr">
-                      <a:solidFill>
-                        <a:scrgbClr r="0" g="0" b="0"/>
-                      </a:solidFill>
-                      <a:prstDash val="solid"/>
-                      <a:round/>
-                      <a:headEnd type="none" w="med" len="med"/>
-                      <a:tailEnd type="none" w="med" len="med"/>
-                    </a:lnR>
-                    <a:solidFill>
-                      <a:schemeClr val="accent6">
-                        <a:lumMod val="40000"/>
-                        <a:lumOff val="60000"/>
-                      </a:schemeClr>
-                    </a:solidFill>
-                  </a:tcPr>
-                </a:tc>
-              </a:tr>
-              <a:tr h="338302">
-                <a:tc>
-                  <a:txBody>
-                    <a:bodyPr/>
-                    <a:lstStyle/>
-                    <a:p>
-                      <a:r>
-                        <a:rPr lang="en-US" sz="1400" dirty="0" smtClean="0"/>
-                        <a:t>Date</a:t>
-                      </a:r>
-                      <a:endParaRPr lang="en-US" sz="1400" dirty="0"/>
-                    </a:p>
-                  </a:txBody>
-                  <a:tcPr>
-                    <a:lnL w="12700" cap="flat" cmpd="sng" algn="ctr">
-                      <a:solidFill>
-                        <a:scrgbClr r="0" g="0" b="0"/>
-                      </a:solidFill>
-                      <a:prstDash val="solid"/>
-                      <a:round/>
-                      <a:headEnd type="none" w="med" len="med"/>
-                      <a:tailEnd type="none" w="med" len="med"/>
-                    </a:lnL>
-                    <a:solidFill>
-                      <a:schemeClr val="accent6">
-                        <a:lumMod val="40000"/>
-                        <a:lumOff val="60000"/>
-                      </a:schemeClr>
-                    </a:solidFill>
-                  </a:tcPr>
-                </a:tc>
-                <a:tc>
-                  <a:txBody>
-                    <a:bodyPr/>
-                    <a:lstStyle/>
-                    <a:p>
-                      <a:r>
-                        <a:rPr lang="en-US" sz="1400" dirty="0" smtClean="0"/>
-                        <a:t>June 1</a:t>
-                      </a:r>
-                      <a:r>
-                        <a:rPr lang="en-US" sz="1400" baseline="30000" dirty="0" smtClean="0"/>
-                        <a:t>st</a:t>
-                      </a:r>
-                      <a:r>
-                        <a:rPr lang="en-US" sz="1400" dirty="0" smtClean="0"/>
-                        <a:t>, 2015</a:t>
-                      </a:r>
-                      <a:endParaRPr lang="en-US" sz="1400" dirty="0"/>
-                    </a:p>
-                  </a:txBody>
-                  <a:tcPr>
-                    <a:lnR w="12700" cap="flat" cmpd="sng" algn="ctr">
-                      <a:solidFill>
-                        <a:scrgbClr r="0" g="0" b="0"/>
-                      </a:solidFill>
-                      <a:prstDash val="solid"/>
-                      <a:round/>
-                      <a:headEnd type="none" w="med" len="med"/>
-                      <a:tailEnd type="none" w="med" len="med"/>
-                    </a:lnR>
-                    <a:solidFill>
-                      <a:schemeClr val="accent6">
-                        <a:lumMod val="40000"/>
-                        <a:lumOff val="60000"/>
-                      </a:schemeClr>
-                    </a:solidFill>
-                  </a:tcPr>
-                </a:tc>
-              </a:tr>
-            </a:tbl>
-          </a:graphicData>
-        </a:graphic>
-      </p:graphicFrame>
-      <p:cxnSp>
-        <p:nvCxnSpPr>
-          <p:cNvPr id="13" name="Straight Arrow Connector 12"/>
-          <p:cNvCxnSpPr/>
-          <p:nvPr/>
-        </p:nvCxnSpPr>
-        <p:spPr>
-          <a:xfrm>
-            <a:off x="1147379" y="5465379"/>
-            <a:ext cx="5451366" cy="429173"/>
-          </a:xfrm>
-          <a:prstGeom prst="straightConnector1">
-            <a:avLst/>
-          </a:prstGeom>
-          <a:ln>
-            <a:solidFill>
-              <a:srgbClr val="000090"/>
-            </a:solidFill>
-            <a:tailEnd type="arrow"/>
-          </a:ln>
-        </p:spPr>
-        <p:style>
-          <a:lnRef idx="2">
-            <a:schemeClr val="accent1"/>
-          </a:lnRef>
-          <a:fillRef idx="0">
-            <a:schemeClr val="accent1"/>
-          </a:fillRef>
-          <a:effectRef idx="1">
-            <a:schemeClr val="accent1"/>
-          </a:effectRef>
-          <a:fontRef idx="minor">
-            <a:schemeClr val="tx1"/>
-          </a:fontRef>
-        </p:style>
-      </p:cxnSp>
-      <p:cxnSp>
-        <p:nvCxnSpPr>
-          <p:cNvPr id="16" name="Straight Arrow Connector 15"/>
-          <p:cNvCxnSpPr/>
-          <p:nvPr/>
-        </p:nvCxnSpPr>
-        <p:spPr>
-          <a:xfrm>
-            <a:off x="1299779" y="5894552"/>
-            <a:ext cx="5298966" cy="271517"/>
-          </a:xfrm>
-          <a:prstGeom prst="straightConnector1">
-            <a:avLst/>
-          </a:prstGeom>
-          <a:ln>
-            <a:solidFill>
-              <a:srgbClr val="000090"/>
-            </a:solidFill>
-            <a:tailEnd type="arrow"/>
-          </a:ln>
-        </p:spPr>
-        <p:style>
-          <a:lnRef idx="2">
-            <a:schemeClr val="accent1"/>
-          </a:lnRef>
-          <a:fillRef idx="0">
-            <a:schemeClr val="accent1"/>
-          </a:fillRef>
-          <a:effectRef idx="1">
-            <a:schemeClr val="accent1"/>
-          </a:effectRef>
-          <a:fontRef idx="minor">
-            <a:schemeClr val="tx1"/>
-          </a:fontRef>
-        </p:style>
-      </p:cxnSp>
-      <p:cxnSp>
-        <p:nvCxnSpPr>
-          <p:cNvPr id="19" name="Straight Arrow Connector 18"/>
-          <p:cNvCxnSpPr/>
-          <p:nvPr/>
-        </p:nvCxnSpPr>
-        <p:spPr>
-          <a:xfrm>
-            <a:off x="1068552" y="6236138"/>
-            <a:ext cx="5530193" cy="210207"/>
-          </a:xfrm>
-          <a:prstGeom prst="straightConnector1">
-            <a:avLst/>
-          </a:prstGeom>
-          <a:ln>
-            <a:solidFill>
-              <a:srgbClr val="000090"/>
-            </a:solidFill>
-            <a:tailEnd type="arrow"/>
-          </a:ln>
-        </p:spPr>
-        <p:style>
-          <a:lnRef idx="2">
-            <a:schemeClr val="accent1"/>
-          </a:lnRef>
-          <a:fillRef idx="0">
-            <a:schemeClr val="accent1"/>
-          </a:fillRef>
-          <a:effectRef idx="1">
-            <a:schemeClr val="accent1"/>
-          </a:effectRef>
-          <a:fontRef idx="minor">
-            <a:schemeClr val="tx1"/>
-          </a:fontRef>
-        </p:style>
-      </p:cxnSp>
-    </p:spTree>
-    <p:extLst>
-      <p:ext uri="{BB962C8B-B14F-4D97-AF65-F5344CB8AC3E}">
-        <p14:creationId xmlns:p14="http://schemas.microsoft.com/office/powerpoint/2010/main" val="3729838489"/>
-      </p:ext>
-    </p:extLst>
-  </p:cSld>
-  <p:clrMapOvr>
-    <a:masterClrMapping/>
-  </p:clrMapOvr>
-</p:sld>
-</file>
-
-<file path=ppt/slides/slide9.xml><?xml version="1.0" encoding="utf-8"?>
-<p:sld xmlns:a="http://schemas.openxmlformats.org/drawingml/2006/main" xmlns:r="http://schemas.openxmlformats.org/officeDocument/2006/relationships" xmlns:p="http://schemas.openxmlformats.org/presentationml/2006/main">
-  <p:cSld>
-    <p:spTree>
-      <p:nvGrpSpPr>
-        <p:cNvPr id="1" name=""/>
-        <p:cNvGrpSpPr/>
-        <p:nvPr/>
-      </p:nvGrpSpPr>
-      <p:grpSpPr>
-        <a:xfrm>
-          <a:off x="0" y="0"/>
-          <a:ext cx="0" cy="0"/>
-          <a:chOff x="0" y="0"/>
-          <a:chExt cx="0" cy="0"/>
-        </a:xfrm>
-      </p:grpSpPr>
-      <p:sp>
-        <p:nvSpPr>
-          <p:cNvPr id="2" name="Title 1"/>
-          <p:cNvSpPr>
-            <a:spLocks noGrp="1"/>
-          </p:cNvSpPr>
-          <p:nvPr>
-            <p:ph type="title"/>
-          </p:nvPr>
-        </p:nvSpPr>
-        <p:spPr/>
-        <p:txBody>
-          <a:bodyPr/>
-          <a:lstStyle/>
-          <a:p>
-            <a:r>
-              <a:rPr lang="en-US" dirty="0" smtClean="0"/>
-              <a:t>Replace Row Directive</a:t>
-            </a:r>
-            <a:endParaRPr lang="en-US" dirty="0"/>
-          </a:p>
-        </p:txBody>
-      </p:sp>
-      <p:graphicFrame>
-        <p:nvGraphicFramePr>
-          <p:cNvPr id="5" name="Table 4"/>
-          <p:cNvGraphicFramePr>
-            <a:graphicFrameLocks noGrp="1"/>
-          </p:cNvGraphicFramePr>
-          <p:nvPr>
-            <p:extLst>
-              <p:ext uri="{D42A27DB-BD31-4B8C-83A1-F6EECF244321}">
-                <p14:modId xmlns:p14="http://schemas.microsoft.com/office/powerpoint/2010/main" val="2259340687"/>
-              </p:ext>
-            </p:extLst>
-          </p:nvPr>
-        </p:nvGraphicFramePr>
-        <p:xfrm>
-          <a:off x="6668814" y="2639628"/>
-          <a:ext cx="2300014" cy="3962952"/>
-        </p:xfrm>
-        <a:graphic>
-          <a:graphicData uri="http://schemas.openxmlformats.org/drawingml/2006/table">
-            <a:tbl>
-              <a:tblPr firstRow="1" bandRow="1">
-                <a:tableStyleId>{306799F8-075E-4A3A-A7F6-7FBC6576F1A4}</a:tableStyleId>
-              </a:tblPr>
-              <a:tblGrid>
-                <a:gridCol w="1150007"/>
-                <a:gridCol w="1150007"/>
-              </a:tblGrid>
-              <a:tr h="528669">
-                <a:tc>
-                  <a:txBody>
-                    <a:bodyPr/>
-                    <a:lstStyle/>
-                    <a:p>
-                      <a:r>
-                        <a:rPr lang="en-US" dirty="0" smtClean="0"/>
-                        <a:t>From</a:t>
-                      </a:r>
-                      <a:endParaRPr lang="en-US" dirty="0"/>
-                    </a:p>
-                  </a:txBody>
-                  <a:tcPr/>
-                </a:tc>
-                <a:tc>
-                  <a:txBody>
-                    <a:bodyPr/>
-                    <a:lstStyle/>
-                    <a:p>
-                      <a:r>
-                        <a:rPr lang="en-US" dirty="0" smtClean="0"/>
-                        <a:t>To</a:t>
-                      </a:r>
-                      <a:endParaRPr lang="en-US" dirty="0"/>
-                    </a:p>
-                  </a:txBody>
-                  <a:tcPr/>
-                </a:tc>
-              </a:tr>
-              <a:tr h="445355">
-                <a:tc>
-                  <a:txBody>
-                    <a:bodyPr/>
-                    <a:lstStyle/>
-                    <a:p>
-                      <a:r>
-                        <a:rPr lang="en-US" sz="1200" dirty="0" smtClean="0"/>
-                        <a:t>{name}</a:t>
-                      </a:r>
-                      <a:endParaRPr lang="en-US" sz="1200" dirty="0"/>
-                    </a:p>
-                  </a:txBody>
-                  <a:tcPr/>
-                </a:tc>
-                <a:tc>
-                  <a:txBody>
-                    <a:bodyPr/>
-                    <a:lstStyle/>
-                    <a:p>
-                      <a:r>
-                        <a:rPr lang="en-US" sz="1200" dirty="0" smtClean="0"/>
-                        <a:t>Mike</a:t>
-                      </a:r>
-                      <a:endParaRPr lang="en-US" sz="1200" dirty="0"/>
-                    </a:p>
-                  </a:txBody>
-                  <a:tcPr/>
-                </a:tc>
-              </a:tr>
-              <a:tr h="373616">
-                <a:tc>
-                  <a:txBody>
-                    <a:bodyPr/>
-                    <a:lstStyle/>
-                    <a:p>
-                      <a:r>
-                        <a:rPr lang="en-US" sz="1200" dirty="0" smtClean="0"/>
-                        <a:t>{age}</a:t>
-                      </a:r>
-                      <a:endParaRPr lang="en-US" sz="1200" dirty="0"/>
-                    </a:p>
-                  </a:txBody>
-                  <a:tcPr/>
-                </a:tc>
-                <a:tc>
-                  <a:txBody>
-                    <a:bodyPr/>
-                    <a:lstStyle/>
-                    <a:p>
-                      <a:r>
-                        <a:rPr lang="en-US" sz="1200" dirty="0" smtClean="0"/>
-                        <a:t>21</a:t>
-                      </a:r>
-                      <a:endParaRPr lang="en-US" sz="1200" dirty="0"/>
-                    </a:p>
-                  </a:txBody>
-                  <a:tcPr/>
-                </a:tc>
-              </a:tr>
-              <a:tr h="373616">
-                <a:tc>
-                  <a:txBody>
-                    <a:bodyPr/>
-                    <a:lstStyle/>
-                    <a:p>
-                      <a:r>
-                        <a:rPr lang="en-US" sz="1200" dirty="0" smtClean="0"/>
-                        <a:t>{company}</a:t>
-                      </a:r>
-                      <a:endParaRPr lang="en-US" sz="1200" dirty="0"/>
-                    </a:p>
-                  </a:txBody>
-                  <a:tcPr/>
-                </a:tc>
-                <a:tc>
-                  <a:txBody>
-                    <a:bodyPr/>
-                    <a:lstStyle/>
-                    <a:p>
-                      <a:r>
-                        <a:rPr lang="en-US" sz="1200" dirty="0" smtClean="0"/>
-                        <a:t>Blue Widgets</a:t>
-                      </a:r>
-                      <a:endParaRPr lang="en-US" sz="1200" dirty="0"/>
-                    </a:p>
-                  </a:txBody>
-                  <a:tcPr/>
-                </a:tc>
-              </a:tr>
-              <a:tr h="373616">
-                <a:tc>
-                  <a:txBody>
-                    <a:bodyPr/>
-                    <a:lstStyle/>
-                    <a:p>
-                      <a:r>
-                        <a:rPr lang="en-US" sz="1200" dirty="0" smtClean="0"/>
-                        <a:t>{Division}</a:t>
-                      </a:r>
-                      <a:endParaRPr lang="en-US" sz="1200" dirty="0"/>
-                    </a:p>
-                  </a:txBody>
-                  <a:tcPr/>
-                </a:tc>
-                <a:tc>
-                  <a:txBody>
-                    <a:bodyPr/>
-                    <a:lstStyle/>
-                    <a:p>
-                      <a:r>
-                        <a:rPr lang="en-US" sz="1200" dirty="0" smtClean="0"/>
-                        <a:t>Sales</a:t>
-                      </a:r>
-                      <a:endParaRPr lang="en-US" sz="1200" dirty="0"/>
-                    </a:p>
-                  </a:txBody>
-                  <a:tcPr/>
-                </a:tc>
-              </a:tr>
-              <a:tr h="373616">
-                <a:tc>
-                  <a:txBody>
-                    <a:bodyPr/>
-                    <a:lstStyle/>
-                    <a:p>
-                      <a:r>
-                        <a:rPr lang="en-US" sz="1200" dirty="0" smtClean="0"/>
-                        <a:t>{</a:t>
-                      </a:r>
-                      <a:r>
-                        <a:rPr lang="en-US" sz="1200" dirty="0" err="1" smtClean="0"/>
-                        <a:t>CostCenter</a:t>
-                      </a:r>
-                      <a:r>
-                        <a:rPr lang="en-US" sz="1200" dirty="0" smtClean="0"/>
-                        <a:t>}</a:t>
-                      </a:r>
-                      <a:endParaRPr lang="en-US" sz="1200" dirty="0"/>
-                    </a:p>
-                  </a:txBody>
-                  <a:tcPr/>
-                </a:tc>
-                <a:tc>
-                  <a:txBody>
-                    <a:bodyPr/>
-                    <a:lstStyle/>
-                    <a:p>
-                      <a:r>
-                        <a:rPr lang="en-US" sz="1200" dirty="0" smtClean="0"/>
-                        <a:t>East</a:t>
-                      </a:r>
-                      <a:endParaRPr lang="en-US" sz="1200" dirty="0"/>
-                    </a:p>
-                  </a:txBody>
-                  <a:tcPr/>
-                </a:tc>
-              </a:tr>
-              <a:tr h="373616">
-                <a:tc>
-                  <a:txBody>
-                    <a:bodyPr/>
-                    <a:lstStyle/>
-                    <a:p>
-                      <a:r>
-                        <a:rPr lang="en-US" sz="1200" dirty="0" smtClean="0"/>
-                        <a:t>{Date}</a:t>
-                      </a:r>
-                      <a:endParaRPr lang="en-US" sz="1200" dirty="0"/>
-                    </a:p>
-                  </a:txBody>
-                  <a:tcPr/>
-                </a:tc>
-                <a:tc>
-                  <a:txBody>
-                    <a:bodyPr/>
-                    <a:lstStyle/>
-                    <a:p>
-                      <a:r>
-                        <a:rPr lang="en-US" sz="1200" dirty="0" smtClean="0"/>
-                        <a:t>June 1</a:t>
-                      </a:r>
-                      <a:r>
-                        <a:rPr lang="en-US" sz="1200" baseline="30000" dirty="0" smtClean="0"/>
-                        <a:t>st</a:t>
-                      </a:r>
-                      <a:r>
-                        <a:rPr lang="en-US" sz="1200" dirty="0" smtClean="0"/>
-                        <a:t>, 2015</a:t>
-                      </a:r>
-                      <a:endParaRPr lang="en-US" sz="1200" dirty="0"/>
-                    </a:p>
-                  </a:txBody>
-                  <a:tcPr/>
-                </a:tc>
-              </a:tr>
-              <a:tr h="373616">
-                <a:tc>
-                  <a:txBody>
-                    <a:bodyPr/>
-                    <a:lstStyle/>
-                    <a:p>
-                      <a:r>
-                        <a:rPr lang="en-US" sz="1200" dirty="0" smtClean="0"/>
-                        <a:t>{supervisor}</a:t>
-                      </a:r>
-                      <a:endParaRPr lang="en-US" sz="1200" dirty="0"/>
-                    </a:p>
-                  </a:txBody>
-                  <a:tcPr/>
-                </a:tc>
-                <a:tc>
-                  <a:txBody>
-                    <a:bodyPr/>
-                    <a:lstStyle/>
-                    <a:p>
-                      <a:r>
-                        <a:rPr lang="en-US" sz="1200" dirty="0" smtClean="0"/>
-                        <a:t>James</a:t>
-                      </a:r>
-                      <a:endParaRPr lang="en-US" sz="1200" dirty="0"/>
-                    </a:p>
-                  </a:txBody>
-                  <a:tcPr/>
-                </a:tc>
-              </a:tr>
-              <a:tr h="373616">
-                <a:tc>
-                  <a:txBody>
-                    <a:bodyPr/>
-                    <a:lstStyle/>
-                    <a:p>
-                      <a:r>
-                        <a:rPr lang="en-US" sz="1200" dirty="0" smtClean="0"/>
-                        <a:t>{title}</a:t>
-                      </a:r>
-                      <a:endParaRPr lang="en-US" sz="1200" dirty="0"/>
-                    </a:p>
-                  </a:txBody>
-                  <a:tcPr/>
-                </a:tc>
-                <a:tc>
-                  <a:txBody>
-                    <a:bodyPr/>
-                    <a:lstStyle/>
-                    <a:p>
-                      <a:r>
-                        <a:rPr lang="en-US" sz="1200" dirty="0" smtClean="0"/>
-                        <a:t>Janitor</a:t>
-                      </a:r>
-                      <a:endParaRPr lang="en-US" sz="1200" dirty="0"/>
-                    </a:p>
-                  </a:txBody>
-                  <a:tcPr/>
-                </a:tc>
-              </a:tr>
-              <a:tr h="373616">
-                <a:tc>
-                  <a:txBody>
-                    <a:bodyPr/>
-                    <a:lstStyle/>
-                    <a:p>
-                      <a:endParaRPr lang="en-US" sz="1200" dirty="0"/>
-                    </a:p>
-                  </a:txBody>
-                  <a:tcPr/>
-                </a:tc>
-                <a:tc>
-                  <a:txBody>
-                    <a:bodyPr/>
-                    <a:lstStyle/>
-                    <a:p>
-                      <a:endParaRPr lang="en-US" sz="1200" dirty="0"/>
-                    </a:p>
-                  </a:txBody>
-                  <a:tcPr/>
-                </a:tc>
-              </a:tr>
-            </a:tbl>
-          </a:graphicData>
-        </a:graphic>
-      </p:graphicFrame>
-      <p:graphicFrame>
-        <p:nvGraphicFramePr>
-          <p:cNvPr id="6" name="Table 5"/>
-          <p:cNvGraphicFramePr>
-            <a:graphicFrameLocks noGrp="1"/>
-          </p:cNvGraphicFramePr>
-          <p:nvPr>
-            <p:extLst>
-              <p:ext uri="{D42A27DB-BD31-4B8C-83A1-F6EECF244321}">
-                <p14:modId xmlns:p14="http://schemas.microsoft.com/office/powerpoint/2010/main" val="1575396548"/>
-              </p:ext>
-            </p:extLst>
-          </p:nvPr>
-        </p:nvGraphicFramePr>
-        <p:xfrm>
-          <a:off x="402896" y="5035215"/>
-          <a:ext cx="3444240" cy="1014906"/>
-        </p:xfrm>
-        <a:graphic>
-          <a:graphicData uri="http://schemas.openxmlformats.org/drawingml/2006/table">
-            <a:tbl>
-              <a:tblPr firstRow="1" bandRow="1">
-                <a:tableStyleId>{9D7B26C5-4107-4FEC-AEDC-1716B250A1EF}</a:tableStyleId>
-              </a:tblPr>
-              <a:tblGrid>
-                <a:gridCol w="1148080"/>
-                <a:gridCol w="1148080"/>
-                <a:gridCol w="1148080"/>
-              </a:tblGrid>
-              <a:tr h="338302">
-                <a:tc gridSpan="3">
-                  <a:txBody>
-                    <a:bodyPr/>
-                    <a:lstStyle/>
-                    <a:p>
-                      <a:r>
-                        <a:rPr lang="en-US" sz="1400" dirty="0" smtClean="0"/>
-                        <a:t>Select * from employee where name=‘Mike’</a:t>
-                      </a:r>
-                      <a:endParaRPr lang="en-US" sz="1400" dirty="0"/>
-                    </a:p>
-                  </a:txBody>
-                  <a:tcPr>
-                    <a:lnL w="12700" cap="flat" cmpd="sng" algn="ctr">
-                      <a:solidFill>
-                        <a:scrgbClr r="0" g="0" b="0"/>
-                      </a:solidFill>
-                      <a:prstDash val="solid"/>
-                      <a:round/>
-                      <a:headEnd type="none" w="med" len="med"/>
-                      <a:tailEnd type="none" w="med" len="med"/>
-                    </a:lnL>
-                    <a:lnR w="12700" cap="flat" cmpd="sng" algn="ctr">
-                      <a:solidFill>
-                        <a:scrgbClr r="0" g="0" b="0"/>
-                      </a:solidFill>
-                      <a:prstDash val="solid"/>
-                      <a:round/>
-                      <a:headEnd type="none" w="med" len="med"/>
-                      <a:tailEnd type="none" w="med" len="med"/>
-                    </a:lnR>
-                    <a:lnT w="12700" cap="flat" cmpd="sng" algn="ctr">
-                      <a:solidFill>
-                        <a:scrgbClr r="0" g="0" b="0"/>
-                      </a:solidFill>
-                      <a:prstDash val="solid"/>
-                      <a:round/>
-                      <a:headEnd type="none" w="med" len="med"/>
-                      <a:tailEnd type="none" w="med" len="med"/>
-                    </a:lnT>
-                    <a:solidFill>
-                      <a:srgbClr val="FFFFFF"/>
-                    </a:solidFill>
-                  </a:tcPr>
-                </a:tc>
-                <a:tc hMerge="1">
-                  <a:txBody>
-                    <a:bodyPr/>
-                    <a:lstStyle/>
-                    <a:p>
-                      <a:endParaRPr lang="en-US" dirty="0"/>
-                    </a:p>
-                  </a:txBody>
-                  <a:tcPr/>
-                </a:tc>
-                <a:tc hMerge="1">
-                  <a:txBody>
-                    <a:bodyPr/>
-                    <a:lstStyle/>
-                    <a:p>
-                      <a:endParaRPr lang="en-US" sz="1400" dirty="0"/>
-                    </a:p>
-                  </a:txBody>
-                  <a:tcPr>
-                    <a:lnL w="12700" cap="flat" cmpd="sng" algn="ctr">
-                      <a:solidFill>
-                        <a:scrgbClr r="0" g="0" b="0"/>
-                      </a:solidFill>
-                      <a:prstDash val="solid"/>
-                      <a:round/>
-                      <a:headEnd type="none" w="med" len="med"/>
-                      <a:tailEnd type="none" w="med" len="med"/>
-                    </a:lnL>
-                    <a:lnR w="12700" cap="flat" cmpd="sng" algn="ctr">
-                      <a:solidFill>
-                        <a:scrgbClr r="0" g="0" b="0"/>
-                      </a:solidFill>
-                      <a:prstDash val="solid"/>
-                      <a:round/>
-                      <a:headEnd type="none" w="med" len="med"/>
-                      <a:tailEnd type="none" w="med" len="med"/>
-                    </a:lnR>
-                    <a:lnT w="12700" cap="flat" cmpd="sng" algn="ctr">
-                      <a:solidFill>
-                        <a:scrgbClr r="0" g="0" b="0"/>
-                      </a:solidFill>
-                      <a:prstDash val="solid"/>
-                      <a:round/>
-                      <a:headEnd type="none" w="med" len="med"/>
-                      <a:tailEnd type="none" w="med" len="med"/>
-                    </a:lnT>
-                    <a:solidFill>
-                      <a:srgbClr val="FFFFFF"/>
-                    </a:solidFill>
-                  </a:tcPr>
-                </a:tc>
-              </a:tr>
-              <a:tr h="338302">
-                <a:tc>
-                  <a:txBody>
-                    <a:bodyPr/>
-                    <a:lstStyle/>
-                    <a:p>
-                      <a:r>
-                        <a:rPr lang="en-US" sz="1400" dirty="0" smtClean="0"/>
-                        <a:t>name</a:t>
-                      </a:r>
-                      <a:endParaRPr lang="en-US" sz="1400" dirty="0"/>
-                    </a:p>
-                  </a:txBody>
-                  <a:tcPr>
-                    <a:lnL w="12700" cap="flat" cmpd="sng" algn="ctr">
-                      <a:solidFill>
-                        <a:scrgbClr r="0" g="0" b="0"/>
-                      </a:solidFill>
-                      <a:prstDash val="solid"/>
-                      <a:round/>
-                      <a:headEnd type="none" w="med" len="med"/>
-                      <a:tailEnd type="none" w="med" len="med"/>
-                    </a:lnL>
-                    <a:solidFill>
-                      <a:schemeClr val="accent3"/>
-                    </a:solidFill>
-                  </a:tcPr>
-                </a:tc>
-                <a:tc>
-                  <a:txBody>
-                    <a:bodyPr/>
-                    <a:lstStyle/>
-                    <a:p>
-                      <a:r>
-                        <a:rPr lang="en-US" sz="1400" dirty="0" smtClean="0"/>
-                        <a:t>supervisor</a:t>
-                      </a:r>
-                      <a:endParaRPr lang="en-US" sz="1400" dirty="0"/>
-                    </a:p>
-                  </a:txBody>
-                  <a:tcPr>
-                    <a:solidFill>
-                      <a:schemeClr val="accent3"/>
-                    </a:solidFill>
-                  </a:tcPr>
-                </a:tc>
-                <a:tc>
-                  <a:txBody>
-                    <a:bodyPr/>
-                    <a:lstStyle/>
-                    <a:p>
-                      <a:r>
-                        <a:rPr lang="en-US" sz="1400" dirty="0" smtClean="0"/>
-                        <a:t>title</a:t>
-                      </a:r>
-                      <a:endParaRPr lang="en-US" sz="1400" dirty="0"/>
-                    </a:p>
-                  </a:txBody>
-                  <a:tcPr>
-                    <a:solidFill>
-                      <a:schemeClr val="accent3"/>
-                    </a:solidFill>
-                  </a:tcPr>
-                </a:tc>
-              </a:tr>
-              <a:tr h="338302">
-                <a:tc>
-                  <a:txBody>
-                    <a:bodyPr/>
-                    <a:lstStyle/>
-                    <a:p>
-                      <a:r>
-                        <a:rPr lang="en-US" sz="1400" dirty="0" smtClean="0"/>
-                        <a:t>Mike</a:t>
-                      </a:r>
-                      <a:endParaRPr lang="en-US" sz="1400" dirty="0"/>
-                    </a:p>
-                  </a:txBody>
-                  <a:tcPr>
-                    <a:lnL w="12700" cap="flat" cmpd="sng" algn="ctr">
-                      <a:solidFill>
-                        <a:scrgbClr r="0" g="0" b="0"/>
-                      </a:solidFill>
-                      <a:prstDash val="solid"/>
-                      <a:round/>
-                      <a:headEnd type="none" w="med" len="med"/>
-                      <a:tailEnd type="none" w="med" len="med"/>
-                    </a:lnL>
-                    <a:solidFill>
-                      <a:schemeClr val="accent6">
-                        <a:lumMod val="40000"/>
-                        <a:lumOff val="60000"/>
-                      </a:schemeClr>
-                    </a:solidFill>
-                  </a:tcPr>
-                </a:tc>
-                <a:tc>
-                  <a:txBody>
-                    <a:bodyPr/>
-                    <a:lstStyle/>
-                    <a:p>
-                      <a:r>
-                        <a:rPr lang="en-US" sz="1400" dirty="0" smtClean="0"/>
-                        <a:t>James</a:t>
-                      </a:r>
-                      <a:endParaRPr lang="en-US" sz="1400" dirty="0"/>
-                    </a:p>
-                  </a:txBody>
-                  <a:tcPr>
-                    <a:solidFill>
-                      <a:schemeClr val="accent6">
-                        <a:lumMod val="40000"/>
-                        <a:lumOff val="60000"/>
-                      </a:schemeClr>
-                    </a:solidFill>
-                  </a:tcPr>
-                </a:tc>
-                <a:tc>
-                  <a:txBody>
-                    <a:bodyPr/>
-                    <a:lstStyle/>
-                    <a:p>
-                      <a:r>
-                        <a:rPr lang="en-US" sz="1400" dirty="0" smtClean="0"/>
-                        <a:t>Janitor</a:t>
-                      </a:r>
-                      <a:endParaRPr lang="en-US" sz="1400" dirty="0"/>
-                    </a:p>
-                  </a:txBody>
-                  <a:tcPr>
-                    <a:lnR w="12700" cap="flat" cmpd="sng" algn="ctr">
-                      <a:solidFill>
-                        <a:scrgbClr r="0" g="0" b="0"/>
-                      </a:solidFill>
-                      <a:prstDash val="solid"/>
-                      <a:round/>
-                      <a:headEnd type="none" w="med" len="med"/>
-                      <a:tailEnd type="none" w="med" len="med"/>
-                    </a:lnR>
-                    <a:solidFill>
-                      <a:schemeClr val="accent6">
-                        <a:lumMod val="40000"/>
-                        <a:lumOff val="60000"/>
-                      </a:schemeClr>
-                    </a:solidFill>
-                  </a:tcPr>
-                </a:tc>
-              </a:tr>
-            </a:tbl>
-          </a:graphicData>
-        </a:graphic>
-      </p:graphicFrame>
-      <p:sp>
-        <p:nvSpPr>
-          <p:cNvPr id="8" name="Content Placeholder 7"/>
-          <p:cNvSpPr>
-            <a:spLocks noGrp="1"/>
-          </p:cNvSpPr>
-          <p:nvPr>
-            <p:ph idx="1"/>
-          </p:nvPr>
-        </p:nvSpPr>
-        <p:spPr>
-          <a:xfrm>
-            <a:off x="5404070" y="1296056"/>
-            <a:ext cx="3493102" cy="1343572"/>
-          </a:xfrm>
-        </p:spPr>
-        <p:txBody>
-          <a:bodyPr>
-            <a:normAutofit fontScale="85000" lnSpcReduction="20000"/>
-          </a:bodyPr>
-          <a:lstStyle/>
-          <a:p>
-            <a:pPr marL="0" indent="0">
-              <a:buNone/>
-            </a:pPr>
-            <a:r>
-              <a:rPr lang="en-US" sz="1400" dirty="0" smtClean="0"/>
-              <a:t>Note: { and } added to Column Name</a:t>
-            </a:r>
-          </a:p>
-          <a:p>
-            <a:pPr marL="0" indent="0">
-              <a:buNone/>
-            </a:pPr>
-            <a:r>
-              <a:rPr lang="en-US" sz="1400" dirty="0" smtClean="0"/>
-              <a:t>All where conditions are “Replace Processed” during Merge.</a:t>
-            </a:r>
-          </a:p>
-          <a:p>
-            <a:pPr marL="0" indent="0">
-              <a:buNone/>
-            </a:pPr>
-            <a:r>
-              <a:rPr lang="en-US" sz="1400" dirty="0" smtClean="0"/>
-              <a:t>A result set with more than 1 row will result in an error and merge failure.</a:t>
-            </a:r>
-            <a:endParaRPr lang="en-US" sz="1400" dirty="0"/>
-          </a:p>
-        </p:txBody>
-      </p:sp>
-      <p:pic>
-        <p:nvPicPr>
-          <p:cNvPr id="9" name="Picture 8" descr="Screen Shot 2015-02-16 at 4.01.18 PM.png"/>
-          <p:cNvPicPr>
-            <a:picLocks noChangeAspect="1"/>
-          </p:cNvPicPr>
-          <p:nvPr/>
-        </p:nvPicPr>
-        <p:blipFill>
-          <a:blip r:embed="rId2">
-            <a:extLst>
-              <a:ext uri="{28A0092B-C50C-407E-A947-70E740481C1C}">
-                <a14:useLocalDpi xmlns:a14="http://schemas.microsoft.com/office/drawing/2010/main" val="0"/>
-              </a:ext>
-            </a:extLst>
-          </a:blip>
-          <a:stretch>
-            <a:fillRect/>
-          </a:stretch>
-        </p:blipFill>
-        <p:spPr>
-          <a:xfrm>
-            <a:off x="718206" y="1371600"/>
-            <a:ext cx="4291725" cy="3389642"/>
-          </a:xfrm>
-          <a:prstGeom prst="rect">
-            <a:avLst/>
-          </a:prstGeom>
-        </p:spPr>
-      </p:pic>
-      <p:cxnSp>
-        <p:nvCxnSpPr>
-          <p:cNvPr id="12" name="Straight Arrow Connector 11"/>
-          <p:cNvCxnSpPr/>
-          <p:nvPr/>
-        </p:nvCxnSpPr>
-        <p:spPr>
-          <a:xfrm flipV="1">
-            <a:off x="1147379" y="3407103"/>
-            <a:ext cx="5521435" cy="2058276"/>
-          </a:xfrm>
-          <a:prstGeom prst="straightConnector1">
-            <a:avLst/>
-          </a:prstGeom>
-          <a:ln>
-            <a:solidFill>
-              <a:srgbClr val="000090"/>
-            </a:solidFill>
-            <a:tailEnd type="arrow"/>
-          </a:ln>
-        </p:spPr>
-        <p:style>
-          <a:lnRef idx="2">
-            <a:schemeClr val="accent1"/>
-          </a:lnRef>
-          <a:fillRef idx="0">
-            <a:schemeClr val="accent1"/>
-          </a:fillRef>
-          <a:effectRef idx="1">
-            <a:schemeClr val="accent1"/>
-          </a:effectRef>
-          <a:fontRef idx="minor">
-            <a:schemeClr val="tx1"/>
-          </a:fontRef>
-        </p:style>
-      </p:cxnSp>
-      <p:cxnSp>
-        <p:nvCxnSpPr>
-          <p:cNvPr id="14" name="Straight Arrow Connector 13"/>
-          <p:cNvCxnSpPr/>
-          <p:nvPr/>
-        </p:nvCxnSpPr>
-        <p:spPr>
-          <a:xfrm>
-            <a:off x="2382345" y="5465379"/>
-            <a:ext cx="4286469" cy="175173"/>
-          </a:xfrm>
-          <a:prstGeom prst="straightConnector1">
-            <a:avLst/>
-          </a:prstGeom>
-          <a:ln>
-            <a:solidFill>
-              <a:srgbClr val="000090"/>
-            </a:solidFill>
-            <a:tailEnd type="arrow"/>
-          </a:ln>
-        </p:spPr>
-        <p:style>
-          <a:lnRef idx="2">
-            <a:schemeClr val="accent1"/>
-          </a:lnRef>
-          <a:fillRef idx="0">
-            <a:schemeClr val="accent1"/>
-          </a:fillRef>
-          <a:effectRef idx="1">
-            <a:schemeClr val="accent1"/>
-          </a:effectRef>
-          <a:fontRef idx="minor">
-            <a:schemeClr val="tx1"/>
-          </a:fontRef>
-        </p:style>
-      </p:cxnSp>
-      <p:cxnSp>
-        <p:nvCxnSpPr>
-          <p:cNvPr id="17" name="Straight Arrow Connector 16"/>
-          <p:cNvCxnSpPr/>
-          <p:nvPr/>
-        </p:nvCxnSpPr>
-        <p:spPr>
-          <a:xfrm>
-            <a:off x="3345793" y="5570483"/>
-            <a:ext cx="3323021" cy="479638"/>
-          </a:xfrm>
-          <a:prstGeom prst="straightConnector1">
-            <a:avLst/>
-          </a:prstGeom>
-          <a:ln>
-            <a:solidFill>
-              <a:srgbClr val="000090"/>
-            </a:solidFill>
-            <a:tailEnd type="arrow"/>
-          </a:ln>
-        </p:spPr>
-        <p:style>
-          <a:lnRef idx="2">
-            <a:schemeClr val="accent1"/>
-          </a:lnRef>
-          <a:fillRef idx="0">
-            <a:schemeClr val="accent1"/>
-          </a:fillRef>
-          <a:effectRef idx="1">
-            <a:schemeClr val="accent1"/>
-          </a:effectRef>
-          <a:fontRef idx="minor">
-            <a:schemeClr val="tx1"/>
-          </a:fontRef>
-        </p:style>
-      </p:cxnSp>
-    </p:spTree>
-    <p:extLst>
-      <p:ext uri="{BB962C8B-B14F-4D97-AF65-F5344CB8AC3E}">
-        <p14:creationId xmlns:p14="http://schemas.microsoft.com/office/powerpoint/2010/main" val="519072877"/>
       </p:ext>
     </p:extLst>
   </p:cSld>

--- a/WebContent/MergeTools.pptx
+++ b/WebContent/MergeTools.pptx
@@ -7354,7 +7354,7 @@
           <a:lstStyle/>
           <a:p>
             <a:r>
-              <a:rPr lang="en-US" dirty="0" err="1" smtClean="0"/>
+              <a:rPr lang="en-US" dirty="0" smtClean="0"/>
               <a:t>DragonFly</a:t>
             </a:r>
             <a:endParaRPr lang="en-US" dirty="0"/>
@@ -8947,7 +8947,15 @@
             </a:pPr>
             <a:r>
               <a:rPr lang="en-US" sz="1400" dirty="0" smtClean="0"/>
-              <a:t>Note: { and } added to Column Name</a:t>
+              <a:t>Note: { and } </a:t>
+            </a:r>
+            <a:r>
+              <a:rPr lang="en-US" sz="1400" dirty="0" smtClean="0"/>
+              <a:t>are added </a:t>
+            </a:r>
+            <a:r>
+              <a:rPr lang="en-US" sz="1400" dirty="0" smtClean="0"/>
+              <a:t>to Column Name</a:t>
             </a:r>
           </a:p>
           <a:p>
@@ -9299,7 +9307,7 @@
         </p:blipFill>
         <p:spPr>
           <a:xfrm>
-            <a:off x="365152" y="1471448"/>
+            <a:off x="439856" y="1471448"/>
             <a:ext cx="4389424" cy="4677103"/>
           </a:xfrm>
           <a:prstGeom prst="rect">
@@ -9574,12 +9582,8 @@
               <a:buNone/>
             </a:pPr>
             <a:r>
-              <a:rPr lang="en-US" dirty="0" err="1" smtClean="0"/>
-              <a:t>DragonFly</a:t>
-            </a:r>
-            <a:r>
               <a:rPr lang="en-US" dirty="0" smtClean="0"/>
-              <a:t> is a powerful web based tool that allows you to generate any type of output files from simple text templates and a SQL data source.</a:t>
+              <a:t>DragonFly is a powerful web based tool that allows you to generate any type of output files from simple text templates and a SQL data source.</a:t>
             </a:r>
             <a:endParaRPr lang="en-US" dirty="0"/>
           </a:p>
@@ -9998,8 +10002,12 @@
           </a:p>
           <a:p>
             <a:r>
-              <a:rPr lang="en-US" smtClean="0"/>
-              <a:t>HashTable </a:t>
+              <a:rPr lang="en-US" dirty="0" err="1" smtClean="0"/>
+              <a:t>HashTable</a:t>
+            </a:r>
+            <a:r>
+              <a:rPr lang="en-US" dirty="0" smtClean="0"/>
+              <a:t> </a:t>
             </a:r>
             <a:r>
               <a:rPr lang="en-US" dirty="0" smtClean="0"/>
@@ -12763,39 +12771,23 @@
           <a:lstStyle/>
           <a:p>
             <a:r>
-              <a:rPr lang="en-US" dirty="0" smtClean="0"/>
+              <a:rPr lang="en-US" sz="1800" dirty="0" smtClean="0"/>
               <a:t>http</a:t>
             </a:r>
             <a:r>
-              <a:rPr lang="en-US" dirty="0"/>
-              <a:t>:/</a:t>
-            </a:r>
-            <a:r>
-              <a:rPr lang="en-US" dirty="0" err="1"/>
-              <a:t>www.you.com</a:t>
-            </a:r>
-            <a:r>
-              <a:rPr lang="en-US" dirty="0"/>
-              <a:t>/</a:t>
-            </a:r>
-            <a:r>
-              <a:rPr lang="en-US" dirty="0" err="1"/>
-              <a:t>Merge?name</a:t>
-            </a:r>
-            <a:r>
-              <a:rPr lang="en-US" dirty="0"/>
-              <a:t>=</a:t>
-            </a:r>
-            <a:r>
-              <a:rPr lang="en-US" dirty="0" err="1"/>
-              <a:t>Mike&amp;age</a:t>
-            </a:r>
-            <a:r>
-              <a:rPr lang="en-US" dirty="0"/>
-              <a:t>=</a:t>
-            </a:r>
-            <a:r>
-              <a:rPr lang="en-US" dirty="0" smtClean="0"/>
+              <a:rPr lang="en-US" sz="1800" dirty="0"/>
+              <a:t>:/www.you.com</a:t>
+            </a:r>
+            <a:r>
+              <a:rPr lang="en-US" sz="1800" dirty="0" smtClean="0"/>
+              <a:t>/DragonFly/Merge</a:t>
+            </a:r>
+            <a:r>
+              <a:rPr lang="en-US" sz="1800" dirty="0"/>
+              <a:t>?name=Mike&amp;age=</a:t>
+            </a:r>
+            <a:r>
+              <a:rPr lang="en-US" sz="1800" dirty="0" smtClean="0"/>
               <a:t>21</a:t>
             </a:r>
           </a:p>
